--- a/resources/docs/GBC_PPT.pptx
+++ b/resources/docs/GBC_PPT.pptx
@@ -11,8 +11,8 @@
     <p:sldId id="270" r:id="rId2"/>
     <p:sldId id="273" r:id="rId3"/>
     <p:sldId id="274" r:id="rId4"/>
-    <p:sldId id="279" r:id="rId5"/>
-    <p:sldId id="276" r:id="rId6"/>
+    <p:sldId id="276" r:id="rId5"/>
+    <p:sldId id="279" r:id="rId6"/>
     <p:sldId id="277" r:id="rId7"/>
     <p:sldId id="278" r:id="rId8"/>
   </p:sldIdLst>
@@ -976,7 +976,7 @@
           </a:pPr>
           <a:r>
             <a:rPr lang="en-US" b="1" dirty="0"/>
-            <a:t>Project Overview</a:t>
+            <a:t>Product Demo – the GBC Solution</a:t>
           </a:r>
           <a:endParaRPr lang="en-US" dirty="0"/>
         </a:p>
@@ -1056,7 +1056,7 @@
           </a:pPr>
           <a:r>
             <a:rPr lang="en-US" b="1" dirty="0"/>
-            <a:t>Product Demo – the GBC Solution</a:t>
+            <a:t>Project Overview </a:t>
           </a:r>
           <a:endParaRPr lang="en-US" dirty="0"/>
         </a:p>
@@ -2001,7 +2001,7 @@
           </a:pPr>
           <a:r>
             <a:rPr lang="en-US" sz="1900" b="1" kern="1200" dirty="0"/>
-            <a:t>Project Overview</a:t>
+            <a:t>Product Demo – the GBC Solution</a:t>
           </a:r>
           <a:endParaRPr lang="en-US" sz="1900" kern="1200" dirty="0"/>
         </a:p>
@@ -2217,7 +2217,7 @@
           </a:pPr>
           <a:r>
             <a:rPr lang="en-US" sz="1900" b="1" kern="1200" dirty="0"/>
-            <a:t>Product Demo – the GBC Solution</a:t>
+            <a:t>Project Overview </a:t>
           </a:r>
           <a:endParaRPr lang="en-US" sz="1900" kern="1200" dirty="0"/>
         </a:p>
@@ -4088,7 +4088,7 @@
           <a:p>
             <a:fld id="{B2AEF31B-9BA7-49BC-8039-11CBAE6AD98B}" type="datetimeFigureOut">
               <a:rPr lang="en-US" smtClean="0"/>
-              <a:t>7/21/2024</a:t>
+              <a:t>7/22/2024</a:t>
             </a:fld>
             <a:endParaRPr lang="en-US"/>
           </a:p>
@@ -4485,586 +4485,40 @@
           <a:p>
             <a:r>
               <a:rPr lang="en-US" dirty="0"/>
-              <a:t>Who are we? GBC- quality control team</a:t>
+              <a:t>Page 1</a:t>
             </a:r>
           </a:p>
           <a:p>
             <a:r>
               <a:rPr lang="en-US" dirty="0"/>
-              <a:t>Who is our audience? GBC quality control manager, and the board.  </a:t>
+              <a:t>-We’re here as the Generic Butcher Company quality control team to give a quick run down on a problem and a solution we’re facing.  </a:t>
             </a:r>
           </a:p>
           <a:p>
             <a:r>
               <a:rPr lang="en-US" dirty="0"/>
-              <a:t>What do we want? We want permission and capital to move </a:t>
-            </a:r>
-            <a:r>
-              <a:rPr lang="en-US" dirty="0" err="1"/>
-              <a:t>foreward</a:t>
-            </a:r>
+              <a:t>-The team is all here- Abigail, Saad, Kevin, Josh, and myself, Caite. </a:t>
+            </a:r>
+          </a:p>
+          <a:p>
             <a:r>
               <a:rPr lang="en-US" dirty="0"/>
-              <a:t> with managing new database and serving a dashboard website for the team. </a:t>
-            </a:r>
+              <a:t>-We’re looking for permission to move forward with managing a new QC  database and web-hosted dashboard. </a:t>
+            </a:r>
+          </a:p>
+          <a:p>
+            <a:endParaRPr lang="en-US" dirty="0"/>
           </a:p>
           <a:p>
             <a:r>
               <a:rPr lang="en-US" dirty="0"/>
-              <a:t>Pitch method? STAR- situation, task, action, result</a:t>
+              <a:t>-We’ll give a demo in a few minutes, how it’s implemented, some wants and then open everyone up for questions. </a:t>
             </a:r>
           </a:p>
           <a:p>
             <a:endParaRPr lang="en-US" dirty="0"/>
           </a:p>
           <a:p>
-            <a:endParaRPr lang="en-US" dirty="0"/>
-          </a:p>
-          <a:p>
-            <a:r>
-              <a:rPr lang="en-US" dirty="0" err="1"/>
-              <a:t>Powerpoint</a:t>
-            </a:r>
-            <a:r>
-              <a:rPr lang="en-US" dirty="0"/>
-              <a:t> </a:t>
-            </a:r>
-          </a:p>
-          <a:p>
-            <a:r>
-              <a:rPr lang="en-US" b="1" dirty="0"/>
-              <a:t>Caite – </a:t>
-            </a:r>
-            <a:r>
-              <a:rPr lang="en-US" dirty="0"/>
-              <a:t>Introduction to GBC and the problem</a:t>
-            </a:r>
-          </a:p>
-          <a:p>
-            <a:r>
-              <a:rPr lang="en-US" dirty="0"/>
-              <a:t>	- Situation + problem</a:t>
-            </a:r>
-          </a:p>
-          <a:p>
-            <a:r>
-              <a:rPr lang="en-US" dirty="0"/>
-              <a:t>	-Show what our raw data looks like in CSV, and how many hours might be spent reinventing this report in Excel every month ad-hoc. </a:t>
-            </a:r>
-          </a:p>
-          <a:p>
-            <a:endParaRPr lang="en-US" dirty="0"/>
-          </a:p>
-          <a:p>
-            <a:endParaRPr lang="en-US" dirty="0"/>
-          </a:p>
-          <a:p>
-            <a:r>
-              <a:rPr lang="en-US" b="1" dirty="0"/>
-              <a:t>Saad – </a:t>
-            </a:r>
-            <a:r>
-              <a:rPr lang="en-US" dirty="0"/>
-              <a:t>Project Overview - discuss how the project is managed, and the workflow from ingestion through deployment. </a:t>
-            </a:r>
-          </a:p>
-          <a:p>
-            <a:r>
-              <a:rPr lang="en-US" dirty="0"/>
-              <a:t>	- Converting CSV to database was the right solution- sell that AWS, to management!!</a:t>
-            </a:r>
-          </a:p>
-          <a:p>
-            <a:r>
-              <a:rPr lang="en-US" dirty="0"/>
-              <a:t>		-fairly inexpensive for monthly reporting</a:t>
-            </a:r>
-          </a:p>
-          <a:p>
-            <a:r>
-              <a:rPr lang="en-US" dirty="0"/>
-              <a:t>		- one of the industry standards</a:t>
-            </a:r>
-          </a:p>
-          <a:p>
-            <a:r>
-              <a:rPr lang="en-US" dirty="0"/>
-              <a:t>		- data is not lost on a local machine</a:t>
-            </a:r>
-          </a:p>
-          <a:p>
-            <a:r>
-              <a:rPr lang="en-US" dirty="0"/>
-              <a:t>		- importantly, data is not served to customer “raw”</a:t>
-            </a:r>
-          </a:p>
-          <a:p>
-            <a:r>
-              <a:rPr lang="en-US" dirty="0"/>
-              <a:t>	- We kept security in mind- </a:t>
-            </a:r>
-            <a:r>
-              <a:rPr lang="en-US" dirty="0" err="1"/>
-              <a:t>csvs</a:t>
-            </a:r>
-            <a:r>
-              <a:rPr lang="en-US" dirty="0"/>
-              <a:t> are insecure. This app allows us to keep data password protected. API flask end points keep the database secure from bad actors. </a:t>
-            </a:r>
-          </a:p>
-          <a:p>
-            <a:r>
-              <a:rPr lang="en-US" dirty="0"/>
-              <a:t>	- We ingested, cleaned, transformed, and served the data using various Python, </a:t>
-            </a:r>
-            <a:r>
-              <a:rPr lang="en-US" dirty="0" err="1"/>
-              <a:t>Javascript</a:t>
-            </a:r>
-            <a:r>
-              <a:rPr lang="en-US" dirty="0"/>
-              <a:t>, CSS, HTML, AWS tools. </a:t>
-            </a:r>
-          </a:p>
-          <a:p>
-            <a:endParaRPr lang="en-US" dirty="0"/>
-          </a:p>
-          <a:p>
-            <a:endParaRPr lang="en-US" dirty="0"/>
-          </a:p>
-          <a:p>
-            <a:endParaRPr lang="en-US" dirty="0"/>
-          </a:p>
-          <a:p>
-            <a:r>
-              <a:rPr lang="en-US" b="1" dirty="0"/>
-              <a:t>Kevin – </a:t>
-            </a:r>
-            <a:r>
-              <a:rPr lang="en-US" dirty="0"/>
-              <a:t>Introduction to our  solution– </a:t>
-            </a:r>
-          </a:p>
-          <a:p>
-            <a:r>
-              <a:rPr lang="en-US" dirty="0"/>
-              <a:t>	- As an ops guy, its important to see my action items first.  I made sure that this was our number one focus.  </a:t>
-            </a:r>
-          </a:p>
-          <a:p>
-            <a:r>
-              <a:rPr lang="en-US" dirty="0"/>
-              <a:t>	- The data cleaning process kept that in mind. </a:t>
-            </a:r>
-          </a:p>
-          <a:p>
-            <a:r>
-              <a:rPr lang="en-US" dirty="0"/>
-              <a:t>	- As we analyzed data this month, we discovered some products that had outliers skewing data:</a:t>
-            </a:r>
-          </a:p>
-          <a:p>
-            <a:r>
-              <a:rPr lang="en-US" dirty="0"/>
-              <a:t>		- TEST BLOCKS were coming across as products, they aren’t so we dropped them.</a:t>
-            </a:r>
-          </a:p>
-          <a:p>
-            <a:r>
-              <a:rPr lang="en-US" dirty="0"/>
-              <a:t>		-HEIGHT - no steak is &lt; .05 inches that has to be water on the line, so we dropped these outliers.</a:t>
-            </a:r>
-          </a:p>
-          <a:p>
-            <a:r>
-              <a:rPr lang="en-US" dirty="0"/>
-              <a:t>		-WEIGHT - no steak is 800# that has to be human error</a:t>
-            </a:r>
-          </a:p>
-          <a:p>
-            <a:r>
-              <a:rPr lang="en-US" dirty="0"/>
-              <a:t>		-Other metrics- our customer only provided metrics for weight and height, so we are only going to review those metrics in depth. Other metrics are also not necessary for most of the products. </a:t>
-            </a:r>
-          </a:p>
-          <a:p>
-            <a:r>
-              <a:rPr lang="en-US" dirty="0"/>
-              <a:t>	- Keeping customer specification in mind, we first and foremost made an “actions” landing page based on data that had been cleaned up of the errors we found.  </a:t>
-            </a:r>
-          </a:p>
-          <a:p>
-            <a:r>
-              <a:rPr lang="en-US" dirty="0"/>
-              <a:t>	- Allows for the QC manager to have and attack plan immediately, before this information gets passed to external stakeholders. </a:t>
-            </a:r>
-          </a:p>
-          <a:p>
-            <a:r>
-              <a:rPr lang="en-US" dirty="0"/>
-              <a:t>	- Allows me to make an action list not only on the product, but on who might have been working during those runs and if there is maintenance on the machine needed, better process checks etc.  </a:t>
-            </a:r>
-          </a:p>
-          <a:p>
-            <a:r>
-              <a:rPr lang="en-US" dirty="0"/>
-              <a:t>	- Segue- Josh took that to heart and will discuss the “actions page” </a:t>
-            </a:r>
-          </a:p>
-          <a:p>
-            <a:endParaRPr lang="en-US" dirty="0"/>
-          </a:p>
-          <a:p>
-            <a:endParaRPr lang="en-US" dirty="0"/>
-          </a:p>
-          <a:p>
-            <a:r>
-              <a:rPr lang="en-US" b="1" dirty="0"/>
-              <a:t>Josh – </a:t>
-            </a:r>
-            <a:r>
-              <a:rPr lang="en-US" dirty="0"/>
-              <a:t>Actions Page – discuss the features in Actions </a:t>
-            </a:r>
-          </a:p>
-          <a:p>
-            <a:r>
-              <a:rPr lang="en-US" dirty="0"/>
-              <a:t>	- We designed our landing page so that if there are products out of spec, this page populates this way– highlighting the out of spec products in bright red. </a:t>
-            </a:r>
-          </a:p>
-          <a:p>
-            <a:r>
-              <a:rPr lang="en-US" dirty="0"/>
-              <a:t>	- If nothing is out of spec, we show that. I know immediately which products I should review and address.  </a:t>
-            </a:r>
-          </a:p>
-          <a:p>
-            <a:r>
-              <a:rPr lang="en-US" dirty="0"/>
-              <a:t>Segue- If I want to get an overall view- I can just tab over to the Overview page.  Abigail can speak to the features in our overview page. </a:t>
-            </a:r>
-          </a:p>
-          <a:p>
-            <a:endParaRPr lang="en-US" dirty="0"/>
-          </a:p>
-          <a:p>
-            <a:endParaRPr lang="en-US" dirty="0"/>
-          </a:p>
-          <a:p>
-            <a:r>
-              <a:rPr lang="en-US" b="1" dirty="0"/>
-              <a:t>Abigail – </a:t>
-            </a:r>
-            <a:r>
-              <a:rPr lang="en-US" dirty="0"/>
-              <a:t>Overview Page – discuss the features in Overview </a:t>
-            </a:r>
-          </a:p>
-          <a:p>
-            <a:r>
-              <a:rPr lang="en-US" dirty="0"/>
-              <a:t>	- We have two major metrics to review.  It’s annoying to scroll back and forth so we can toggle between reports. </a:t>
-            </a:r>
-          </a:p>
-          <a:p>
-            <a:r>
-              <a:rPr lang="en-US" dirty="0"/>
-              <a:t>	- Following our goal to know exactly what our punch-products are, non-compliant products are found and listed at the top of each table. </a:t>
-            </a:r>
-          </a:p>
-          <a:p>
-            <a:r>
-              <a:rPr lang="en-US" dirty="0"/>
-              <a:t>	- These tables show us everything we need to know.  For example – 20 oz steaks are very non-compliant. We can see that this could be because there aren’t as many 20-oz steaks in the run so every single steak materially changes the data.  They have a lower overall count, and it could be because the spec is unrealistic for such a big steak. Either way, we have all the information we need to start making an action list to address. </a:t>
-            </a:r>
-          </a:p>
-          <a:p>
-            <a:r>
-              <a:rPr lang="en-US" dirty="0"/>
-              <a:t>Segue- There are still some items that are hard to see in these tables. That is why we also created a products page.  I’ll turn that over to Kevin.  </a:t>
-            </a:r>
-          </a:p>
-          <a:p>
-            <a:endParaRPr lang="en-US" dirty="0"/>
-          </a:p>
-          <a:p>
-            <a:endParaRPr lang="en-US" dirty="0"/>
-          </a:p>
-          <a:p>
-            <a:r>
-              <a:rPr lang="en-US" b="1" dirty="0"/>
-              <a:t>Kevin – </a:t>
-            </a:r>
-            <a:r>
-              <a:rPr lang="en-US" dirty="0"/>
-              <a:t>Products Page – Introduce Histograms</a:t>
-            </a:r>
-          </a:p>
-          <a:p>
-            <a:r>
-              <a:rPr lang="en-US" dirty="0"/>
-              <a:t>	- Going to give a quick refresher on histograms –</a:t>
-            </a:r>
-          </a:p>
-          <a:p>
-            <a:r>
-              <a:rPr lang="en-US" dirty="0"/>
-              <a:t>		- they show our “bell curve” that should be centered around the average, and that average should be close to the product spec</a:t>
-            </a:r>
-          </a:p>
-          <a:p>
-            <a:r>
-              <a:rPr lang="en-US" dirty="0"/>
-              <a:t>		- We wanted the x-axis to step by a 10</a:t>
-            </a:r>
-            <a:r>
-              <a:rPr lang="en-US" baseline="30000" dirty="0"/>
-              <a:t>th</a:t>
-            </a:r>
-            <a:r>
-              <a:rPr lang="en-US" dirty="0"/>
-              <a:t> of an inch and a quarter oz so that we could easily understand the data. </a:t>
-            </a:r>
-          </a:p>
-          <a:p>
-            <a:r>
-              <a:rPr lang="en-US" dirty="0"/>
-              <a:t>		- each of these columns represents the count of the steaks in that month that fell within say 11 and 11.25 ounces.  Hovering over the bar gives the exact count. </a:t>
-            </a:r>
-          </a:p>
-          <a:p>
-            <a:r>
-              <a:rPr lang="en-US" dirty="0"/>
-              <a:t>		- a quality production line will have few outliers, and a narrow curve. </a:t>
-            </a:r>
-          </a:p>
-          <a:p>
-            <a:r>
-              <a:rPr lang="en-US" dirty="0"/>
-              <a:t>			- give an example of a curve we might want to look at even though it’s in compliance</a:t>
-            </a:r>
-          </a:p>
-          <a:p>
-            <a:r>
-              <a:rPr lang="en-US" dirty="0"/>
-              <a:t>	- Just another reminder that we need to hit that 95% compliance goal.  So we drew out our goal posts to really easily see how far out of spec our outliers ended up.</a:t>
-            </a:r>
-          </a:p>
-          <a:p>
-            <a:r>
-              <a:rPr lang="en-US" dirty="0"/>
-              <a:t>	- We also want to clearly understand our mean value.  </a:t>
-            </a:r>
-          </a:p>
-          <a:p>
-            <a:r>
-              <a:rPr lang="en-US" dirty="0"/>
-              <a:t>		- For example this product is 12 oz and our mean is X, are we under or overdelivering to the customer on average? </a:t>
-            </a:r>
-          </a:p>
-          <a:p>
-            <a:r>
-              <a:rPr lang="en-US" dirty="0"/>
-              <a:t>	- We can’t re-educate stakeholders every month. Everything needs to be a simple read so we’re serving simple, gridded data by product.  </a:t>
-            </a:r>
-          </a:p>
-          <a:p>
-            <a:r>
-              <a:rPr lang="en-US" dirty="0"/>
-              <a:t>	- Just so we can present data quickly, we also created a feature on this page that calls out non-compliant products in the value tables to the right. </a:t>
-            </a:r>
-          </a:p>
-          <a:p>
-            <a:r>
-              <a:rPr lang="en-US" dirty="0"/>
-              <a:t>Segue – As we ask for the opportunity to move forward with this project, we were not without some challenges that Abigail can speak to. </a:t>
-            </a:r>
-          </a:p>
-          <a:p>
-            <a:endParaRPr lang="en-US" dirty="0"/>
-          </a:p>
-          <a:p>
-            <a:r>
-              <a:rPr lang="en-US" b="1" dirty="0"/>
-              <a:t>Abigail- </a:t>
-            </a:r>
-            <a:r>
-              <a:rPr lang="en-US" dirty="0"/>
-              <a:t>Challenges</a:t>
-            </a:r>
-          </a:p>
-          <a:p>
-            <a:r>
-              <a:rPr lang="en-US" dirty="0"/>
-              <a:t>	- Testing across all browsers was necessary in order to ensure consistent view. For example, Kevin’s browser in dark-mode was serving a completely different </a:t>
-            </a:r>
-            <a:r>
-              <a:rPr lang="en-US" dirty="0" err="1"/>
-              <a:t>plotly</a:t>
-            </a:r>
-            <a:r>
-              <a:rPr lang="en-US" dirty="0"/>
-              <a:t> graph than ours.</a:t>
-            </a:r>
-          </a:p>
-          <a:p>
-            <a:r>
-              <a:rPr lang="en-US" dirty="0"/>
-              <a:t>	- We found errors in data at the 11</a:t>
-            </a:r>
-            <a:r>
-              <a:rPr lang="en-US" baseline="30000" dirty="0"/>
-              <a:t>th</a:t>
-            </a:r>
-            <a:r>
-              <a:rPr lang="en-US" dirty="0"/>
-              <a:t> hour- like 13 oz tail-on steak (show that view), but that is what this tool is designed to do– to open us </a:t>
-            </a:r>
-            <a:r>
-              <a:rPr lang="en-US" dirty="0" err="1"/>
-              <a:t>us</a:t>
-            </a:r>
-            <a:r>
-              <a:rPr lang="en-US" dirty="0"/>
-              <a:t> to questions and for those questions to give way to improving processes.  </a:t>
-            </a:r>
-          </a:p>
-          <a:p>
-            <a:r>
-              <a:rPr lang="en-US" dirty="0"/>
-              <a:t>	- Now that we have the overall structure working,  we have a huge opportunity to add features and functionality. </a:t>
-            </a:r>
-          </a:p>
-          <a:p>
-            <a:r>
-              <a:rPr lang="en-US" dirty="0"/>
-              <a:t>	- Team planning was another challenge.  It was hard to work all on the git main.  We had a moment of panic after hours of work “disappeared” from off-time pulls and pushes.  </a:t>
-            </a:r>
-          </a:p>
-          <a:p>
-            <a:r>
-              <a:rPr lang="en-US" dirty="0"/>
-              <a:t>	- Any other shout outs or challenges </a:t>
-            </a:r>
-          </a:p>
-          <a:p>
-            <a:r>
-              <a:rPr lang="en-US" dirty="0"/>
-              <a:t>Segue- Speaking of the team, as our youngest team member, its only fair that Josh is brought in to talk about the future--- </a:t>
-            </a:r>
-          </a:p>
-          <a:p>
-            <a:endParaRPr lang="en-US" dirty="0"/>
-          </a:p>
-          <a:p>
-            <a:r>
-              <a:rPr lang="en-US" b="1" dirty="0"/>
-              <a:t>Josh – </a:t>
-            </a:r>
-            <a:r>
-              <a:rPr lang="en-US" dirty="0"/>
-              <a:t>Considerations and future features</a:t>
-            </a:r>
-          </a:p>
-          <a:p>
-            <a:r>
-              <a:rPr lang="en-US" dirty="0"/>
-              <a:t>	- First and foremost, is this not the best logo on the planet?</a:t>
-            </a:r>
-          </a:p>
-          <a:p>
-            <a:r>
-              <a:rPr lang="en-US" dirty="0"/>
-              <a:t>	- We set this up so that if there are future requests from stakeholders, we could customize the dashboard. </a:t>
-            </a:r>
-          </a:p>
-          <a:p>
-            <a:pPr lvl="1"/>
-            <a:r>
-              <a:rPr lang="en-US" dirty="0"/>
-              <a:t>	- </a:t>
-            </a:r>
-            <a:r>
-              <a:rPr lang="en-US" sz="1200" dirty="0"/>
-              <a:t>This report is currently designed for INTERNAL stakeholders only – why , because we definitely don’t want to serve customers an actions page.  </a:t>
-            </a:r>
-          </a:p>
-          <a:p>
-            <a:pPr lvl="1"/>
-            <a:r>
-              <a:rPr lang="en-US" sz="1200" dirty="0"/>
-              <a:t>		- could show  a root cause analysis </a:t>
-            </a:r>
-          </a:p>
-          <a:p>
-            <a:pPr lvl="1"/>
-            <a:r>
-              <a:rPr lang="en-US" sz="1200" dirty="0"/>
-              <a:t>			or </a:t>
-            </a:r>
-          </a:p>
-          <a:p>
-            <a:pPr lvl="1"/>
-            <a:r>
-              <a:rPr lang="en-US" sz="1200" dirty="0"/>
-              <a:t>		- do much deeper dive into more historical data to see if we should create even more functions to “cleanup” human or machine errors.</a:t>
-            </a:r>
-          </a:p>
-          <a:p>
-            <a:pPr lvl="1"/>
-            <a:r>
-              <a:rPr lang="en-US" sz="1200" dirty="0"/>
-              <a:t>		- More complex errors (example 13oz tail-on) would be addressed for customer deployment </a:t>
-            </a:r>
-          </a:p>
-          <a:p>
-            <a:pPr lvl="1"/>
-            <a:r>
-              <a:rPr lang="en-US" sz="1200" dirty="0"/>
-              <a:t>		- We also want to be able to slice out data by date and time in order to drill even further down</a:t>
-            </a:r>
-          </a:p>
-          <a:p>
-            <a:pPr lvl="1"/>
-            <a:r>
-              <a:rPr lang="en-US" sz="1200" dirty="0"/>
-              <a:t>	- WARNING-- The more data is manipulated from raw to align with customer spec, the more management would need to be drawn in to address</a:t>
-            </a:r>
-          </a:p>
-          <a:p>
-            <a:pPr lvl="1"/>
-            <a:r>
-              <a:rPr lang="en-US" sz="1200" b="1" dirty="0"/>
-              <a:t>		</a:t>
-            </a:r>
-            <a:r>
-              <a:rPr lang="en-US" sz="1200" b="0" dirty="0"/>
-              <a:t>- there is a fine ethical line here- we can easily delete “test blocks,” but the more we manipulate the less “real” the data becomes. </a:t>
-            </a:r>
-          </a:p>
-          <a:p>
-            <a:pPr lvl="1"/>
-            <a:r>
-              <a:rPr lang="en-US" sz="1200" b="0" dirty="0"/>
-              <a:t>- Segue – we are excited to move forward with implementation. We welcome your thoughts.  </a:t>
-            </a:r>
-          </a:p>
-          <a:p>
-            <a:pPr lvl="1"/>
-            <a:r>
-              <a:rPr lang="en-US" sz="1200" b="0" dirty="0"/>
-              <a:t>	-I’m going to turn this over to the class and TED. Does anyone have any questions? </a:t>
-            </a:r>
-          </a:p>
-          <a:p>
-            <a:endParaRPr lang="en-US" dirty="0"/>
-          </a:p>
-          <a:p>
-            <a:r>
-              <a:rPr lang="en-US" b="1" dirty="0"/>
-              <a:t>QUESTIONS TIME</a:t>
-            </a:r>
             <a:endParaRPr lang="en-US" sz="1200" b="1" dirty="0"/>
           </a:p>
         </p:txBody>
@@ -5151,81 +4605,155 @@
           <a:p>
             <a:r>
               <a:rPr lang="en-US" b="1" dirty="0"/>
-              <a:t>Caite </a:t>
+              <a:t>Pg 2</a:t>
+            </a:r>
+          </a:p>
+          <a:p>
+            <a:r>
+              <a:rPr lang="en-US" b="1" dirty="0"/>
+              <a:t>So what actually did we do? </a:t>
             </a:r>
           </a:p>
           <a:p>
             <a:r>
               <a:rPr lang="en-US" dirty="0"/>
-              <a:t>Who are we? GBC- quality control team</a:t>
-            </a:r>
+              <a:t>We have created a prototype tool that dynamically calls our monthly quality report for weight and height of all our products.  It helps us find insights quickly and it cuts manual work alongside some security concerns.  </a:t>
+            </a:r>
+          </a:p>
+          <a:p>
+            <a:endParaRPr lang="en-US" sz="1500" dirty="0"/>
+          </a:p>
+          <a:p>
+            <a:r>
+              <a:rPr lang="en-US" sz="1500" b="1" dirty="0"/>
+              <a:t>I’m sure you’re wondering why that matters.  </a:t>
+            </a:r>
+          </a:p>
+          <a:p>
+            <a:pPr marL="228600" lvl="0" indent="-228600">
+              <a:buFont typeface="+mj-lt"/>
+              <a:buAutoNum type="arabicPeriod"/>
+            </a:pPr>
+            <a:r>
+              <a:rPr lang="en-US" sz="1500" dirty="0"/>
+              <a:t>We cut meat to spec– that’s it. We sell our process.  I know it may have been a long time since you’ve been in the plant but the way our process works is that we: </a:t>
+            </a:r>
+          </a:p>
+          <a:p>
+            <a:pPr marL="685800" lvl="1" indent="-228600">
+              <a:buFont typeface="+mj-lt"/>
+              <a:buAutoNum type="arabicPeriod"/>
+            </a:pPr>
+            <a:r>
+              <a:rPr lang="en-US" sz="1500" dirty="0"/>
+              <a:t>Unload giant hunks of beef</a:t>
+            </a:r>
+          </a:p>
+          <a:p>
+            <a:pPr marL="685800" lvl="1" indent="-228600">
+              <a:buFont typeface="+mj-lt"/>
+              <a:buAutoNum type="arabicPeriod"/>
+            </a:pPr>
+            <a:r>
+              <a:rPr lang="en-US" sz="1500" dirty="0"/>
+              <a:t>cut to customer specifications</a:t>
+            </a:r>
+          </a:p>
+          <a:p>
+            <a:pPr marL="685800" lvl="1" indent="-228600">
+              <a:buFont typeface="+mj-lt"/>
+              <a:buAutoNum type="arabicPeriod"/>
+            </a:pPr>
+            <a:r>
+              <a:rPr lang="en-US" sz="1500" dirty="0"/>
+              <a:t>Then we weigh them, and send those steaks through a conveyor belt that has a camera to determine the height of the steaks- basically their thickness. </a:t>
+            </a:r>
+          </a:p>
+          <a:p>
+            <a:pPr marL="685800" lvl="1" indent="-228600">
+              <a:buFont typeface="+mj-lt"/>
+              <a:buAutoNum type="arabicPeriod"/>
+            </a:pPr>
+            <a:r>
+              <a:rPr lang="en-US" sz="1500" dirty="0"/>
+              <a:t>We try to keep this weight and height within a 95% of the customer’s spec, and over time if we can keep within spec AND serve slightly smaller steaks on average, we gain larger profits.</a:t>
+            </a:r>
+          </a:p>
+          <a:p>
+            <a:pPr marL="685800" lvl="1" indent="-228600">
+              <a:buFont typeface="+mj-lt"/>
+              <a:buAutoNum type="arabicPeriod"/>
+            </a:pPr>
+            <a:endParaRPr lang="en-US" sz="1500" dirty="0"/>
+          </a:p>
+          <a:p>
+            <a:pPr marL="228600" lvl="0" indent="-228600">
+              <a:buFont typeface="+mj-lt"/>
+              <a:buAutoNum type="arabicPeriod"/>
+            </a:pPr>
+            <a:r>
+              <a:rPr lang="en-US" sz="1500" dirty="0"/>
+              <a:t>Because we sell our process, it is EXTREMELY important we know when our product is out of compliance vs customer requirements. That quality is all we have to our name.  We need a tool that can quickly show our compliance issues so we can address them internally before we serve data to the customer.   </a:t>
+            </a:r>
+          </a:p>
+          <a:p>
+            <a:pPr marL="228600" lvl="0" indent="-228600">
+              <a:buFont typeface="+mj-lt"/>
+              <a:buAutoNum type="arabicPeriod"/>
+            </a:pPr>
+            <a:r>
+              <a:rPr lang="en-US" sz="1500" dirty="0"/>
+              <a:t>Currently, our metrics are only available in CSV format ---- we still have to transform and clean it ad hoc.  </a:t>
+            </a:r>
+          </a:p>
+          <a:p>
+            <a:pPr marL="228600" lvl="0" indent="-228600">
+              <a:buFont typeface="+mj-lt"/>
+              <a:buAutoNum type="arabicPeriod"/>
+            </a:pPr>
+            <a:r>
+              <a:rPr lang="en-US" sz="1500" dirty="0"/>
+              <a:t>We hate this.  It takes FOREVER! This tool we’ve created will save so much time.  </a:t>
+            </a:r>
+          </a:p>
+          <a:p>
+            <a:pPr marL="228600" lvl="0" indent="-228600">
+              <a:buFont typeface="+mj-lt"/>
+              <a:buAutoNum type="arabicPeriod"/>
+            </a:pPr>
+            <a:r>
+              <a:rPr lang="en-US" sz="1500" dirty="0"/>
+              <a:t>When we are looking to report to you as management, we just don’t have robust or custom visualizations.  We have a list of “wants” that excel just is hateful about when we ask it to perform. </a:t>
+            </a:r>
+          </a:p>
+          <a:p>
+            <a:pPr marL="228600" lvl="0" indent="-228600">
+              <a:buFont typeface="+mj-lt"/>
+              <a:buAutoNum type="arabicPeriod"/>
+            </a:pPr>
+            <a:r>
+              <a:rPr lang="en-US" sz="1500" dirty="0"/>
+              <a:t>And honestly, those monthly reports we have to wait on Janet to finish, and anyone can accidentally delete them.</a:t>
+            </a:r>
+          </a:p>
+          <a:p>
+            <a:pPr marL="228600" lvl="0" indent="-228600">
+              <a:buFont typeface="+mj-lt"/>
+              <a:buAutoNum type="arabicPeriod"/>
+            </a:pPr>
+            <a:r>
+              <a:rPr lang="en-US" sz="1500" dirty="0"/>
+              <a:t>When we find errors we delete them right now.  That’s been the standard.  Beyond obvious ethical considerations, this means if we want to go back and look at historical trends, and where errors are, we can’t.  They’re lost forever.  </a:t>
+            </a:r>
+          </a:p>
+          <a:p>
+            <a:endParaRPr lang="en-US" dirty="0"/>
           </a:p>
           <a:p>
             <a:r>
               <a:rPr lang="en-US" dirty="0"/>
-              <a:t>Who is our audience? GBC quality control manager, and the board.  </a:t>
-            </a:r>
-          </a:p>
-          <a:p>
-            <a:r>
-              <a:rPr lang="en-US" dirty="0"/>
-              <a:t>What do we want? We want permission and capital to move </a:t>
-            </a:r>
-            <a:r>
-              <a:rPr lang="en-US" dirty="0" err="1"/>
-              <a:t>foreward</a:t>
-            </a:r>
-            <a:r>
-              <a:rPr lang="en-US" dirty="0"/>
-              <a:t> with managing new database and serving a dashboard website for the team. </a:t>
-            </a:r>
-          </a:p>
-          <a:p>
-            <a:r>
-              <a:rPr lang="en-US" dirty="0"/>
-              <a:t>Pitch method? STAR- situation, task, action, result</a:t>
-            </a:r>
-          </a:p>
-          <a:p>
-            <a:endParaRPr lang="en-US" dirty="0"/>
-          </a:p>
-          <a:p>
-            <a:endParaRPr lang="en-US" dirty="0"/>
-          </a:p>
-          <a:p>
-            <a:r>
-              <a:rPr lang="en-US" dirty="0" err="1"/>
-              <a:t>Powerpoint</a:t>
-            </a:r>
-            <a:r>
-              <a:rPr lang="en-US" dirty="0"/>
-              <a:t> or Presentation Page (still working)</a:t>
-            </a:r>
-          </a:p>
-          <a:p>
-            <a:r>
-              <a:rPr lang="en-US" b="1" dirty="0"/>
-              <a:t>Caite – </a:t>
-            </a:r>
-            <a:r>
-              <a:rPr lang="en-US" dirty="0"/>
-              <a:t>Introduction to GBC and the problem</a:t>
-            </a:r>
-          </a:p>
-          <a:p>
-            <a:r>
-              <a:rPr lang="en-US" dirty="0"/>
-              <a:t>	- Situation + problem</a:t>
-            </a:r>
-          </a:p>
-          <a:p>
-            <a:r>
-              <a:rPr lang="en-US" dirty="0"/>
-              <a:t>	-Show what our raw data looks like in CSV, and how many hours might be spent reinventing this report in Excel every month ad-hoc. </a:t>
-            </a:r>
-          </a:p>
-          <a:p>
-            <a:endParaRPr lang="en-US" dirty="0"/>
+              <a:t>Segue - We are really pushing to set up a database and dashboard for our reporting.  So we banded together and came up with what we want to see- Kevin’s going to speak to our solution--- </a:t>
+            </a:r>
           </a:p>
         </p:txBody>
       </p:sp>
@@ -5310,74 +4838,483 @@
           <a:lstStyle/>
           <a:p>
             <a:r>
+              <a:rPr lang="en-US" b="1" i="0" dirty="0">
+                <a:solidFill>
+                  <a:srgbClr val="1D1C1D"/>
+                </a:solidFill>
+                <a:effectLst/>
+                <a:highlight>
+                  <a:srgbClr val="F8F8F8"/>
+                </a:highlight>
+                <a:latin typeface="Slack-Lato"/>
+              </a:rPr>
+              <a:t>Kevin</a:t>
+            </a:r>
+            <a:r>
+              <a:rPr lang="en-US" b="0" i="0" dirty="0">
+                <a:solidFill>
+                  <a:srgbClr val="1D1C1D"/>
+                </a:solidFill>
+                <a:effectLst/>
+                <a:highlight>
+                  <a:srgbClr val="F8F8F8"/>
+                </a:highlight>
+                <a:latin typeface="Slack-Lato"/>
+              </a:rPr>
+              <a:t> – Introduction to our solution–</a:t>
+            </a:r>
+            <a:br>
+              <a:rPr lang="en-US" dirty="0"/>
+            </a:br>
+            <a:r>
+              <a:rPr lang="en-US" b="0" i="0" dirty="0">
+                <a:solidFill>
+                  <a:srgbClr val="1D1C1D"/>
+                </a:solidFill>
+                <a:effectLst/>
+                <a:highlight>
+                  <a:srgbClr val="F8F8F8"/>
+                </a:highlight>
+                <a:latin typeface="Slack-Lato"/>
+              </a:rPr>
+              <a:t>- As we went through the data our focus was to provide  a list of all areas that needed immediate attention. So, this was our focus as we cleaned and analyzed the data.</a:t>
+            </a:r>
+            <a:br>
+              <a:rPr lang="en-US" dirty="0"/>
+            </a:br>
+            <a:r>
+              <a:rPr lang="en-US" b="0" i="0" dirty="0">
+                <a:solidFill>
+                  <a:srgbClr val="1D1C1D"/>
+                </a:solidFill>
+                <a:effectLst/>
+                <a:highlight>
+                  <a:srgbClr val="F8F8F8"/>
+                </a:highlight>
+                <a:latin typeface="Slack-Lato"/>
+              </a:rPr>
+              <a:t>- During the cleaning process we removed:</a:t>
+            </a:r>
+            <a:br>
+              <a:rPr lang="en-US" dirty="0"/>
+            </a:br>
+            <a:r>
+              <a:rPr lang="en-US" b="0" i="0" dirty="0">
+                <a:solidFill>
+                  <a:srgbClr val="1D1C1D"/>
+                </a:solidFill>
+                <a:effectLst/>
+                <a:highlight>
+                  <a:srgbClr val="F8F8F8"/>
+                </a:highlight>
+                <a:latin typeface="Slack-Lato"/>
+              </a:rPr>
+              <a:t>- TEST BLOCKS.</a:t>
+            </a:r>
+            <a:br>
+              <a:rPr lang="en-US" dirty="0"/>
+            </a:br>
+            <a:r>
+              <a:rPr lang="en-US" b="0" i="0" dirty="0">
+                <a:solidFill>
+                  <a:srgbClr val="1D1C1D"/>
+                </a:solidFill>
+                <a:effectLst/>
+                <a:highlight>
+                  <a:srgbClr val="F8F8F8"/>
+                </a:highlight>
+                <a:latin typeface="Slack-Lato"/>
+              </a:rPr>
+              <a:t>- steaks that were &lt; .05 inches.</a:t>
+            </a:r>
+            <a:br>
+              <a:rPr lang="en-US" dirty="0"/>
+            </a:br>
+            <a:r>
+              <a:rPr lang="en-US" b="0" i="0" dirty="0">
+                <a:solidFill>
+                  <a:srgbClr val="1D1C1D"/>
+                </a:solidFill>
+                <a:effectLst/>
+                <a:highlight>
+                  <a:srgbClr val="F8F8F8"/>
+                </a:highlight>
+                <a:latin typeface="Slack-Lato"/>
+              </a:rPr>
+              <a:t>- steaks that were  &gt; 50 oz</a:t>
+            </a:r>
+            <a:br>
+              <a:rPr lang="en-US" dirty="0"/>
+            </a:br>
+            <a:r>
+              <a:rPr lang="en-US" b="0" i="0" dirty="0">
+                <a:solidFill>
+                  <a:srgbClr val="1D1C1D"/>
+                </a:solidFill>
+                <a:effectLst/>
+                <a:highlight>
+                  <a:srgbClr val="F8F8F8"/>
+                </a:highlight>
+                <a:latin typeface="Slack-Lato"/>
+              </a:rPr>
+              <a:t>- After the data was cleaned the data was loaded to our  “ACTION” page.</a:t>
+            </a:r>
+            <a:br>
+              <a:rPr lang="en-US" dirty="0"/>
+            </a:br>
+            <a:r>
+              <a:rPr lang="en-US" b="0" i="0" dirty="0">
+                <a:solidFill>
+                  <a:srgbClr val="1D1C1D"/>
+                </a:solidFill>
+                <a:effectLst/>
+                <a:highlight>
+                  <a:srgbClr val="F8F8F8"/>
+                </a:highlight>
+                <a:latin typeface="Slack-Lato"/>
+              </a:rPr>
+              <a:t>- action page quickly identifies products that are not meeting standard</a:t>
+            </a:r>
+            <a:br>
+              <a:rPr lang="en-US" dirty="0"/>
+            </a:br>
+            <a:r>
+              <a:rPr lang="en-US" b="0" i="0" dirty="0">
+                <a:solidFill>
+                  <a:srgbClr val="1D1C1D"/>
+                </a:solidFill>
+                <a:effectLst/>
+                <a:highlight>
+                  <a:srgbClr val="F8F8F8"/>
+                </a:highlight>
+                <a:latin typeface="Slack-Lato"/>
+              </a:rPr>
+              <a:t>-  provides the production team areas that need immediate attention.</a:t>
+            </a:r>
+            <a:br>
+              <a:rPr lang="en-US" dirty="0"/>
+            </a:br>
+            <a:r>
+              <a:rPr lang="en-US" b="0" i="0" dirty="0">
+                <a:solidFill>
+                  <a:srgbClr val="1D1C1D"/>
+                </a:solidFill>
+                <a:effectLst/>
+                <a:highlight>
+                  <a:srgbClr val="F8F8F8"/>
+                </a:highlight>
+                <a:latin typeface="Slack-Lato"/>
+              </a:rPr>
+              <a:t>- allows them to conduct root cause analysis to determine if it was a problem with the process, equipment, training, or the individual themselves.</a:t>
+            </a:r>
+            <a:br>
+              <a:rPr lang="en-US" dirty="0"/>
+            </a:br>
+            <a:r>
+              <a:rPr lang="en-US" b="0" i="0" dirty="0">
+                <a:solidFill>
+                  <a:srgbClr val="1D1C1D"/>
+                </a:solidFill>
+                <a:effectLst/>
+                <a:highlight>
+                  <a:srgbClr val="F8F8F8"/>
+                </a:highlight>
+                <a:latin typeface="Slack-Lato"/>
+              </a:rPr>
+              <a:t>- Segue- now Josh will live demo the action page</a:t>
+            </a:r>
+          </a:p>
+          <a:p>
+            <a:endParaRPr lang="en-US" b="0" i="0" dirty="0">
+              <a:solidFill>
+                <a:srgbClr val="1D1C1D"/>
+              </a:solidFill>
+              <a:effectLst/>
+              <a:highlight>
+                <a:srgbClr val="F8F8F8"/>
+              </a:highlight>
+              <a:latin typeface="Slack-Lato"/>
+            </a:endParaRPr>
+          </a:p>
+          <a:p>
+            <a:endParaRPr lang="en-US" dirty="0"/>
+          </a:p>
+          <a:p>
+            <a:endParaRPr lang="en-US" dirty="0"/>
+          </a:p>
+          <a:p>
+            <a:r>
               <a:rPr lang="en-US" b="1" dirty="0"/>
-              <a:t>Saad – </a:t>
-            </a:r>
+              <a:t>Josh – </a:t>
+            </a:r>
+            <a:endParaRPr lang="en-US" dirty="0"/>
+          </a:p>
+          <a:p>
+            <a:pPr marL="0" indent="0">
+              <a:buFontTx/>
+              <a:buNone/>
+            </a:pPr>
             <a:r>
               <a:rPr lang="en-US" dirty="0"/>
-              <a:t>Project Overview - discuss how the project is managed, and the workflow from ingestion through deployment. </a:t>
-            </a:r>
-          </a:p>
-          <a:p>
+              <a:t>- We designed our landing page so that if there are products out of spec, this page highlights them bright red. </a:t>
+            </a:r>
+          </a:p>
+          <a:p>
+            <a:pPr marL="171450" indent="-171450">
+              <a:buFontTx/>
+              <a:buChar char="-"/>
+            </a:pPr>
             <a:r>
               <a:rPr lang="en-US" dirty="0"/>
-              <a:t>	- Converting CSV to database was the right solution- sell that AWS, to management!!</a:t>
-            </a:r>
-          </a:p>
-          <a:p>
+              <a:t>If nothing is out of spec, we show that. I know immediately which products I should review and address.  </a:t>
+            </a:r>
+          </a:p>
+          <a:p>
+            <a:pPr marL="171450" indent="-171450">
+              <a:buFontTx/>
+              <a:buChar char="-"/>
+            </a:pPr>
             <a:r>
               <a:rPr lang="en-US" dirty="0"/>
-              <a:t>		-fairly inexpensive for monthly reporting</a:t>
-            </a:r>
+              <a:t>Those products pop up in the card here and I can know what I’m looking for if I want to drill down into a more robust overview.</a:t>
+            </a:r>
+          </a:p>
+          <a:p>
+            <a:endParaRPr lang="en-US" dirty="0"/>
           </a:p>
           <a:p>
             <a:r>
               <a:rPr lang="en-US" dirty="0"/>
-              <a:t>		- one of the industry standards</a:t>
+              <a:t>Segue- Abigail will speak to our overview report page.  </a:t>
             </a:r>
           </a:p>
           <a:p>
             <a:r>
               <a:rPr lang="en-US" dirty="0"/>
-              <a:t>		- data is not lost on a local machine</a:t>
-            </a:r>
-          </a:p>
-          <a:p>
+              <a:t>_______________________________________________</a:t>
+            </a:r>
+          </a:p>
+          <a:p>
+            <a:endParaRPr lang="en-US" dirty="0"/>
+          </a:p>
+          <a:p>
+            <a:r>
+              <a:rPr lang="en-US" b="1" dirty="0"/>
+              <a:t>Abigail – </a:t>
+            </a:r>
             <a:r>
               <a:rPr lang="en-US" dirty="0"/>
-              <a:t>		- importantly, data is not served to customer “raw”</a:t>
+              <a:t>Overview Page – discuss the features in Overview </a:t>
             </a:r>
           </a:p>
           <a:p>
             <a:r>
               <a:rPr lang="en-US" dirty="0"/>
-              <a:t>	- We kept security in mind- </a:t>
-            </a:r>
-            <a:r>
-              <a:rPr lang="en-US" dirty="0" err="1"/>
-              <a:t>csvs</a:t>
-            </a:r>
+              <a:t>CARD HERE</a:t>
+            </a:r>
+          </a:p>
+          <a:p>
             <a:r>
               <a:rPr lang="en-US" dirty="0"/>
-              <a:t> are insecure. This app allows us to keep data password protected. API flask end points keep the database secure from bad actors. </a:t>
+              <a:t>Segue- TO KEVIN	</a:t>
             </a:r>
           </a:p>
           <a:p>
             <a:r>
               <a:rPr lang="en-US" dirty="0"/>
-              <a:t>	- We ingested, cleaned, transformed, and served the data using various Python, </a:t>
-            </a:r>
-            <a:r>
-              <a:rPr lang="en-US" dirty="0" err="1"/>
-              <a:t>Javascript</a:t>
-            </a:r>
-            <a:r>
+              <a:t>__________________________</a:t>
+            </a:r>
+          </a:p>
+          <a:p>
+            <a:r>
+              <a:rPr lang="en-US" b="1" i="0" dirty="0">
+                <a:solidFill>
+                  <a:srgbClr val="1D1C1D"/>
+                </a:solidFill>
+                <a:effectLst/>
+                <a:highlight>
+                  <a:srgbClr val="F8F8F8"/>
+                </a:highlight>
+                <a:latin typeface="Slack-Lato"/>
+              </a:rPr>
+              <a:t>Kevin – </a:t>
+            </a:r>
+            <a:r>
+              <a:rPr lang="en-US" b="0" i="0" dirty="0">
+                <a:solidFill>
+                  <a:srgbClr val="1D1C1D"/>
+                </a:solidFill>
+                <a:effectLst/>
+                <a:highlight>
+                  <a:srgbClr val="F8F8F8"/>
+                </a:highlight>
+                <a:latin typeface="Slack-Lato"/>
+              </a:rPr>
+              <a:t>- Going to give a quick refresher on histograms</a:t>
+            </a:r>
+            <a:br>
               <a:rPr lang="en-US" dirty="0"/>
-              <a:t>, CSS, HTML, AWS tools. </a:t>
-            </a:r>
-          </a:p>
-          <a:p>
+            </a:br>
+            <a:r>
+              <a:rPr lang="en-US" b="0" i="0" dirty="0">
+                <a:solidFill>
+                  <a:srgbClr val="1D1C1D"/>
+                </a:solidFill>
+                <a:effectLst/>
+                <a:highlight>
+                  <a:srgbClr val="F8F8F8"/>
+                </a:highlight>
+                <a:latin typeface="Slack-Lato"/>
+              </a:rPr>
+              <a:t> - 95% compliance goal.</a:t>
+            </a:r>
+            <a:br>
+              <a:rPr lang="en-US" dirty="0"/>
+            </a:br>
+            <a:r>
+              <a:rPr lang="en-US" b="0" i="0" dirty="0">
+                <a:solidFill>
+                  <a:srgbClr val="1D1C1D"/>
+                </a:solidFill>
+                <a:effectLst/>
+                <a:highlight>
+                  <a:srgbClr val="F8F8F8"/>
+                </a:highlight>
+                <a:latin typeface="Slack-Lato"/>
+              </a:rPr>
+              <a:t>- On our the x-axis for height steps by a 10th of an inch</a:t>
+            </a:r>
+            <a:br>
+              <a:rPr lang="en-US" dirty="0"/>
+            </a:br>
+            <a:r>
+              <a:rPr lang="en-US" b="0" i="0" dirty="0">
+                <a:solidFill>
+                  <a:srgbClr val="1D1C1D"/>
+                </a:solidFill>
+                <a:effectLst/>
+                <a:highlight>
+                  <a:srgbClr val="F8F8F8"/>
+                </a:highlight>
+                <a:latin typeface="Slack-Lato"/>
+              </a:rPr>
+              <a:t>-  and quarter oz for weight</a:t>
+            </a:r>
+            <a:br>
+              <a:rPr lang="en-US" dirty="0"/>
+            </a:br>
+            <a:r>
+              <a:rPr lang="en-US" b="0" i="0" dirty="0">
+                <a:solidFill>
+                  <a:srgbClr val="1D1C1D"/>
+                </a:solidFill>
+                <a:effectLst/>
+                <a:highlight>
+                  <a:srgbClr val="F8F8F8"/>
+                </a:highlight>
+                <a:latin typeface="Slack-Lato"/>
+              </a:rPr>
+              <a:t>- Our products page provides histogram that center on the average which should be close to product spec</a:t>
+            </a:r>
+            <a:br>
+              <a:rPr lang="en-US" dirty="0"/>
+            </a:br>
+            <a:r>
+              <a:rPr lang="en-US" b="0" i="0" dirty="0">
+                <a:solidFill>
+                  <a:srgbClr val="1D1C1D"/>
+                </a:solidFill>
+                <a:effectLst/>
+                <a:highlight>
+                  <a:srgbClr val="F8F8F8"/>
+                </a:highlight>
+                <a:latin typeface="Slack-Lato"/>
+              </a:rPr>
+              <a:t>- goal post</a:t>
+            </a:r>
+            <a:br>
+              <a:rPr lang="en-US" dirty="0"/>
+            </a:br>
+            <a:r>
+              <a:rPr lang="en-US" b="0" i="0" dirty="0">
+                <a:solidFill>
+                  <a:srgbClr val="1D1C1D"/>
+                </a:solidFill>
+                <a:effectLst/>
+                <a:highlight>
+                  <a:srgbClr val="F8F8F8"/>
+                </a:highlight>
+                <a:latin typeface="Slack-Lato"/>
+              </a:rPr>
+              <a:t>- each of these columns represents the count of the steaks</a:t>
+            </a:r>
+            <a:br>
+              <a:rPr lang="en-US" dirty="0"/>
+            </a:br>
+            <a:r>
+              <a:rPr lang="en-US" b="0" i="0" dirty="0">
+                <a:solidFill>
+                  <a:srgbClr val="1D1C1D"/>
+                </a:solidFill>
+                <a:effectLst/>
+                <a:highlight>
+                  <a:srgbClr val="F8F8F8"/>
+                </a:highlight>
+                <a:latin typeface="Slack-Lato"/>
+              </a:rPr>
+              <a:t>- give an example of a curve we might want to look at even though it’s in compliance</a:t>
+            </a:r>
+            <a:br>
+              <a:rPr lang="en-US" dirty="0"/>
+            </a:br>
+            <a:r>
+              <a:rPr lang="en-US" b="0" i="0" dirty="0">
+                <a:solidFill>
+                  <a:srgbClr val="1D1C1D"/>
+                </a:solidFill>
+                <a:effectLst/>
+                <a:highlight>
+                  <a:srgbClr val="F8F8F8"/>
+                </a:highlight>
+                <a:latin typeface="Slack-Lato"/>
+              </a:rPr>
+              <a:t>Segue – As we ask for the opportunity to move forward with this project, we were not without some challenges that Abigail can speak to.</a:t>
+            </a:r>
             <a:endParaRPr lang="en-US" dirty="0"/>
+          </a:p>
+          <a:p>
+            <a:endParaRPr lang="en-US" b="1" dirty="0"/>
+          </a:p>
+          <a:p>
+            <a:r>
+              <a:rPr lang="en-US" b="1" dirty="0"/>
+              <a:t>________________________________________</a:t>
+            </a:r>
+          </a:p>
+          <a:p>
+            <a:endParaRPr lang="en-US" b="1" dirty="0"/>
+          </a:p>
+          <a:p>
+            <a:r>
+              <a:rPr lang="en-US" b="1" dirty="0"/>
+              <a:t>Abigail</a:t>
+            </a:r>
+            <a:r>
+              <a:rPr lang="en-US" dirty="0"/>
+              <a:t>- Challenges</a:t>
+            </a:r>
+          </a:p>
+          <a:p>
+            <a:r>
+              <a:rPr lang="en-US" dirty="0"/>
+              <a:t>CARD HERE</a:t>
+            </a:r>
+          </a:p>
+          <a:p>
+            <a:r>
+              <a:rPr lang="en-US" dirty="0"/>
+              <a:t>Segue- TO SAAD</a:t>
+            </a:r>
           </a:p>
         </p:txBody>
       </p:sp>
@@ -5407,7 +5344,7 @@
     </p:spTree>
     <p:extLst>
       <p:ext uri="{BB962C8B-B14F-4D97-AF65-F5344CB8AC3E}">
-        <p14:creationId xmlns:p14="http://schemas.microsoft.com/office/powerpoint/2010/main" val="2389294237"/>
+        <p14:creationId xmlns:p14="http://schemas.microsoft.com/office/powerpoint/2010/main" val="3166553697"/>
       </p:ext>
     </p:extLst>
   </p:cSld>
@@ -5462,254 +5399,292 @@
           <a:lstStyle/>
           <a:p>
             <a:r>
-              <a:rPr lang="en-US" b="1" dirty="0"/>
-              <a:t>Kevin</a:t>
-            </a:r>
-            <a:r>
+              <a:rPr lang="en-US" b="0" i="0" dirty="0">
+                <a:solidFill>
+                  <a:srgbClr val="1D1C1D"/>
+                </a:solidFill>
+                <a:effectLst/>
+                <a:highlight>
+                  <a:srgbClr val="F8F8F8"/>
+                </a:highlight>
+                <a:latin typeface="Slack-Lato"/>
+              </a:rPr>
+              <a:t>Thanks Abigail. Hey everyone! </a:t>
+            </a:r>
+          </a:p>
+          <a:p>
+            <a:endParaRPr lang="en-US" b="0" i="0" dirty="0">
+              <a:solidFill>
+                <a:srgbClr val="1D1C1D"/>
+              </a:solidFill>
+              <a:effectLst/>
+              <a:highlight>
+                <a:srgbClr val="F8F8F8"/>
+              </a:highlight>
+              <a:latin typeface="Slack-Lato"/>
+            </a:endParaRPr>
+          </a:p>
+          <a:p>
+            <a:r>
+              <a:rPr lang="en-US" b="0" i="0" dirty="0">
+                <a:solidFill>
+                  <a:srgbClr val="1D1C1D"/>
+                </a:solidFill>
+                <a:effectLst/>
+                <a:highlight>
+                  <a:srgbClr val="F8F8F8"/>
+                </a:highlight>
+                <a:latin typeface="Slack-Lato"/>
+              </a:rPr>
+              <a:t>To give you a bit of background, we have been grueling through the same errors and time sinks, month over month every time we get a new csv from the production line. We decided, why don't we band together and solve these problems.</a:t>
+            </a:r>
+            <a:br>
               <a:rPr lang="en-US" dirty="0"/>
-              <a:t> – Introduction to our  solution– </a:t>
-            </a:r>
-          </a:p>
-          <a:p>
-            <a:r>
+            </a:br>
+            <a:endParaRPr lang="en-US" dirty="0"/>
+          </a:p>
+          <a:p>
+            <a:r>
+              <a:rPr lang="en-US" b="0" i="0" dirty="0">
+                <a:solidFill>
+                  <a:srgbClr val="1D1C1D"/>
+                </a:solidFill>
+                <a:effectLst/>
+                <a:highlight>
+                  <a:srgbClr val="F8F8F8"/>
+                </a:highlight>
+                <a:latin typeface="Slack-Lato"/>
+              </a:rPr>
+              <a:t>After a bunch of dedicated research, we put together a model that would keep our data safer, standardize reporting amongst the department, and overall gain trust with our data. </a:t>
+            </a:r>
+          </a:p>
+          <a:p>
+            <a:endParaRPr lang="en-US" b="0" i="0" dirty="0">
+              <a:solidFill>
+                <a:srgbClr val="1D1C1D"/>
+              </a:solidFill>
+              <a:effectLst/>
+              <a:highlight>
+                <a:srgbClr val="F8F8F8"/>
+              </a:highlight>
+              <a:latin typeface="Slack-Lato"/>
+            </a:endParaRPr>
+          </a:p>
+          <a:p>
+            <a:r>
+              <a:rPr lang="en-US" b="0" i="0" dirty="0">
+                <a:solidFill>
+                  <a:srgbClr val="1D1C1D"/>
+                </a:solidFill>
+                <a:effectLst/>
+                <a:highlight>
+                  <a:srgbClr val="F8F8F8"/>
+                </a:highlight>
+                <a:latin typeface="Slack-Lato"/>
+              </a:rPr>
+              <a:t>The first step to tackle was where.  Storing data in local CSV files is risky. By moving our data to a cloud database, we gain enhanced security features like encryption, automated backups and data constraints. Our data is now secure from those scary hackers. </a:t>
+            </a:r>
+          </a:p>
+          <a:p>
+            <a:endParaRPr lang="en-US" b="0" i="0" dirty="0">
+              <a:solidFill>
+                <a:srgbClr val="1D1C1D"/>
+              </a:solidFill>
+              <a:effectLst/>
+              <a:highlight>
+                <a:srgbClr val="F8F8F8"/>
+              </a:highlight>
+              <a:latin typeface="Slack-Lato"/>
+            </a:endParaRPr>
+          </a:p>
+          <a:p>
+            <a:r>
+              <a:rPr lang="en-US" b="0" i="0" dirty="0">
+                <a:solidFill>
+                  <a:srgbClr val="1D1C1D"/>
+                </a:solidFill>
+                <a:effectLst/>
+                <a:highlight>
+                  <a:srgbClr val="F8F8F8"/>
+                </a:highlight>
+                <a:latin typeface="Slack-Lato"/>
+              </a:rPr>
+              <a:t>On top of that, we can be confident that the data that passes the checks to be stored in the database is reliable, allowing us to trust the data unlike being in doubt whether the csv populated </a:t>
+            </a:r>
+            <a:r>
+              <a:rPr lang="en-US" b="0" i="0" dirty="0" err="1">
+                <a:solidFill>
+                  <a:srgbClr val="1D1C1D"/>
+                </a:solidFill>
+                <a:effectLst/>
+                <a:highlight>
+                  <a:srgbClr val="F8F8F8"/>
+                </a:highlight>
+                <a:latin typeface="Slack-Lato"/>
+              </a:rPr>
+              <a:t>properly.Second</a:t>
+            </a:r>
+            <a:r>
+              <a:rPr lang="en-US" b="0" i="0" dirty="0">
+                <a:solidFill>
+                  <a:srgbClr val="1D1C1D"/>
+                </a:solidFill>
+                <a:effectLst/>
+                <a:highlight>
+                  <a:srgbClr val="F8F8F8"/>
+                </a:highlight>
+                <a:latin typeface="Slack-Lato"/>
+              </a:rPr>
+              <a:t>- Security. CSVs are hacker food. Our application keeps data password protected and uses </a:t>
+            </a:r>
+            <a:r>
+              <a:rPr lang="en-US" b="0" i="0" dirty="0" err="1">
+                <a:solidFill>
+                  <a:srgbClr val="1D1C1D"/>
+                </a:solidFill>
+                <a:effectLst/>
+                <a:highlight>
+                  <a:srgbClr val="F8F8F8"/>
+                </a:highlight>
+                <a:latin typeface="Slack-Lato"/>
+              </a:rPr>
+              <a:t>secureAPI</a:t>
+            </a:r>
+            <a:r>
+              <a:rPr lang="en-US" b="0" i="0" dirty="0">
+                <a:solidFill>
+                  <a:srgbClr val="1D1C1D"/>
+                </a:solidFill>
+                <a:effectLst/>
+                <a:highlight>
+                  <a:srgbClr val="F8F8F8"/>
+                </a:highlight>
+                <a:latin typeface="Slack-Lato"/>
+              </a:rPr>
+              <a:t> endpoints (in </a:t>
+            </a:r>
+            <a:r>
+              <a:rPr lang="en-US" b="0" i="0" dirty="0" err="1">
+                <a:solidFill>
+                  <a:srgbClr val="1D1C1D"/>
+                </a:solidFill>
+                <a:effectLst/>
+                <a:highlight>
+                  <a:srgbClr val="F8F8F8"/>
+                </a:highlight>
+                <a:latin typeface="Slack-Lato"/>
+              </a:rPr>
+              <a:t>lamens</a:t>
+            </a:r>
+            <a:r>
+              <a:rPr lang="en-US" b="0" i="0" dirty="0">
+                <a:solidFill>
+                  <a:srgbClr val="1D1C1D"/>
+                </a:solidFill>
+                <a:effectLst/>
+                <a:highlight>
+                  <a:srgbClr val="F8F8F8"/>
+                </a:highlight>
+                <a:latin typeface="Slack-Lato"/>
+              </a:rPr>
+              <a:t> terms, multiple layers between all the data and what we need to see day in day out).</a:t>
+            </a:r>
+          </a:p>
+          <a:p>
+            <a:endParaRPr lang="en-US" b="0" i="0" dirty="0">
+              <a:solidFill>
+                <a:srgbClr val="1D1C1D"/>
+              </a:solidFill>
+              <a:effectLst/>
+              <a:highlight>
+                <a:srgbClr val="F8F8F8"/>
+              </a:highlight>
+              <a:latin typeface="Slack-Lato"/>
+            </a:endParaRPr>
+          </a:p>
+          <a:p>
+            <a:r>
+              <a:rPr lang="en-US" b="0" i="0" dirty="0">
+                <a:solidFill>
+                  <a:srgbClr val="1D1C1D"/>
+                </a:solidFill>
+                <a:effectLst/>
+                <a:highlight>
+                  <a:srgbClr val="F8F8F8"/>
+                </a:highlight>
+                <a:latin typeface="Slack-Lato"/>
+              </a:rPr>
+              <a:t>Third - Time. Automating data processes with our application saves significant time, reducing manual labor and human error. This allows our team to focus on more critical </a:t>
+            </a:r>
+            <a:r>
+              <a:rPr lang="en-US" b="0" i="0" dirty="0" err="1">
+                <a:solidFill>
+                  <a:srgbClr val="1D1C1D"/>
+                </a:solidFill>
+                <a:effectLst/>
+                <a:highlight>
+                  <a:srgbClr val="F8F8F8"/>
+                </a:highlight>
+                <a:latin typeface="Slack-Lato"/>
+              </a:rPr>
+              <a:t>tasks.Developing</a:t>
+            </a:r>
+            <a:r>
+              <a:rPr lang="en-US" b="0" i="0" dirty="0">
+                <a:solidFill>
+                  <a:srgbClr val="1D1C1D"/>
+                </a:solidFill>
+                <a:effectLst/>
+                <a:highlight>
+                  <a:srgbClr val="F8F8F8"/>
+                </a:highlight>
+                <a:latin typeface="Slack-Lato"/>
+              </a:rPr>
+              <a:t> this prototype has been a sound decision; It ensures data security,</a:t>
+            </a:r>
+            <a:br>
               <a:rPr lang="en-US" dirty="0"/>
-              <a:t>	- As an ops guy, its important to see my action items first.  I made sure that this was our number one focus.  </a:t>
-            </a:r>
-          </a:p>
-          <a:p>
-            <a:r>
-              <a:rPr lang="en-US" dirty="0"/>
-              <a:t>	- The data cleaning process kept that in mind. </a:t>
-            </a:r>
-          </a:p>
-          <a:p>
-            <a:r>
-              <a:rPr lang="en-US" dirty="0"/>
-              <a:t>	- As we analyzed data this month, we discovered some products that had outliers skewing data:</a:t>
-            </a:r>
-          </a:p>
-          <a:p>
-            <a:r>
-              <a:rPr lang="en-US" dirty="0"/>
-              <a:t>		- TEST BLOCKS were coming across as products, they aren’t so we dropped them.</a:t>
-            </a:r>
-          </a:p>
-          <a:p>
-            <a:r>
-              <a:rPr lang="en-US" dirty="0"/>
-              <a:t>		-HEIGHT - no steak is &lt; .05 inches that has to be water on the line, so we dropped these outliers.</a:t>
-            </a:r>
-          </a:p>
-          <a:p>
-            <a:r>
-              <a:rPr lang="en-US" dirty="0"/>
-              <a:t>		-WEIGHT - no steak is 800# that has to be human error</a:t>
-            </a:r>
-          </a:p>
-          <a:p>
-            <a:r>
-              <a:rPr lang="en-US" dirty="0"/>
-              <a:t>		-Other metrics- our customer only provided metrics for weight and height, so we are only going to review those metrics in depth. Other metrics are also not necessary for most of the products. </a:t>
-            </a:r>
-          </a:p>
-          <a:p>
-            <a:r>
-              <a:rPr lang="en-US" dirty="0"/>
-              <a:t>	- Keeping customer specification in mind, we first and foremost made an “actions” landing page based on data that had been cleaned up of the errors we found.  </a:t>
-            </a:r>
-          </a:p>
-          <a:p>
-            <a:r>
-              <a:rPr lang="en-US" dirty="0"/>
-              <a:t>	- Allows for the QC manager to have and attack plan immediately, before this information gets passed to external stakeholders. </a:t>
-            </a:r>
-          </a:p>
-          <a:p>
-            <a:r>
-              <a:rPr lang="en-US" dirty="0"/>
-              <a:t>	- Allows me to make an action list not only on the product, but on who might have been working during those runs and if there is maintenance on the machine needed, better process checks etc.  </a:t>
-            </a:r>
-          </a:p>
-          <a:p>
-            <a:r>
-              <a:rPr lang="en-US" dirty="0"/>
-              <a:t>	- Segue- Josh took that to heart and will discuss the “actions page” </a:t>
-            </a:r>
-          </a:p>
-          <a:p>
-            <a:endParaRPr lang="en-US" dirty="0"/>
-          </a:p>
-          <a:p>
-            <a:endParaRPr lang="en-US" dirty="0"/>
-          </a:p>
-          <a:p>
-            <a:r>
-              <a:rPr lang="en-US" b="1" dirty="0"/>
-              <a:t>Josh – </a:t>
-            </a:r>
-            <a:r>
-              <a:rPr lang="en-US" dirty="0"/>
-              <a:t>Actions Page – discuss the features in Actions </a:t>
-            </a:r>
-          </a:p>
-          <a:p>
-            <a:r>
-              <a:rPr lang="en-US" dirty="0"/>
-              <a:t>	- We designed our landing page so that if there are products out of spec, this page populates this way– highlighting the out of spec products in bright red. </a:t>
-            </a:r>
-          </a:p>
-          <a:p>
-            <a:r>
-              <a:rPr lang="en-US" dirty="0"/>
-              <a:t>	- If nothing is out of spec, we show that. I know immediately which products I should review and address.  </a:t>
-            </a:r>
-          </a:p>
-          <a:p>
-            <a:r>
-              <a:rPr lang="en-US" dirty="0"/>
-              <a:t>Segue- If I want to get an overall view- I can just tab over to the Overview page.  Abigail can speak to the features in our overview page. </a:t>
-            </a:r>
-          </a:p>
-          <a:p>
-            <a:endParaRPr lang="en-US" dirty="0"/>
-          </a:p>
-          <a:p>
-            <a:r>
-              <a:rPr lang="en-US" dirty="0"/>
-              <a:t>Products Page – Introduce Histograms</a:t>
-            </a:r>
-          </a:p>
-          <a:p>
-            <a:r>
-              <a:rPr lang="en-US" dirty="0"/>
-              <a:t>	</a:t>
-            </a:r>
-          </a:p>
-          <a:p>
-            <a:r>
-              <a:rPr lang="en-US" b="1" dirty="0"/>
-              <a:t>Abigail – </a:t>
-            </a:r>
-            <a:r>
-              <a:rPr lang="en-US" dirty="0"/>
-              <a:t>Overview Page – discuss the features in Overview </a:t>
-            </a:r>
-          </a:p>
-          <a:p>
-            <a:r>
-              <a:rPr lang="en-US" dirty="0"/>
-              <a:t>	- We have two major metrics to review.  It’s annoying to scroll back and forth so we can toggle between reports. </a:t>
-            </a:r>
-          </a:p>
-          <a:p>
-            <a:r>
-              <a:rPr lang="en-US" dirty="0"/>
-              <a:t>	- Following our goal to know exactly what our punch-products are, non-compliant products are found and listed at the top of each table. </a:t>
-            </a:r>
-          </a:p>
-          <a:p>
-            <a:r>
-              <a:rPr lang="en-US" dirty="0"/>
-              <a:t>	- These tables show us everything we need to know.  For example – 20 oz steaks are very non-compliant. We can see that this could be because there aren’t as many 20-oz steaks in the run so every single steak materially changes the data.  They have a lower overall count, and it could be because the spec is unrealistic for such a big steak. Either way, we have all the information we need to start making an action list to address. </a:t>
-            </a:r>
-          </a:p>
-          <a:p>
-            <a:r>
-              <a:rPr lang="en-US" dirty="0"/>
-              <a:t>Segue- There are still some items that are hard to see in these tables. That is why we also created a products page.  I’ll turn that over to Kevin.  </a:t>
-            </a:r>
-          </a:p>
-          <a:p>
-            <a:endParaRPr lang="en-US" dirty="0"/>
-          </a:p>
-          <a:p>
-            <a:endParaRPr lang="en-US" dirty="0"/>
-          </a:p>
-          <a:p>
-            <a:r>
-              <a:rPr lang="en-US" b="1" dirty="0"/>
-              <a:t>Kevin – </a:t>
-            </a:r>
-            <a:r>
-              <a:rPr lang="en-US" dirty="0"/>
-              <a:t>- Going to give a quick refresher on histograms –</a:t>
-            </a:r>
-          </a:p>
-          <a:p>
-            <a:r>
-              <a:rPr lang="en-US" dirty="0"/>
-              <a:t>		- they show our “bell curve” that should be centered around the average, and that average should be close to the product spec</a:t>
-            </a:r>
-          </a:p>
-          <a:p>
-            <a:r>
-              <a:rPr lang="en-US" dirty="0"/>
-              <a:t>		- We wanted the x-axis to step by a 10</a:t>
-            </a:r>
-            <a:r>
-              <a:rPr lang="en-US" baseline="30000" dirty="0"/>
-              <a:t>th</a:t>
-            </a:r>
-            <a:r>
-              <a:rPr lang="en-US" dirty="0"/>
-              <a:t> of an inch and a quarter oz so that we could easily understand the data. </a:t>
-            </a:r>
-          </a:p>
-          <a:p>
-            <a:r>
-              <a:rPr lang="en-US" dirty="0"/>
-              <a:t>		- each of these columns represents the count of the steaks in that month that fell within say 11 and 11.25 ounces.  Hovering over the bar gives the exact count. </a:t>
-            </a:r>
-          </a:p>
-          <a:p>
-            <a:r>
-              <a:rPr lang="en-US" dirty="0"/>
-              <a:t>		- a quality production line will have few outliers, and a narrow curve. </a:t>
-            </a:r>
-          </a:p>
-          <a:p>
-            <a:r>
-              <a:rPr lang="en-US" dirty="0"/>
-              <a:t>			- give an example of a curve we might want to look at even though it’s in compliance</a:t>
-            </a:r>
-          </a:p>
-          <a:p>
-            <a:r>
-              <a:rPr lang="en-US" dirty="0"/>
-              <a:t>	- Just another reminder that we need to hit that 95% compliance goal.  So we drew out our goal posts to really easily see how far out of spec our outliers ended up.</a:t>
-            </a:r>
-          </a:p>
-          <a:p>
-            <a:r>
-              <a:rPr lang="en-US" dirty="0"/>
-              <a:t>	- We also want to clearly understand our mean value.  </a:t>
-            </a:r>
-          </a:p>
-          <a:p>
-            <a:r>
-              <a:rPr lang="en-US" dirty="0"/>
-              <a:t>		- For example this product is 12 oz and our mean is X, are we under or overdelivering to the customer on average? </a:t>
-            </a:r>
-          </a:p>
-          <a:p>
-            <a:r>
-              <a:rPr lang="en-US" dirty="0"/>
-              <a:t>	- We can’t re-educate stakeholders every month. Everything needs to be a simple read so we’re serving simple, gridded data by product.  </a:t>
-            </a:r>
-          </a:p>
-          <a:p>
-            <a:r>
-              <a:rPr lang="en-US" dirty="0"/>
-              <a:t>	- Just so we can present data quickly, we also created a feature on this page that calls out non-compliant products in the value tables to the right. </a:t>
-            </a:r>
-          </a:p>
-          <a:p>
-            <a:r>
-              <a:rPr lang="en-US" dirty="0"/>
-              <a:t>Segue – As we ask for the opportunity to move forward with this project, we were not without some challenges that Abigail can speak to. </a:t>
-            </a:r>
-          </a:p>
-          <a:p>
+            </a:br>
+            <a:r>
+              <a:rPr lang="en-US" b="0" i="0" dirty="0">
+                <a:solidFill>
+                  <a:srgbClr val="1D1C1D"/>
+                </a:solidFill>
+                <a:effectLst/>
+                <a:highlight>
+                  <a:srgbClr val="F8F8F8"/>
+                </a:highlight>
+                <a:latin typeface="Slack-Lato"/>
+              </a:rPr>
+              <a:t>reliability, and time-efficiency. Our application safeguards our valuable data and puts us in a position to leverage the future, that in 2024 and beyond, seems to be data.</a:t>
+            </a:r>
+          </a:p>
+          <a:p>
+            <a:endParaRPr lang="en-US" b="0" i="0" dirty="0">
+              <a:solidFill>
+                <a:srgbClr val="1D1C1D"/>
+              </a:solidFill>
+              <a:effectLst/>
+              <a:highlight>
+                <a:srgbClr val="F8F8F8"/>
+              </a:highlight>
+              <a:latin typeface="Slack-Lato"/>
+            </a:endParaRPr>
+          </a:p>
+          <a:p>
+            <a:r>
+              <a:rPr lang="en-US" b="0" i="0" dirty="0">
+                <a:solidFill>
+                  <a:srgbClr val="1D1C1D"/>
+                </a:solidFill>
+                <a:effectLst/>
+                <a:highlight>
+                  <a:srgbClr val="F8F8F8"/>
+                </a:highlight>
+                <a:latin typeface="Slack-Lato"/>
+              </a:rPr>
+              <a:t>Speaking of the future, as our youngest team member, its only fair that Josh is brought in to talk about the future endless possibilities of this application. He will discuss a few of them with you.</a:t>
+            </a:r>
             <a:endParaRPr lang="en-US" dirty="0"/>
           </a:p>
         </p:txBody>
@@ -5740,7 +5715,7 @@
     </p:spTree>
     <p:extLst>
       <p:ext uri="{BB962C8B-B14F-4D97-AF65-F5344CB8AC3E}">
-        <p14:creationId xmlns:p14="http://schemas.microsoft.com/office/powerpoint/2010/main" val="3166553697"/>
+        <p14:creationId xmlns:p14="http://schemas.microsoft.com/office/powerpoint/2010/main" val="2389294237"/>
       </p:ext>
     </p:extLst>
   </p:cSld>
@@ -5794,76 +5769,6 @@
           <a:bodyPr/>
           <a:lstStyle/>
           <a:p>
-            <a:r>
-              <a:rPr lang="en-US" b="1" dirty="0"/>
-              <a:t>Abigail</a:t>
-            </a:r>
-            <a:r>
-              <a:rPr lang="en-US" dirty="0"/>
-              <a:t>- Challenges</a:t>
-            </a:r>
-          </a:p>
-          <a:p>
-            <a:r>
-              <a:rPr lang="en-US" dirty="0"/>
-              <a:t>	- Testing across all browsers was necessary in order to ensure consistent view. For example, Kevin’s browser in dark-mode was serving a completely different </a:t>
-            </a:r>
-            <a:r>
-              <a:rPr lang="en-US" dirty="0" err="1"/>
-              <a:t>plotly</a:t>
-            </a:r>
-            <a:r>
-              <a:rPr lang="en-US" dirty="0"/>
-              <a:t> graph than ours.</a:t>
-            </a:r>
-          </a:p>
-          <a:p>
-            <a:r>
-              <a:rPr lang="en-US" dirty="0"/>
-              <a:t>	- We found errors in data at the 11</a:t>
-            </a:r>
-            <a:r>
-              <a:rPr lang="en-US" baseline="30000" dirty="0"/>
-              <a:t>th</a:t>
-            </a:r>
-            <a:r>
-              <a:rPr lang="en-US" dirty="0"/>
-              <a:t> hour- like 13 oz tail-on steak (show that view), but that is what this tool is designed to do– to open us </a:t>
-            </a:r>
-            <a:r>
-              <a:rPr lang="en-US" dirty="0" err="1"/>
-              <a:t>us</a:t>
-            </a:r>
-            <a:r>
-              <a:rPr lang="en-US" dirty="0"/>
-              <a:t> to questions and for those questions to give way to improving processes.  </a:t>
-            </a:r>
-          </a:p>
-          <a:p>
-            <a:r>
-              <a:rPr lang="en-US" dirty="0"/>
-              <a:t>	- Now that we have the overall structure working,  we have a huge opportunity to add features and functionality. </a:t>
-            </a:r>
-          </a:p>
-          <a:p>
-            <a:r>
-              <a:rPr lang="en-US" dirty="0"/>
-              <a:t>	- Team planning was another challenge.  It was hard to work all on the git main.  We had a moment of panic after hours of work “disappeared” from off-time pulls and pushes.  </a:t>
-            </a:r>
-          </a:p>
-          <a:p>
-            <a:r>
-              <a:rPr lang="en-US" dirty="0"/>
-              <a:t>	- Any other shout outs or challenges </a:t>
-            </a:r>
-          </a:p>
-          <a:p>
-            <a:r>
-              <a:rPr lang="en-US" dirty="0"/>
-              <a:t>Segue- Speaking of the team, as our youngest team member, its only fair that Josh is brought in to talk about the future--- </a:t>
-            </a:r>
-          </a:p>
-          <a:p>
             <a:endParaRPr lang="en-US" dirty="0"/>
           </a:p>
           <a:p>
@@ -5873,97 +5778,141 @@
             </a:r>
             <a:r>
               <a:rPr lang="en-US" dirty="0"/>
-              <a:t>– Considerations and future features</a:t>
-            </a:r>
-          </a:p>
-          <a:p>
+              <a:t>–FINALE</a:t>
+            </a:r>
+          </a:p>
+          <a:p>
+            <a:endParaRPr lang="en-US" b="0" i="0" dirty="0">
+              <a:solidFill>
+                <a:srgbClr val="1F2328"/>
+              </a:solidFill>
+              <a:effectLst/>
+              <a:highlight>
+                <a:srgbClr val="FFFFFF"/>
+              </a:highlight>
+              <a:latin typeface="-apple-system"/>
+            </a:endParaRPr>
+          </a:p>
+          <a:p>
+            <a:r>
+              <a:rPr lang="en-US" b="0" i="0" dirty="0">
+                <a:solidFill>
+                  <a:srgbClr val="1F2328"/>
+                </a:solidFill>
+                <a:effectLst/>
+                <a:highlight>
+                  <a:srgbClr val="FFFFFF"/>
+                </a:highlight>
+                <a:latin typeface="-apple-system"/>
+              </a:rPr>
+              <a:t>If we get permission to move forward, some future features we’d really like to explore are: </a:t>
+            </a:r>
+          </a:p>
+          <a:p>
+            <a:pPr algn="l">
+              <a:buFont typeface="Arial" panose="020B0604020202020204" pitchFamily="34" charset="0"/>
+              <a:buChar char="•"/>
+            </a:pPr>
+            <a:endParaRPr lang="en-US" b="0" i="0" dirty="0">
+              <a:solidFill>
+                <a:srgbClr val="1F2328"/>
+              </a:solidFill>
+              <a:effectLst/>
+              <a:highlight>
+                <a:srgbClr val="FFFFFF"/>
+              </a:highlight>
+              <a:latin typeface="-apple-system"/>
+            </a:endParaRPr>
+          </a:p>
+          <a:p>
+            <a:pPr algn="l">
+              <a:buFont typeface="Arial" panose="020B0604020202020204" pitchFamily="34" charset="0"/>
+              <a:buChar char="•"/>
+            </a:pPr>
+            <a:r>
+              <a:rPr lang="en-US" b="0" i="0" dirty="0">
+                <a:solidFill>
+                  <a:srgbClr val="1F2328"/>
+                </a:solidFill>
+                <a:effectLst/>
+                <a:highlight>
+                  <a:srgbClr val="FFFFFF"/>
+                </a:highlight>
+                <a:latin typeface="-apple-system"/>
+              </a:rPr>
+              <a:t>Adding quarterly view, monthly, view, weekly, daily ingestion and view</a:t>
+            </a:r>
+          </a:p>
+          <a:p>
+            <a:pPr algn="l">
+              <a:buFont typeface="Arial" panose="020B0604020202020204" pitchFamily="34" charset="0"/>
+              <a:buChar char="•"/>
+            </a:pPr>
+            <a:r>
+              <a:rPr lang="en-US" b="0" i="0" dirty="0">
+                <a:solidFill>
+                  <a:srgbClr val="1F2328"/>
+                </a:solidFill>
+                <a:effectLst/>
+                <a:highlight>
+                  <a:srgbClr val="FFFFFF"/>
+                </a:highlight>
+                <a:latin typeface="-apple-system"/>
+              </a:rPr>
+              <a:t>Adding outliers lists by product and date</a:t>
+            </a:r>
+          </a:p>
+          <a:p>
+            <a:pPr algn="l">
+              <a:buFont typeface="Arial" panose="020B0604020202020204" pitchFamily="34" charset="0"/>
+              <a:buChar char="•"/>
+            </a:pPr>
+            <a:r>
+              <a:rPr lang="en-US" b="0" i="0" dirty="0">
+                <a:solidFill>
+                  <a:srgbClr val="1F2328"/>
+                </a:solidFill>
+                <a:effectLst/>
+                <a:highlight>
+                  <a:srgbClr val="FFFFFF"/>
+                </a:highlight>
+                <a:latin typeface="-apple-system"/>
+              </a:rPr>
+              <a:t>Transforming data differently based on who the stakeholder is(customer or internal)</a:t>
+            </a:r>
+          </a:p>
+          <a:p>
+            <a:pPr algn="l">
+              <a:buFont typeface="Arial" panose="020B0604020202020204" pitchFamily="34" charset="0"/>
+              <a:buChar char="•"/>
+            </a:pPr>
+            <a:r>
+              <a:rPr lang="en-US" b="0" i="0" dirty="0">
+                <a:solidFill>
+                  <a:srgbClr val="1F2328"/>
+                </a:solidFill>
+                <a:effectLst/>
+                <a:highlight>
+                  <a:srgbClr val="FFFFFF"/>
+                </a:highlight>
+                <a:latin typeface="-apple-system"/>
+              </a:rPr>
+              <a:t>It might also be nice to have emails when data is uploaded to the database or reports that we can pull CSVs from here. </a:t>
+            </a:r>
             <a:r>
               <a:rPr lang="en-US" dirty="0"/>
-              <a:t>	- First and foremost, is this not the best logo on the planet?</a:t>
-            </a:r>
-          </a:p>
-          <a:p>
-            <a:r>
-              <a:rPr lang="en-US" dirty="0"/>
-              <a:t>	- We set this up so that if there are future requests from stakeholders, we could customize the dashboard. </a:t>
+              <a:t>	</a:t>
             </a:r>
           </a:p>
           <a:p>
             <a:pPr lvl="1"/>
-            <a:r>
-              <a:rPr lang="en-US" dirty="0"/>
-              <a:t>	- </a:t>
-            </a:r>
-            <a:r>
-              <a:rPr lang="en-US" sz="1200" dirty="0"/>
-              <a:t>This report is currently designed for INTERNAL stakeholders only – why , because we definitely don’t want to serve customers an actions page.  </a:t>
-            </a:r>
+            <a:endParaRPr lang="en-US" sz="1200" b="0" dirty="0"/>
           </a:p>
           <a:p>
             <a:pPr lvl="1"/>
             <a:r>
-              <a:rPr lang="en-US" sz="1200" dirty="0"/>
-              <a:t>		- could show  a root cause analysis </a:t>
-            </a:r>
-          </a:p>
-          <a:p>
-            <a:pPr lvl="1"/>
-            <a:r>
-              <a:rPr lang="en-US" sz="1200" dirty="0"/>
-              <a:t>			or </a:t>
-            </a:r>
-          </a:p>
-          <a:p>
-            <a:pPr lvl="1"/>
-            <a:r>
-              <a:rPr lang="en-US" sz="1200" dirty="0"/>
-              <a:t>		- do much deeper dive into more historical data to see if we should create even more functions to “cleanup” human or machine errors.</a:t>
-            </a:r>
-          </a:p>
-          <a:p>
-            <a:pPr lvl="1"/>
-            <a:r>
-              <a:rPr lang="en-US" sz="1200" dirty="0"/>
-              <a:t>		- More complex errors (example 13oz tail-on) would be addressed for customer deployment </a:t>
-            </a:r>
-          </a:p>
-          <a:p>
-            <a:pPr lvl="1"/>
-            <a:r>
-              <a:rPr lang="en-US" sz="1200" dirty="0"/>
-              <a:t>		- We also want to be able to slice out data by date and time in order to drill even further down</a:t>
-            </a:r>
-          </a:p>
-          <a:p>
-            <a:pPr lvl="1"/>
-            <a:r>
-              <a:rPr lang="en-US" sz="1200" dirty="0"/>
-              <a:t>	- WARNING-- The more data is manipulated from raw to align with customer spec, the more management would need to be drawn in to address</a:t>
-            </a:r>
-          </a:p>
-          <a:p>
-            <a:pPr lvl="1"/>
-            <a:r>
-              <a:rPr lang="en-US" sz="1200" b="1" dirty="0"/>
-              <a:t>		</a:t>
-            </a:r>
-            <a:r>
               <a:rPr lang="en-US" sz="1200" b="0" dirty="0"/>
-              <a:t>- there is a fine ethical line here- we can easily delete “test blocks,” but the more we manipulate the less “real” the data becomes. </a:t>
-            </a:r>
-          </a:p>
-          <a:p>
-            <a:pPr lvl="1"/>
-            <a:r>
-              <a:rPr lang="en-US" sz="1200" b="0" dirty="0"/>
-              <a:t>- Segue – we are excited to move forward with implementation. We welcome your thoughts.  </a:t>
-            </a:r>
-          </a:p>
-          <a:p>
-            <a:pPr lvl="1"/>
-            <a:r>
-              <a:rPr lang="en-US" sz="1200" b="0" dirty="0"/>
-              <a:t>	-I’m going to turn this over to the class and TED. Does anyone have any questions? </a:t>
+              <a:t>- Segue – Enough talk, does anyone have any questions? </a:t>
             </a:r>
           </a:p>
           <a:p>
@@ -6499,7 +6448,7 @@
           <a:p>
             <a:fld id="{E114B12A-A3C8-4365-BDE8-02421AFC9837}" type="datetimeFigureOut">
               <a:rPr lang="en-US" smtClean="0"/>
-              <a:t>7/21/2024</a:t>
+              <a:t>7/22/2024</a:t>
             </a:fld>
             <a:endParaRPr lang="en-US"/>
           </a:p>
@@ -6683,7 +6632,7 @@
           <a:p>
             <a:fld id="{E114B12A-A3C8-4365-BDE8-02421AFC9837}" type="datetimeFigureOut">
               <a:rPr lang="en-US" smtClean="0"/>
-              <a:t>7/21/2024</a:t>
+              <a:t>7/22/2024</a:t>
             </a:fld>
             <a:endParaRPr lang="en-US"/>
           </a:p>
@@ -6867,7 +6816,7 @@
           <a:p>
             <a:fld id="{E114B12A-A3C8-4365-BDE8-02421AFC9837}" type="datetimeFigureOut">
               <a:rPr lang="en-US" smtClean="0"/>
-              <a:t>7/21/2024</a:t>
+              <a:t>7/22/2024</a:t>
             </a:fld>
             <a:endParaRPr lang="en-US"/>
           </a:p>
@@ -7037,7 +6986,7 @@
           <a:p>
             <a:fld id="{E114B12A-A3C8-4365-BDE8-02421AFC9837}" type="datetimeFigureOut">
               <a:rPr lang="en-US" smtClean="0"/>
-              <a:t>7/21/2024</a:t>
+              <a:t>7/22/2024</a:t>
             </a:fld>
             <a:endParaRPr lang="en-US"/>
           </a:p>
@@ -7362,7 +7311,7 @@
           <a:p>
             <a:fld id="{E114B12A-A3C8-4365-BDE8-02421AFC9837}" type="datetimeFigureOut">
               <a:rPr lang="en-US" smtClean="0"/>
-              <a:t>7/21/2024</a:t>
+              <a:t>7/22/2024</a:t>
             </a:fld>
             <a:endParaRPr lang="en-US"/>
           </a:p>
@@ -7760,7 +7709,7 @@
           <a:p>
             <a:fld id="{E114B12A-A3C8-4365-BDE8-02421AFC9837}" type="datetimeFigureOut">
               <a:rPr lang="en-US" smtClean="0"/>
-              <a:t>7/21/2024</a:t>
+              <a:t>7/22/2024</a:t>
             </a:fld>
             <a:endParaRPr lang="en-US"/>
           </a:p>
@@ -8194,7 +8143,7 @@
           <a:p>
             <a:fld id="{E114B12A-A3C8-4365-BDE8-02421AFC9837}" type="datetimeFigureOut">
               <a:rPr lang="en-US" smtClean="0"/>
-              <a:t>7/21/2024</a:t>
+              <a:t>7/22/2024</a:t>
             </a:fld>
             <a:endParaRPr lang="en-US"/>
           </a:p>
@@ -8322,7 +8271,7 @@
           <a:p>
             <a:fld id="{E114B12A-A3C8-4365-BDE8-02421AFC9837}" type="datetimeFigureOut">
               <a:rPr lang="en-US" smtClean="0"/>
-              <a:t>7/21/2024</a:t>
+              <a:t>7/22/2024</a:t>
             </a:fld>
             <a:endParaRPr lang="en-US"/>
           </a:p>
@@ -8427,7 +8376,7 @@
           <a:p>
             <a:fld id="{E114B12A-A3C8-4365-BDE8-02421AFC9837}" type="datetimeFigureOut">
               <a:rPr lang="en-US" smtClean="0"/>
-              <a:t>7/21/2024</a:t>
+              <a:t>7/22/2024</a:t>
             </a:fld>
             <a:endParaRPr lang="en-US"/>
           </a:p>
@@ -8868,7 +8817,7 @@
           <a:p>
             <a:fld id="{E114B12A-A3C8-4365-BDE8-02421AFC9837}" type="datetimeFigureOut">
               <a:rPr lang="en-US" smtClean="0"/>
-              <a:t>7/21/2024</a:t>
+              <a:t>7/22/2024</a:t>
             </a:fld>
             <a:endParaRPr lang="en-US"/>
           </a:p>
@@ -9295,7 +9244,7 @@
           <a:p>
             <a:fld id="{E114B12A-A3C8-4365-BDE8-02421AFC9837}" type="datetimeFigureOut">
               <a:rPr lang="en-US" smtClean="0"/>
-              <a:t>7/21/2024</a:t>
+              <a:t>7/22/2024</a:t>
             </a:fld>
             <a:endParaRPr lang="en-US"/>
           </a:p>
@@ -9580,7 +9529,7 @@
           <a:p>
             <a:fld id="{E114B12A-A3C8-4365-BDE8-02421AFC9837}" type="datetimeFigureOut">
               <a:rPr lang="en-US" smtClean="0"/>
-              <a:t>7/21/2024</a:t>
+              <a:t>7/22/2024</a:t>
             </a:fld>
             <a:endParaRPr lang="en-US"/>
           </a:p>
@@ -10483,7 +10432,7 @@
             <p:ph sz="half" idx="1"/>
             <p:extLst>
               <p:ext uri="{D42A27DB-BD31-4B8C-83A1-F6EECF244321}">
-                <p14:modId xmlns:p14="http://schemas.microsoft.com/office/powerpoint/2010/main" val="513953806"/>
+                <p14:modId xmlns:p14="http://schemas.microsoft.com/office/powerpoint/2010/main" val="3485512932"/>
               </p:ext>
             </p:extLst>
           </p:nvPr>
@@ -10761,7 +10710,7 @@
     <p:bg>
       <p:bgPr>
         <a:solidFill>
-          <a:schemeClr val="bg2"/>
+          <a:schemeClr val="bg1"/>
         </a:solidFill>
         <a:effectLst/>
       </p:bgPr>
@@ -10782,10 +10731,10 @@
       </p:grpSpPr>
       <p:grpSp>
         <p:nvGrpSpPr>
-          <p:cNvPr id="12" name="Group 11">
+          <p:cNvPr id="23" name="Group 22">
             <a:extLst>
               <a:ext uri="{FF2B5EF4-FFF2-40B4-BE49-F238E27FC236}">
-                <a16:creationId xmlns:a16="http://schemas.microsoft.com/office/drawing/2014/main" id="{16DBFAD4-B5FC-442B-A283-381B01B195F7}"/>
+                <a16:creationId xmlns:a16="http://schemas.microsoft.com/office/drawing/2014/main" id="{EC78E3E1-BBBA-4058-AAEB-714F04B0257C}"/>
               </a:ext>
               <a:ext uri="{C183D7F6-B498-43B3-948B-1728B52AA6E4}">
                 <adec:decorative xmlns:adec="http://schemas.microsoft.com/office/drawing/2017/decorative" val="1"/>
@@ -10813,10 +10762,10 @@
         </p:grpSpPr>
         <p:sp>
           <p:nvSpPr>
-            <p:cNvPr id="13" name="Oval 12">
+            <p:cNvPr id="24" name="Oval 23">
               <a:extLst>
                 <a:ext uri="{FF2B5EF4-FFF2-40B4-BE49-F238E27FC236}">
-                  <a16:creationId xmlns:a16="http://schemas.microsoft.com/office/drawing/2014/main" id="{9B649DC7-8769-4383-A6F2-8F366BA7A15B}"/>
+                  <a16:creationId xmlns:a16="http://schemas.microsoft.com/office/drawing/2014/main" id="{86860FA5-CE2B-4019-8FD1-031D7D84EF04}"/>
                 </a:ext>
                 <a:ext uri="{C183D7F6-B498-43B3-948B-1728B52AA6E4}">
                   <adec:decorative xmlns:adec="http://schemas.microsoft.com/office/drawing/2017/decorative" val="1"/>
@@ -10874,19 +10823,49 @@
             <a:effectLst/>
           </p:spPr>
           <p:txBody>
-            <a:bodyPr/>
+            <a:bodyPr lIns="0" tIns="0" rIns="0" bIns="0" rtlCol="0" anchor="ctr"/>
             <a:lstStyle/>
             <a:p>
-              <a:endParaRPr lang="en-US"/>
+              <a:pPr marL="0" marR="0" lvl="0" indent="0" algn="ctr" defTabSz="914400" eaLnBrk="1" fontAlgn="auto" latinLnBrk="0" hangingPunct="1">
+                <a:lnSpc>
+                  <a:spcPct val="100000"/>
+                </a:lnSpc>
+                <a:spcBef>
+                  <a:spcPts val="0"/>
+                </a:spcBef>
+                <a:spcAft>
+                  <a:spcPts val="0"/>
+                </a:spcAft>
+                <a:buClrTx/>
+                <a:buSzTx/>
+                <a:buFontTx/>
+                <a:buNone/>
+                <a:tabLst/>
+                <a:defRPr/>
+              </a:pPr>
+              <a:endParaRPr kumimoji="0" lang="en-US" sz="2000" b="0" i="0" u="none" strike="noStrike" kern="0" cap="none" spc="0" normalizeH="0" baseline="0" noProof="0" dirty="0">
+                <a:ln>
+                  <a:noFill/>
+                </a:ln>
+                <a:solidFill>
+                  <a:prstClr val="white"/>
+                </a:solidFill>
+                <a:effectLst/>
+                <a:uLnTx/>
+                <a:uFillTx/>
+                <a:latin typeface="Rockwell Extra Bold" pitchFamily="18" charset="0"/>
+                <a:ea typeface="+mn-ea"/>
+                <a:cs typeface="+mn-cs"/>
+              </a:endParaRPr>
             </a:p>
           </p:txBody>
         </p:sp>
         <p:sp>
           <p:nvSpPr>
-            <p:cNvPr id="14" name="Oval 13">
+            <p:cNvPr id="25" name="Oval 24">
               <a:extLst>
                 <a:ext uri="{FF2B5EF4-FFF2-40B4-BE49-F238E27FC236}">
-                  <a16:creationId xmlns:a16="http://schemas.microsoft.com/office/drawing/2014/main" id="{0C67FD53-2686-4E0E-BA49-976F78F9AAC6}"/>
+                  <a16:creationId xmlns:a16="http://schemas.microsoft.com/office/drawing/2014/main" id="{392DF474-2C37-4DC7-B889-E88EAADEA617}"/>
                 </a:ext>
                 <a:ext uri="{C183D7F6-B498-43B3-948B-1728B52AA6E4}">
                   <adec:decorative xmlns:adec="http://schemas.microsoft.com/office/drawing/2017/decorative" val="1"/>
@@ -10920,20 +10899,50 @@
             <a:effectLst/>
           </p:spPr>
           <p:txBody>
-            <a:bodyPr/>
+            <a:bodyPr rtlCol="0" anchor="ctr"/>
             <a:lstStyle/>
             <a:p>
-              <a:endParaRPr lang="en-US"/>
+              <a:pPr marL="0" marR="0" lvl="0" indent="0" algn="ctr" defTabSz="914400" eaLnBrk="1" fontAlgn="auto" latinLnBrk="0" hangingPunct="1">
+                <a:lnSpc>
+                  <a:spcPct val="100000"/>
+                </a:lnSpc>
+                <a:spcBef>
+                  <a:spcPts val="0"/>
+                </a:spcBef>
+                <a:spcAft>
+                  <a:spcPts val="0"/>
+                </a:spcAft>
+                <a:buClrTx/>
+                <a:buSzTx/>
+                <a:buFontTx/>
+                <a:buNone/>
+                <a:tabLst/>
+                <a:defRPr/>
+              </a:pPr>
+              <a:endParaRPr kumimoji="0" lang="en-US" sz="1800" b="0" i="0" u="none" strike="noStrike" kern="0" cap="none" spc="0" normalizeH="0" baseline="0" noProof="0" dirty="0">
+                <a:ln>
+                  <a:noFill/>
+                </a:ln>
+                <a:solidFill>
+                  <a:prstClr val="white"/>
+                </a:solidFill>
+                <a:effectLst/>
+                <a:uLnTx/>
+                <a:uFillTx/>
+                <a:latin typeface="Calibri"/>
+                <a:ea typeface="+mn-ea"/>
+                <a:cs typeface="+mn-cs"/>
+              </a:endParaRPr>
             </a:p>
           </p:txBody>
         </p:sp>
       </p:grpSp>
-      <p:sp useBgFill="1">
+      <p:sp>
         <p:nvSpPr>
-          <p:cNvPr id="16" name="Rectangle 15">
+          <p:cNvPr id="27" name="Rectangle 26">
             <a:extLst>
               <a:ext uri="{FF2B5EF4-FFF2-40B4-BE49-F238E27FC236}">
-                <a16:creationId xmlns:a16="http://schemas.microsoft.com/office/drawing/2014/main" id="{2A0E4E09-FC02-4ADC-951A-3FFA90B6FE39}"/>
+                <a16:creationId xmlns:a16="http://schemas.microsoft.com/office/drawing/2014/main" id="{4DA90C30-B990-4CCA-B584-40F864DA3A82}"/>
               </a:ext>
               <a:ext uri="{C183D7F6-B498-43B3-948B-1728B52AA6E4}">
                 <adec:decorative xmlns:adec="http://schemas.microsoft.com/office/drawing/2017/decorative" val="1"/>
@@ -10954,11 +10963,33 @@
         <p:spPr>
           <a:xfrm>
             <a:off x="0" y="0"/>
-            <a:ext cx="9143771" cy="6858000"/>
+            <a:ext cx="5658955" cy="6857999"/>
           </a:xfrm>
           <a:prstGeom prst="rect">
             <a:avLst/>
           </a:prstGeom>
+          <a:blipFill dpi="0" rotWithShape="1">
+            <a:blip r:embed="rId5">
+              <a:alphaModFix amt="60000"/>
+              <a:lum bright="70000" contrast="-70000"/>
+              <a:extLst>
+                <a:ext uri="{BEBA8EAE-BF5A-486C-A8C5-ECC9F3942E4B}">
+                  <a14:imgProps xmlns:a14="http://schemas.microsoft.com/office/drawing/2010/main">
+                    <a14:imgLayer r:embed="rId6">
+                      <a14:imgEffect>
+                        <a14:sharpenSoften amount="61000"/>
+                      </a14:imgEffect>
+                    </a14:imgLayer>
+                  </a14:imgProps>
+                </a:ext>
+                <a:ext uri="{28A0092B-C50C-407E-A947-70E740481C1C}">
+                  <a14:useLocalDpi xmlns:a14="http://schemas.microsoft.com/office/drawing/2010/main" val="0"/>
+                </a:ext>
+              </a:extLst>
+            </a:blip>
+            <a:srcRect/>
+            <a:tile tx="0" ty="-704850" sx="92000" sy="89000" flip="xy" algn="ctr"/>
+          </a:blipFill>
           <a:ln>
             <a:noFill/>
           </a:ln>
@@ -11006,8 +11037,8 @@
         </p:nvSpPr>
         <p:spPr>
           <a:xfrm>
-            <a:off x="4913193" y="685800"/>
-            <a:ext cx="3690014" cy="2021553"/>
+            <a:off x="286710" y="484632"/>
+            <a:ext cx="5057883" cy="1609344"/>
           </a:xfrm>
         </p:spPr>
         <p:txBody>
@@ -11017,34 +11048,796 @@
           <a:lstStyle/>
           <a:p>
             <a:r>
-              <a:rPr lang="en-US" sz="3400" b="1">
+              <a:rPr lang="en-US" sz="3600" b="1" dirty="0"/>
+              <a:t>Generic Butcher – An Introduction</a:t>
+            </a:r>
+            <a:br>
+              <a:rPr lang="en-US" sz="3600" dirty="0"/>
+            </a:br>
+            <a:endParaRPr lang="en-US" sz="3600" dirty="0"/>
+          </a:p>
+        </p:txBody>
+      </p:sp>
+      <p:pic>
+        <p:nvPicPr>
+          <p:cNvPr id="7" name="Picture 6" descr="A red and white logo&#10;&#10;Description automatically generated">
+            <a:extLst>
+              <a:ext uri="{FF2B5EF4-FFF2-40B4-BE49-F238E27FC236}">
+                <a16:creationId xmlns:a16="http://schemas.microsoft.com/office/drawing/2014/main" id="{04A3E69E-C47D-524F-A4AE-5D3671ADAF81}"/>
+              </a:ext>
+            </a:extLst>
+          </p:cNvPr>
+          <p:cNvPicPr>
+            <a:picLocks noChangeAspect="1"/>
+          </p:cNvPicPr>
+          <p:nvPr/>
+        </p:nvPicPr>
+        <p:blipFill rotWithShape="1">
+          <a:blip r:embed="rId7">
+            <a:extLst>
+              <a:ext uri="{28A0092B-C50C-407E-A947-70E740481C1C}">
+                <a14:useLocalDpi xmlns:a14="http://schemas.microsoft.com/office/drawing/2010/main" val="0"/>
+              </a:ext>
+            </a:extLst>
+          </a:blip>
+          <a:srcRect l="14568" r="18769"/>
+          <a:stretch/>
+        </p:blipFill>
+        <p:spPr>
+          <a:xfrm>
+            <a:off x="6152595" y="1385050"/>
+            <a:ext cx="2526882" cy="3790531"/>
+          </a:xfrm>
+          <a:prstGeom prst="rect">
+            <a:avLst/>
+          </a:prstGeom>
+        </p:spPr>
+      </p:pic>
+      <p:grpSp>
+        <p:nvGrpSpPr>
+          <p:cNvPr id="29" name="Group 28">
+            <a:extLst>
+              <a:ext uri="{FF2B5EF4-FFF2-40B4-BE49-F238E27FC236}">
+                <a16:creationId xmlns:a16="http://schemas.microsoft.com/office/drawing/2014/main" id="{D060B936-2771-48DC-842C-14EE9318E3E2}"/>
+              </a:ext>
+              <a:ext uri="{C183D7F6-B498-43B3-948B-1728B52AA6E4}">
+                <adec:decorative xmlns:adec="http://schemas.microsoft.com/office/drawing/2017/decorative" val="1"/>
+              </a:ext>
+            </a:extLst>
+          </p:cNvPr>
+          <p:cNvGrpSpPr>
+            <a:grpSpLocks noGrp="1" noUngrp="1" noRot="1" noChangeAspect="1" noMove="1" noResize="1"/>
+          </p:cNvGrpSpPr>
+          <p:nvPr>
+            <p:extLst>
+              <p:ext uri="{386F3935-93C4-4BCD-93E2-E3B085C9AB24}">
+                <p16:designElem xmlns:p16="http://schemas.microsoft.com/office/powerpoint/2015/main" val="1"/>
+              </p:ext>
+            </p:extLst>
+          </p:nvPr>
+        </p:nvGrpSpPr>
+        <p:grpSpPr>
+          <a:xfrm>
+            <a:off x="8551293" y="6229681"/>
+            <a:ext cx="342900" cy="457200"/>
+            <a:chOff x="11361456" y="6195813"/>
+            <a:chExt cx="548640" cy="548640"/>
+          </a:xfrm>
+        </p:grpSpPr>
+        <p:sp>
+          <p:nvSpPr>
+            <p:cNvPr id="30" name="Oval 29">
+              <a:extLst>
+                <a:ext uri="{FF2B5EF4-FFF2-40B4-BE49-F238E27FC236}">
+                  <a16:creationId xmlns:a16="http://schemas.microsoft.com/office/drawing/2014/main" id="{DB4EC8B4-4BB2-45C2-A68A-28E36AC10E2D}"/>
+                </a:ext>
+                <a:ext uri="{C183D7F6-B498-43B3-948B-1728B52AA6E4}">
+                  <adec:decorative xmlns:adec="http://schemas.microsoft.com/office/drawing/2017/decorative" val="1"/>
+                </a:ext>
+              </a:extLst>
+            </p:cNvPr>
+            <p:cNvSpPr/>
+            <p:nvPr>
+              <p:extLst>
+                <p:ext uri="{386F3935-93C4-4BCD-93E2-E3B085C9AB24}">
+                  <p16:designElem xmlns:p16="http://schemas.microsoft.com/office/powerpoint/2015/main" val="1"/>
+                </p:ext>
+              </p:extLst>
+            </p:nvPr>
+          </p:nvSpPr>
+          <p:spPr>
+            <a:xfrm>
+              <a:off x="11361456" y="6195813"/>
+              <a:ext cx="548640" cy="548640"/>
+            </a:xfrm>
+            <a:prstGeom prst="ellipse">
+              <a:avLst/>
+            </a:prstGeom>
+            <a:blipFill dpi="0" rotWithShape="1">
+              <a:blip r:embed="rId3">
+                <a:duotone>
+                  <a:schemeClr val="accent1">
+                    <a:shade val="45000"/>
+                    <a:satMod val="135000"/>
+                  </a:schemeClr>
+                  <a:prstClr val="white"/>
+                </a:duotone>
+              </a:blip>
+              <a:srcRect/>
+              <a:tile tx="50800" ty="0" sx="85000" sy="85000" flip="none" algn="tl"/>
+            </a:blipFill>
+            <a:ln w="25400" cap="flat" cmpd="sng" algn="ctr">
+              <a:noFill/>
+              <a:prstDash val="solid"/>
+            </a:ln>
+            <a:effectLst/>
+          </p:spPr>
+          <p:txBody>
+            <a:bodyPr lIns="0" tIns="0" rIns="0" bIns="0" rtlCol="0" anchor="ctr"/>
+            <a:lstStyle/>
+            <a:p>
+              <a:pPr marL="0" marR="0" lvl="0" indent="0" algn="ctr" defTabSz="914400" eaLnBrk="1" fontAlgn="auto" latinLnBrk="0" hangingPunct="1">
+                <a:lnSpc>
+                  <a:spcPct val="100000"/>
+                </a:lnSpc>
+                <a:spcBef>
+                  <a:spcPts val="0"/>
+                </a:spcBef>
+                <a:spcAft>
+                  <a:spcPts val="0"/>
+                </a:spcAft>
+                <a:buClrTx/>
+                <a:buSzTx/>
+                <a:buFontTx/>
+                <a:buNone/>
+                <a:tabLst/>
+                <a:defRPr/>
+              </a:pPr>
+              <a:endParaRPr kumimoji="0" lang="en-US" sz="2000" b="0" i="0" u="none" strike="noStrike" kern="0" cap="none" spc="0" normalizeH="0" baseline="0" noProof="0" dirty="0">
+                <a:ln>
+                  <a:noFill/>
+                </a:ln>
                 <a:solidFill>
-                  <a:schemeClr val="tx1"/>
+                  <a:prstClr val="white"/>
                 </a:solidFill>
-              </a:rPr>
-              <a:t>Generic Butcher – An Introduction</a:t>
-            </a:r>
-            <a:br>
-              <a:rPr lang="en-US" sz="3400">
+                <a:effectLst/>
+                <a:uLnTx/>
+                <a:uFillTx/>
+                <a:latin typeface="Rockwell Extra Bold" pitchFamily="18" charset="0"/>
+                <a:ea typeface="+mn-ea"/>
+                <a:cs typeface="+mn-cs"/>
+              </a:endParaRPr>
+            </a:p>
+          </p:txBody>
+        </p:sp>
+        <p:sp>
+          <p:nvSpPr>
+            <p:cNvPr id="31" name="Oval 30">
+              <a:extLst>
+                <a:ext uri="{FF2B5EF4-FFF2-40B4-BE49-F238E27FC236}">
+                  <a16:creationId xmlns:a16="http://schemas.microsoft.com/office/drawing/2014/main" id="{1431D296-F8F1-41C3-A211-E83E243C5156}"/>
+                </a:ext>
+                <a:ext uri="{C183D7F6-B498-43B3-948B-1728B52AA6E4}">
+                  <adec:decorative xmlns:adec="http://schemas.microsoft.com/office/drawing/2017/decorative" val="1"/>
+                </a:ext>
+              </a:extLst>
+            </p:cNvPr>
+            <p:cNvSpPr/>
+            <p:nvPr>
+              <p:extLst>
+                <p:ext uri="{386F3935-93C4-4BCD-93E2-E3B085C9AB24}">
+                  <p16:designElem xmlns:p16="http://schemas.microsoft.com/office/powerpoint/2015/main" val="1"/>
+                </p:ext>
+              </p:extLst>
+            </p:nvPr>
+          </p:nvSpPr>
+          <p:spPr>
+            <a:xfrm>
+              <a:off x="11396488" y="6230844"/>
+              <a:ext cx="478576" cy="478578"/>
+            </a:xfrm>
+            <a:prstGeom prst="ellipse">
+              <a:avLst/>
+            </a:prstGeom>
+            <a:noFill/>
+            <a:ln w="12700" cap="flat" cmpd="sng" algn="ctr">
+              <a:solidFill>
+                <a:srgbClr val="FFFFFF"/>
+              </a:solidFill>
+              <a:prstDash val="solid"/>
+            </a:ln>
+            <a:effectLst/>
+          </p:spPr>
+          <p:txBody>
+            <a:bodyPr rtlCol="0" anchor="ctr"/>
+            <a:lstStyle/>
+            <a:p>
+              <a:pPr marL="0" marR="0" lvl="0" indent="0" algn="ctr" defTabSz="914400" eaLnBrk="1" fontAlgn="auto" latinLnBrk="0" hangingPunct="1">
+                <a:lnSpc>
+                  <a:spcPct val="100000"/>
+                </a:lnSpc>
+                <a:spcBef>
+                  <a:spcPts val="0"/>
+                </a:spcBef>
+                <a:spcAft>
+                  <a:spcPts val="0"/>
+                </a:spcAft>
+                <a:buClrTx/>
+                <a:buSzTx/>
+                <a:buFontTx/>
+                <a:buNone/>
+                <a:tabLst/>
+                <a:defRPr/>
+              </a:pPr>
+              <a:endParaRPr kumimoji="0" lang="en-US" sz="1800" b="0" i="0" u="none" strike="noStrike" kern="0" cap="none" spc="0" normalizeH="0" baseline="0" noProof="0" dirty="0">
+                <a:ln>
+                  <a:noFill/>
+                </a:ln>
                 <a:solidFill>
-                  <a:schemeClr val="tx1"/>
+                  <a:prstClr val="white"/>
                 </a:solidFill>
-              </a:rPr>
-            </a:br>
-            <a:endParaRPr lang="en-US" sz="3400">
-              <a:solidFill>
-                <a:schemeClr val="tx1"/>
-              </a:solidFill>
-            </a:endParaRPr>
+                <a:effectLst/>
+                <a:uLnTx/>
+                <a:uFillTx/>
+                <a:latin typeface="Calibri"/>
+                <a:ea typeface="+mn-ea"/>
+                <a:cs typeface="+mn-cs"/>
+              </a:endParaRPr>
+            </a:p>
+          </p:txBody>
+        </p:sp>
+      </p:grpSp>
+      <p:pic>
+        <p:nvPicPr>
+          <p:cNvPr id="5" name="Graphic 4" descr="Cow with solid fill">
+            <a:extLst>
+              <a:ext uri="{FF2B5EF4-FFF2-40B4-BE49-F238E27FC236}">
+                <a16:creationId xmlns:a16="http://schemas.microsoft.com/office/drawing/2014/main" id="{20B97B1D-508E-721F-BCDD-A89E8875E133}"/>
+              </a:ext>
+            </a:extLst>
+          </p:cNvPr>
+          <p:cNvPicPr>
+            <a:picLocks noChangeAspect="1"/>
+          </p:cNvPicPr>
+          <p:nvPr/>
+        </p:nvPicPr>
+        <p:blipFill>
+          <a:blip r:embed="rId8">
+            <a:extLst>
+              <a:ext uri="{96DAC541-7B7A-43D3-8B79-37D633B846F1}">
+                <asvg:svgBlip xmlns:asvg="http://schemas.microsoft.com/office/drawing/2016/SVG/main" r:embed="rId9"/>
+              </a:ext>
+            </a:extLst>
+          </a:blip>
+          <a:stretch>
+            <a:fillRect/>
+          </a:stretch>
+        </p:blipFill>
+        <p:spPr>
+          <a:xfrm>
+            <a:off x="205231" y="1385050"/>
+            <a:ext cx="1438065" cy="1438065"/>
+          </a:xfrm>
+          <a:prstGeom prst="rect">
+            <a:avLst/>
+          </a:prstGeom>
+        </p:spPr>
+      </p:pic>
+      <p:pic>
+        <p:nvPicPr>
+          <p:cNvPr id="8" name="Graphic 7" descr="Factory with solid fill">
+            <a:extLst>
+              <a:ext uri="{FF2B5EF4-FFF2-40B4-BE49-F238E27FC236}">
+                <a16:creationId xmlns:a16="http://schemas.microsoft.com/office/drawing/2014/main" id="{7DE3B404-C6F8-14B3-DA65-BB0938010CED}"/>
+              </a:ext>
+            </a:extLst>
+          </p:cNvPr>
+          <p:cNvPicPr>
+            <a:picLocks noChangeAspect="1"/>
+          </p:cNvPicPr>
+          <p:nvPr/>
+        </p:nvPicPr>
+        <p:blipFill>
+          <a:blip r:embed="rId10">
+            <a:extLst>
+              <a:ext uri="{96DAC541-7B7A-43D3-8B79-37D633B846F1}">
+                <asvg:svgBlip xmlns:asvg="http://schemas.microsoft.com/office/drawing/2016/SVG/main" r:embed="rId11"/>
+              </a:ext>
+            </a:extLst>
+          </a:blip>
+          <a:stretch>
+            <a:fillRect/>
+          </a:stretch>
+        </p:blipFill>
+        <p:spPr>
+          <a:xfrm>
+            <a:off x="1402254" y="2456347"/>
+            <a:ext cx="1076094" cy="1076094"/>
+          </a:xfrm>
+          <a:prstGeom prst="rect">
+            <a:avLst/>
+          </a:prstGeom>
+        </p:spPr>
+      </p:pic>
+      <p:pic>
+        <p:nvPicPr>
+          <p:cNvPr id="10" name="Graphic 9" descr="Camera with solid fill">
+            <a:extLst>
+              <a:ext uri="{FF2B5EF4-FFF2-40B4-BE49-F238E27FC236}">
+                <a16:creationId xmlns:a16="http://schemas.microsoft.com/office/drawing/2014/main" id="{AEF06B1B-7057-4D36-48AF-B28DF7B4D5F5}"/>
+              </a:ext>
+            </a:extLst>
+          </p:cNvPr>
+          <p:cNvPicPr>
+            <a:picLocks noChangeAspect="1"/>
+          </p:cNvPicPr>
+          <p:nvPr/>
+        </p:nvPicPr>
+        <p:blipFill>
+          <a:blip r:embed="rId12">
+            <a:extLst>
+              <a:ext uri="{96DAC541-7B7A-43D3-8B79-37D633B846F1}">
+                <asvg:svgBlip xmlns:asvg="http://schemas.microsoft.com/office/drawing/2016/SVG/main" r:embed="rId13"/>
+              </a:ext>
+            </a:extLst>
+          </a:blip>
+          <a:stretch>
+            <a:fillRect/>
+          </a:stretch>
+        </p:blipFill>
+        <p:spPr>
+          <a:xfrm>
+            <a:off x="3116569" y="3667455"/>
+            <a:ext cx="914400" cy="914400"/>
+          </a:xfrm>
+          <a:prstGeom prst="rect">
+            <a:avLst/>
+          </a:prstGeom>
+        </p:spPr>
+      </p:pic>
+      <p:pic>
+        <p:nvPicPr>
+          <p:cNvPr id="15" name="Graphic 14" descr="Scale with solid fill">
+            <a:extLst>
+              <a:ext uri="{FF2B5EF4-FFF2-40B4-BE49-F238E27FC236}">
+                <a16:creationId xmlns:a16="http://schemas.microsoft.com/office/drawing/2014/main" id="{DEC5171E-2EEB-48AF-EB79-7937D6865621}"/>
+              </a:ext>
+            </a:extLst>
+          </p:cNvPr>
+          <p:cNvPicPr>
+            <a:picLocks noChangeAspect="1"/>
+          </p:cNvPicPr>
+          <p:nvPr/>
+        </p:nvPicPr>
+        <p:blipFill>
+          <a:blip r:embed="rId14">
+            <a:extLst>
+              <a:ext uri="{96DAC541-7B7A-43D3-8B79-37D633B846F1}">
+                <asvg:svgBlip xmlns:asvg="http://schemas.microsoft.com/office/drawing/2016/SVG/main" r:embed="rId15"/>
+              </a:ext>
+            </a:extLst>
+          </a:blip>
+          <a:stretch>
+            <a:fillRect/>
+          </a:stretch>
+        </p:blipFill>
+        <p:spPr>
+          <a:xfrm>
+            <a:off x="2283198" y="3671567"/>
+            <a:ext cx="914400" cy="914400"/>
+          </a:xfrm>
+          <a:prstGeom prst="rect">
+            <a:avLst/>
+          </a:prstGeom>
+        </p:spPr>
+      </p:pic>
+      <p:pic>
+        <p:nvPicPr>
+          <p:cNvPr id="19" name="Graphic 18" descr="Bar graph with upward trend with solid fill">
+            <a:extLst>
+              <a:ext uri="{FF2B5EF4-FFF2-40B4-BE49-F238E27FC236}">
+                <a16:creationId xmlns:a16="http://schemas.microsoft.com/office/drawing/2014/main" id="{0D54CAEB-3C4B-A29D-BC97-756A511C1B8C}"/>
+              </a:ext>
+            </a:extLst>
+          </p:cNvPr>
+          <p:cNvPicPr>
+            <a:picLocks noChangeAspect="1"/>
+          </p:cNvPicPr>
+          <p:nvPr/>
+        </p:nvPicPr>
+        <p:blipFill>
+          <a:blip r:embed="rId16">
+            <a:extLst>
+              <a:ext uri="{96DAC541-7B7A-43D3-8B79-37D633B846F1}">
+                <asvg:svgBlip xmlns:asvg="http://schemas.microsoft.com/office/drawing/2016/SVG/main" r:embed="rId17"/>
+              </a:ext>
+            </a:extLst>
+          </a:blip>
+          <a:stretch>
+            <a:fillRect/>
+          </a:stretch>
+        </p:blipFill>
+        <p:spPr>
+          <a:xfrm>
+            <a:off x="3538328" y="5613650"/>
+            <a:ext cx="914400" cy="914400"/>
+          </a:xfrm>
+          <a:prstGeom prst="rect">
+            <a:avLst/>
+          </a:prstGeom>
+        </p:spPr>
+      </p:pic>
+      <p:pic>
+        <p:nvPicPr>
+          <p:cNvPr id="21" name="Graphic 20" descr="List with solid fill">
+            <a:extLst>
+              <a:ext uri="{FF2B5EF4-FFF2-40B4-BE49-F238E27FC236}">
+                <a16:creationId xmlns:a16="http://schemas.microsoft.com/office/drawing/2014/main" id="{08CC5A8D-48C1-34E1-F92E-FF81F082C04B}"/>
+              </a:ext>
+            </a:extLst>
+          </p:cNvPr>
+          <p:cNvPicPr>
+            <a:picLocks noChangeAspect="1"/>
+          </p:cNvPicPr>
+          <p:nvPr/>
+        </p:nvPicPr>
+        <p:blipFill>
+          <a:blip r:embed="rId18">
+            <a:extLst>
+              <a:ext uri="{96DAC541-7B7A-43D3-8B79-37D633B846F1}">
+                <asvg:svgBlip xmlns:asvg="http://schemas.microsoft.com/office/drawing/2016/SVG/main" r:embed="rId19"/>
+              </a:ext>
+            </a:extLst>
+          </a:blip>
+          <a:stretch>
+            <a:fillRect/>
+          </a:stretch>
+        </p:blipFill>
+        <p:spPr>
+          <a:xfrm>
+            <a:off x="2802162" y="4571731"/>
+            <a:ext cx="914400" cy="914400"/>
+          </a:xfrm>
+          <a:prstGeom prst="rect">
+            <a:avLst/>
+          </a:prstGeom>
+        </p:spPr>
+      </p:pic>
+      <p:cxnSp>
+        <p:nvCxnSpPr>
+          <p:cNvPr id="26" name="Connector: Elbow 25">
+            <a:extLst>
+              <a:ext uri="{FF2B5EF4-FFF2-40B4-BE49-F238E27FC236}">
+                <a16:creationId xmlns:a16="http://schemas.microsoft.com/office/drawing/2014/main" id="{E0A927E1-C9FC-72EC-7207-12621063E981}"/>
+              </a:ext>
+            </a:extLst>
+          </p:cNvPr>
+          <p:cNvCxnSpPr/>
+          <p:nvPr/>
+        </p:nvCxnSpPr>
+        <p:spPr>
+          <a:xfrm>
+            <a:off x="720436" y="2701636"/>
+            <a:ext cx="616419" cy="201919"/>
+          </a:xfrm>
+          <a:prstGeom prst="bentConnector3">
+            <a:avLst/>
+          </a:prstGeom>
+          <a:ln>
+            <a:tailEnd type="triangle"/>
+          </a:ln>
+        </p:spPr>
+        <p:style>
+          <a:lnRef idx="1">
+            <a:schemeClr val="accent1"/>
+          </a:lnRef>
+          <a:fillRef idx="0">
+            <a:schemeClr val="accent1"/>
+          </a:fillRef>
+          <a:effectRef idx="0">
+            <a:schemeClr val="accent1"/>
+          </a:effectRef>
+          <a:fontRef idx="minor">
+            <a:schemeClr val="tx1"/>
+          </a:fontRef>
+        </p:style>
+      </p:cxnSp>
+      <p:cxnSp>
+        <p:nvCxnSpPr>
+          <p:cNvPr id="35" name="Connector: Elbow 34">
+            <a:extLst>
+              <a:ext uri="{FF2B5EF4-FFF2-40B4-BE49-F238E27FC236}">
+                <a16:creationId xmlns:a16="http://schemas.microsoft.com/office/drawing/2014/main" id="{F306AAA9-CA30-4FA5-0B41-E6C1E00216C3}"/>
+              </a:ext>
+            </a:extLst>
+          </p:cNvPr>
+          <p:cNvCxnSpPr>
+            <a:cxnSpLocks/>
+          </p:cNvCxnSpPr>
+          <p:nvPr/>
+        </p:nvCxnSpPr>
+        <p:spPr>
+          <a:xfrm rot="16200000" flipH="1">
+            <a:off x="2288872" y="3274894"/>
+            <a:ext cx="594843" cy="308209"/>
+          </a:xfrm>
+          <a:prstGeom prst="bentConnector3">
+            <a:avLst/>
+          </a:prstGeom>
+          <a:ln>
+            <a:tailEnd type="triangle"/>
+          </a:ln>
+        </p:spPr>
+        <p:style>
+          <a:lnRef idx="1">
+            <a:schemeClr val="accent1"/>
+          </a:lnRef>
+          <a:fillRef idx="0">
+            <a:schemeClr val="accent1"/>
+          </a:fillRef>
+          <a:effectRef idx="0">
+            <a:schemeClr val="accent1"/>
+          </a:effectRef>
+          <a:fontRef idx="minor">
+            <a:schemeClr val="tx1"/>
+          </a:fontRef>
+        </p:style>
+      </p:cxnSp>
+      <p:cxnSp>
+        <p:nvCxnSpPr>
+          <p:cNvPr id="36" name="Connector: Elbow 35">
+            <a:extLst>
+              <a:ext uri="{FF2B5EF4-FFF2-40B4-BE49-F238E27FC236}">
+                <a16:creationId xmlns:a16="http://schemas.microsoft.com/office/drawing/2014/main" id="{3A7093C4-1250-828B-0972-3CFEF2960454}"/>
+              </a:ext>
+            </a:extLst>
+          </p:cNvPr>
+          <p:cNvCxnSpPr>
+            <a:cxnSpLocks/>
+          </p:cNvCxnSpPr>
+          <p:nvPr/>
+        </p:nvCxnSpPr>
+        <p:spPr>
+          <a:xfrm rot="16200000" flipH="1">
+            <a:off x="3071332" y="5619324"/>
+            <a:ext cx="594843" cy="308209"/>
+          </a:xfrm>
+          <a:prstGeom prst="bentConnector3">
+            <a:avLst/>
+          </a:prstGeom>
+          <a:ln>
+            <a:tailEnd type="triangle"/>
+          </a:ln>
+        </p:spPr>
+        <p:style>
+          <a:lnRef idx="1">
+            <a:schemeClr val="accent1"/>
+          </a:lnRef>
+          <a:fillRef idx="0">
+            <a:schemeClr val="accent1"/>
+          </a:fillRef>
+          <a:effectRef idx="0">
+            <a:schemeClr val="accent1"/>
+          </a:effectRef>
+          <a:fontRef idx="minor">
+            <a:schemeClr val="tx1"/>
+          </a:fontRef>
+        </p:style>
+      </p:cxnSp>
+      <p:sp>
+        <p:nvSpPr>
+          <p:cNvPr id="37" name="TextBox 36">
+            <a:extLst>
+              <a:ext uri="{FF2B5EF4-FFF2-40B4-BE49-F238E27FC236}">
+                <a16:creationId xmlns:a16="http://schemas.microsoft.com/office/drawing/2014/main" id="{ADB08EC7-A2FD-E3C3-08D5-53EFD50A734F}"/>
+              </a:ext>
+            </a:extLst>
+          </p:cNvPr>
+          <p:cNvSpPr txBox="1"/>
+          <p:nvPr/>
+        </p:nvSpPr>
+        <p:spPr>
+          <a:xfrm>
+            <a:off x="1383819" y="2105479"/>
+            <a:ext cx="2342369" cy="369332"/>
+          </a:xfrm>
+          <a:prstGeom prst="rect">
+            <a:avLst/>
+          </a:prstGeom>
+          <a:noFill/>
+        </p:spPr>
+        <p:txBody>
+          <a:bodyPr wrap="square" rtlCol="0">
+            <a:spAutoFit/>
+          </a:bodyPr>
+          <a:lstStyle/>
+          <a:p>
+            <a:r>
+              <a:rPr lang="en-US" dirty="0"/>
+              <a:t>Production Line</a:t>
+            </a:r>
           </a:p>
         </p:txBody>
       </p:sp>
       <p:sp>
         <p:nvSpPr>
-          <p:cNvPr id="18" name="Freeform: Shape 17">
+          <p:cNvPr id="38" name="TextBox 37">
             <a:extLst>
               <a:ext uri="{FF2B5EF4-FFF2-40B4-BE49-F238E27FC236}">
-                <a16:creationId xmlns:a16="http://schemas.microsoft.com/office/drawing/2014/main" id="{9453FF84-60C1-4EA8-B49B-1B8C2D0C589F}"/>
+                <a16:creationId xmlns:a16="http://schemas.microsoft.com/office/drawing/2014/main" id="{16E878AD-5D9C-8C58-7903-CD448E3CAAD8}"/>
+              </a:ext>
+            </a:extLst>
+          </p:cNvPr>
+          <p:cNvSpPr txBox="1"/>
+          <p:nvPr/>
+        </p:nvSpPr>
+        <p:spPr>
+          <a:xfrm>
+            <a:off x="790798" y="4092361"/>
+            <a:ext cx="1646098" cy="369332"/>
+          </a:xfrm>
+          <a:prstGeom prst="rect">
+            <a:avLst/>
+          </a:prstGeom>
+          <a:noFill/>
+        </p:spPr>
+        <p:txBody>
+          <a:bodyPr wrap="square" rtlCol="0">
+            <a:spAutoFit/>
+          </a:bodyPr>
+          <a:lstStyle/>
+          <a:p>
+            <a:r>
+              <a:rPr lang="en-US" dirty="0"/>
+              <a:t>Meter Read</a:t>
+            </a:r>
+          </a:p>
+        </p:txBody>
+      </p:sp>
+      <p:sp>
+        <p:nvSpPr>
+          <p:cNvPr id="39" name="TextBox 38">
+            <a:extLst>
+              <a:ext uri="{FF2B5EF4-FFF2-40B4-BE49-F238E27FC236}">
+                <a16:creationId xmlns:a16="http://schemas.microsoft.com/office/drawing/2014/main" id="{D84A0E66-A611-65D6-E67E-9B3F49842BFB}"/>
+              </a:ext>
+            </a:extLst>
+          </p:cNvPr>
+          <p:cNvSpPr txBox="1"/>
+          <p:nvPr/>
+        </p:nvSpPr>
+        <p:spPr>
+          <a:xfrm>
+            <a:off x="3716562" y="4850744"/>
+            <a:ext cx="1492747" cy="369332"/>
+          </a:xfrm>
+          <a:prstGeom prst="rect">
+            <a:avLst/>
+          </a:prstGeom>
+          <a:noFill/>
+        </p:spPr>
+        <p:txBody>
+          <a:bodyPr wrap="square" rtlCol="0">
+            <a:spAutoFit/>
+          </a:bodyPr>
+          <a:lstStyle/>
+          <a:p>
+            <a:r>
+              <a:rPr lang="en-US" dirty="0"/>
+              <a:t>CSV Format</a:t>
+            </a:r>
+          </a:p>
+        </p:txBody>
+      </p:sp>
+      <p:sp>
+        <p:nvSpPr>
+          <p:cNvPr id="40" name="TextBox 39">
+            <a:extLst>
+              <a:ext uri="{FF2B5EF4-FFF2-40B4-BE49-F238E27FC236}">
+                <a16:creationId xmlns:a16="http://schemas.microsoft.com/office/drawing/2014/main" id="{2532F3DF-5ED2-D4C5-8C81-7A759883CC38}"/>
+              </a:ext>
+            </a:extLst>
+          </p:cNvPr>
+          <p:cNvSpPr txBox="1"/>
+          <p:nvPr/>
+        </p:nvSpPr>
+        <p:spPr>
+          <a:xfrm>
+            <a:off x="1226509" y="6065612"/>
+            <a:ext cx="2490053" cy="369332"/>
+          </a:xfrm>
+          <a:prstGeom prst="rect">
+            <a:avLst/>
+          </a:prstGeom>
+          <a:noFill/>
+        </p:spPr>
+        <p:txBody>
+          <a:bodyPr wrap="square" rtlCol="0">
+            <a:spAutoFit/>
+          </a:bodyPr>
+          <a:lstStyle/>
+          <a:p>
+            <a:r>
+              <a:rPr lang="en-US" dirty="0"/>
+              <a:t>Operations Reports</a:t>
+            </a:r>
+          </a:p>
+        </p:txBody>
+      </p:sp>
+      <p:pic>
+        <p:nvPicPr>
+          <p:cNvPr id="3" name="Picture 2">
+            <a:extLst>
+              <a:ext uri="{FF2B5EF4-FFF2-40B4-BE49-F238E27FC236}">
+                <a16:creationId xmlns:a16="http://schemas.microsoft.com/office/drawing/2014/main" id="{D94E835B-0F0D-8F00-7514-7C81E86536E6}"/>
+              </a:ext>
+            </a:extLst>
+          </p:cNvPr>
+          <p:cNvPicPr>
+            <a:picLocks noChangeAspect="1"/>
+          </p:cNvPicPr>
+          <p:nvPr/>
+        </p:nvPicPr>
+        <p:blipFill>
+          <a:blip r:embed="rId20"/>
+          <a:stretch>
+            <a:fillRect/>
+          </a:stretch>
+        </p:blipFill>
+        <p:spPr>
+          <a:xfrm>
+            <a:off x="2581799" y="2496901"/>
+            <a:ext cx="1303601" cy="851599"/>
+          </a:xfrm>
+          <a:prstGeom prst="rect">
+            <a:avLst/>
+          </a:prstGeom>
+        </p:spPr>
+      </p:pic>
+    </p:spTree>
+    <p:extLst>
+      <p:ext uri="{BB962C8B-B14F-4D97-AF65-F5344CB8AC3E}">
+        <p14:creationId xmlns:p14="http://schemas.microsoft.com/office/powerpoint/2010/main" val="1431544524"/>
+      </p:ext>
+    </p:extLst>
+  </p:cSld>
+  <p:clrMapOvr>
+    <a:masterClrMapping/>
+  </p:clrMapOvr>
+</p:sld>
+</file>
+
+<file path=ppt/slides/slide4.xml><?xml version="1.0" encoding="utf-8"?>
+<p:sld xmlns:a="http://schemas.openxmlformats.org/drawingml/2006/main" xmlns:r="http://schemas.openxmlformats.org/officeDocument/2006/relationships" xmlns:p="http://schemas.openxmlformats.org/presentationml/2006/main">
+  <p:cSld>
+    <p:bg>
+      <p:bgPr>
+        <a:solidFill>
+          <a:schemeClr val="bg1"/>
+        </a:solidFill>
+        <a:effectLst/>
+      </p:bgPr>
+    </p:bg>
+    <p:spTree>
+      <p:nvGrpSpPr>
+        <p:cNvPr id="1" name=""/>
+        <p:cNvGrpSpPr/>
+        <p:nvPr/>
+      </p:nvGrpSpPr>
+      <p:grpSpPr>
+        <a:xfrm>
+          <a:off x="0" y="0"/>
+          <a:ext cx="0" cy="0"/>
+          <a:chOff x="0" y="0"/>
+          <a:chExt cx="0" cy="0"/>
+        </a:xfrm>
+      </p:grpSpPr>
+      <p:sp>
+        <p:nvSpPr>
+          <p:cNvPr id="69" name="Rectangle 68">
+            <a:extLst>
+              <a:ext uri="{FF2B5EF4-FFF2-40B4-BE49-F238E27FC236}">
+                <a16:creationId xmlns:a16="http://schemas.microsoft.com/office/drawing/2014/main" id="{501EBB4D-E42B-468D-B801-D16CF43ECBD2}"/>
               </a:ext>
               <a:ext uri="{C183D7F6-B498-43B3-948B-1728B52AA6E4}">
                 <adec:decorative xmlns:adec="http://schemas.microsoft.com/office/drawing/2017/decorative" val="1"/>
@@ -11064,174 +11857,465 @@
         </p:nvSpPr>
         <p:spPr>
           <a:xfrm>
-            <a:off x="0" y="3"/>
-            <a:ext cx="4394613" cy="6857997"/>
+            <a:off x="690625" y="1346946"/>
+            <a:ext cx="7667244" cy="80683"/>
           </a:xfrm>
-          <a:custGeom>
+          <a:prstGeom prst="rect">
             <a:avLst/>
-            <a:gdLst>
-              <a:gd name="connsiteX0" fmla="*/ 3198825 w 5859484"/>
-              <a:gd name="connsiteY0" fmla="*/ 0 h 6857997"/>
-              <a:gd name="connsiteX1" fmla="*/ 3962351 w 5859484"/>
-              <a:gd name="connsiteY1" fmla="*/ 0 h 6857997"/>
-              <a:gd name="connsiteX2" fmla="*/ 4129776 w 5859484"/>
-              <a:gd name="connsiteY2" fmla="*/ 128761 h 6857997"/>
-              <a:gd name="connsiteX3" fmla="*/ 5859484 w 5859484"/>
-              <a:gd name="connsiteY3" fmla="*/ 3718209 h 6857997"/>
-              <a:gd name="connsiteX4" fmla="*/ 4624700 w 5859484"/>
-              <a:gd name="connsiteY4" fmla="*/ 6845880 h 6857997"/>
-              <a:gd name="connsiteX5" fmla="*/ 4612896 w 5859484"/>
-              <a:gd name="connsiteY5" fmla="*/ 6857997 h 6857997"/>
-              <a:gd name="connsiteX6" fmla="*/ 4017658 w 5859484"/>
-              <a:gd name="connsiteY6" fmla="*/ 6857997 h 6857997"/>
-              <a:gd name="connsiteX7" fmla="*/ 4173230 w 5859484"/>
-              <a:gd name="connsiteY7" fmla="*/ 6719623 h 6857997"/>
-              <a:gd name="connsiteX8" fmla="*/ 5443583 w 5859484"/>
-              <a:gd name="connsiteY8" fmla="*/ 3718209 h 6857997"/>
-              <a:gd name="connsiteX9" fmla="*/ 3355352 w 5859484"/>
-              <a:gd name="connsiteY9" fmla="*/ 88079 h 6857997"/>
-              <a:gd name="connsiteX10" fmla="*/ 0 w 5859484"/>
-              <a:gd name="connsiteY10" fmla="*/ 0 h 6857997"/>
-              <a:gd name="connsiteX11" fmla="*/ 2941255 w 5859484"/>
-              <a:gd name="connsiteY11" fmla="*/ 0 h 6857997"/>
-              <a:gd name="connsiteX12" fmla="*/ 3117080 w 5859484"/>
-              <a:gd name="connsiteY12" fmla="*/ 88129 h 6857997"/>
-              <a:gd name="connsiteX13" fmla="*/ 5324754 w 5859484"/>
-              <a:gd name="connsiteY13" fmla="*/ 3718209 h 6857997"/>
-              <a:gd name="connsiteX14" fmla="*/ 4089206 w 5859484"/>
-              <a:gd name="connsiteY14" fmla="*/ 6637392 h 6857997"/>
-              <a:gd name="connsiteX15" fmla="*/ 3841183 w 5859484"/>
-              <a:gd name="connsiteY15" fmla="*/ 6857997 h 6857997"/>
-              <a:gd name="connsiteX16" fmla="*/ 0 w 5859484"/>
-              <a:gd name="connsiteY16" fmla="*/ 6857997 h 6857997"/>
-            </a:gdLst>
-            <a:ahLst/>
-            <a:cxnLst>
-              <a:cxn ang="0">
-                <a:pos x="connsiteX0" y="connsiteY0"/>
-              </a:cxn>
-              <a:cxn ang="0">
-                <a:pos x="connsiteX1" y="connsiteY1"/>
-              </a:cxn>
-              <a:cxn ang="0">
-                <a:pos x="connsiteX2" y="connsiteY2"/>
-              </a:cxn>
-              <a:cxn ang="0">
-                <a:pos x="connsiteX3" y="connsiteY3"/>
-              </a:cxn>
-              <a:cxn ang="0">
-                <a:pos x="connsiteX4" y="connsiteY4"/>
-              </a:cxn>
-              <a:cxn ang="0">
-                <a:pos x="connsiteX5" y="connsiteY5"/>
-              </a:cxn>
-              <a:cxn ang="0">
-                <a:pos x="connsiteX6" y="connsiteY6"/>
-              </a:cxn>
-              <a:cxn ang="0">
-                <a:pos x="connsiteX7" y="connsiteY7"/>
-              </a:cxn>
-              <a:cxn ang="0">
-                <a:pos x="connsiteX8" y="connsiteY8"/>
-              </a:cxn>
-              <a:cxn ang="0">
-                <a:pos x="connsiteX9" y="connsiteY9"/>
-              </a:cxn>
-              <a:cxn ang="0">
-                <a:pos x="connsiteX10" y="connsiteY10"/>
-              </a:cxn>
-              <a:cxn ang="0">
-                <a:pos x="connsiteX11" y="connsiteY11"/>
-              </a:cxn>
-              <a:cxn ang="0">
-                <a:pos x="connsiteX12" y="connsiteY12"/>
-              </a:cxn>
-              <a:cxn ang="0">
-                <a:pos x="connsiteX13" y="connsiteY13"/>
-              </a:cxn>
-              <a:cxn ang="0">
-                <a:pos x="connsiteX14" y="connsiteY14"/>
-              </a:cxn>
-              <a:cxn ang="0">
-                <a:pos x="connsiteX15" y="connsiteY15"/>
-              </a:cxn>
-              <a:cxn ang="0">
-                <a:pos x="connsiteX16" y="connsiteY16"/>
-              </a:cxn>
-            </a:cxnLst>
-            <a:rect l="l" t="t" r="r" b="b"/>
-            <a:pathLst>
-              <a:path w="5859484" h="6857997">
-                <a:moveTo>
-                  <a:pt x="3198825" y="0"/>
-                </a:moveTo>
-                <a:lnTo>
-                  <a:pt x="3962351" y="0"/>
-                </a:lnTo>
-                <a:lnTo>
-                  <a:pt x="4129776" y="128761"/>
-                </a:lnTo>
-                <a:cubicBezTo>
-                  <a:pt x="5186152" y="981944"/>
-                  <a:pt x="5859484" y="2273123"/>
-                  <a:pt x="5859484" y="3718209"/>
-                </a:cubicBezTo>
-                <a:cubicBezTo>
-                  <a:pt x="5859484" y="4922447"/>
-                  <a:pt x="5391893" y="6019805"/>
-                  <a:pt x="4624700" y="6845880"/>
-                </a:cubicBezTo>
-                <a:lnTo>
-                  <a:pt x="4612896" y="6857997"/>
-                </a:lnTo>
-                <a:lnTo>
-                  <a:pt x="4017658" y="6857997"/>
-                </a:lnTo>
-                <a:lnTo>
-                  <a:pt x="4173230" y="6719623"/>
-                </a:lnTo>
-                <a:cubicBezTo>
-                  <a:pt x="4958119" y="5951494"/>
-                  <a:pt x="5443583" y="4890334"/>
-                  <a:pt x="5443583" y="3718209"/>
-                </a:cubicBezTo>
-                <a:cubicBezTo>
-                  <a:pt x="5443583" y="2179795"/>
-                  <a:pt x="4607295" y="832535"/>
-                  <a:pt x="3355352" y="88079"/>
-                </a:cubicBezTo>
-                <a:close/>
-                <a:moveTo>
-                  <a:pt x="0" y="0"/>
-                </a:moveTo>
-                <a:lnTo>
-                  <a:pt x="2941255" y="0"/>
-                </a:lnTo>
-                <a:lnTo>
-                  <a:pt x="3117080" y="88129"/>
-                </a:lnTo>
-                <a:cubicBezTo>
-                  <a:pt x="4432070" y="787221"/>
-                  <a:pt x="5324754" y="2150692"/>
-                  <a:pt x="5324754" y="3718209"/>
-                </a:cubicBezTo>
-                <a:cubicBezTo>
-                  <a:pt x="5324754" y="4858221"/>
-                  <a:pt x="4852591" y="5890308"/>
-                  <a:pt x="4089206" y="6637392"/>
-                </a:cubicBezTo>
-                <a:lnTo>
-                  <a:pt x="3841183" y="6857997"/>
-                </a:lnTo>
-                <a:lnTo>
-                  <a:pt x="0" y="6857997"/>
-                </a:lnTo>
-                <a:close/>
-              </a:path>
-            </a:pathLst>
-          </a:custGeom>
+          </a:prstGeom>
+          <a:blipFill dpi="0" rotWithShape="1">
+            <a:blip r:embed="rId3">
+              <a:alphaModFix amt="85000"/>
+              <a:lum bright="70000" contrast="-70000"/>
+              <a:extLst>
+                <a:ext uri="{BEBA8EAE-BF5A-486C-A8C5-ECC9F3942E4B}">
+                  <a14:imgProps xmlns:a14="http://schemas.microsoft.com/office/drawing/2010/main">
+                    <a14:imgLayer r:embed="rId4">
+                      <a14:imgEffect>
+                        <a14:sharpenSoften amount="61000"/>
+                      </a14:imgEffect>
+                    </a14:imgLayer>
+                  </a14:imgProps>
+                </a:ext>
+                <a:ext uri="{28A0092B-C50C-407E-A947-70E740481C1C}">
+                  <a14:useLocalDpi xmlns:a14="http://schemas.microsoft.com/office/drawing/2010/main" val="0"/>
+                </a:ext>
+              </a:extLst>
+            </a:blip>
+            <a:srcRect/>
+            <a:tile tx="0" ty="-762000" sx="92000" sy="89000" flip="xy" algn="ctr"/>
+          </a:blipFill>
+          <a:ln>
+            <a:noFill/>
+          </a:ln>
+        </p:spPr>
+        <p:style>
+          <a:lnRef idx="2">
+            <a:schemeClr val="accent1">
+              <a:shade val="50000"/>
+            </a:schemeClr>
+          </a:lnRef>
+          <a:fillRef idx="1">
+            <a:schemeClr val="accent1"/>
+          </a:fillRef>
+          <a:effectRef idx="0">
+            <a:schemeClr val="accent1"/>
+          </a:effectRef>
+          <a:fontRef idx="minor">
+            <a:schemeClr val="lt1"/>
+          </a:fontRef>
+        </p:style>
+        <p:txBody>
+          <a:bodyPr rtlCol="0" anchor="ctr"/>
+          <a:lstStyle/>
+          <a:p>
+            <a:pPr algn="ctr"/>
+            <a:endParaRPr lang="en-US"/>
+          </a:p>
+        </p:txBody>
+      </p:sp>
+      <p:sp>
+        <p:nvSpPr>
+          <p:cNvPr id="71" name="Rectangle 70">
+            <a:extLst>
+              <a:ext uri="{FF2B5EF4-FFF2-40B4-BE49-F238E27FC236}">
+                <a16:creationId xmlns:a16="http://schemas.microsoft.com/office/drawing/2014/main" id="{A7FBF63C-B061-4F66-8609-FED8EFFDAFE7}"/>
+              </a:ext>
+              <a:ext uri="{C183D7F6-B498-43B3-948B-1728B52AA6E4}">
+                <adec:decorative xmlns:adec="http://schemas.microsoft.com/office/drawing/2017/decorative" val="1"/>
+              </a:ext>
+            </a:extLst>
+          </p:cNvPr>
+          <p:cNvSpPr>
+            <a:spLocks noGrp="1" noRot="1" noChangeAspect="1" noMove="1" noResize="1" noEditPoints="1" noAdjustHandles="1" noChangeArrowheads="1" noChangeShapeType="1" noTextEdit="1"/>
+          </p:cNvSpPr>
+          <p:nvPr>
+            <p:extLst>
+              <p:ext uri="{386F3935-93C4-4BCD-93E2-E3B085C9AB24}">
+                <p16:designElem xmlns:p16="http://schemas.microsoft.com/office/powerpoint/2015/main" val="1"/>
+              </p:ext>
+            </p:extLst>
+          </p:nvPr>
+        </p:nvSpPr>
+        <p:spPr>
+          <a:xfrm>
+            <a:off x="690625" y="4299696"/>
+            <a:ext cx="7667244" cy="80683"/>
+          </a:xfrm>
+          <a:prstGeom prst="rect">
+            <a:avLst/>
+          </a:prstGeom>
+          <a:blipFill dpi="0" rotWithShape="1">
+            <a:blip r:embed="rId3">
+              <a:alphaModFix amt="85000"/>
+              <a:lum bright="70000" contrast="-70000"/>
+              <a:extLst>
+                <a:ext uri="{BEBA8EAE-BF5A-486C-A8C5-ECC9F3942E4B}">
+                  <a14:imgProps xmlns:a14="http://schemas.microsoft.com/office/drawing/2010/main">
+                    <a14:imgLayer r:embed="rId4">
+                      <a14:imgEffect>
+                        <a14:sharpenSoften amount="61000"/>
+                      </a14:imgEffect>
+                    </a14:imgLayer>
+                  </a14:imgProps>
+                </a:ext>
+                <a:ext uri="{28A0092B-C50C-407E-A947-70E740481C1C}">
+                  <a14:useLocalDpi xmlns:a14="http://schemas.microsoft.com/office/drawing/2010/main" val="0"/>
+                </a:ext>
+              </a:extLst>
+            </a:blip>
+            <a:srcRect/>
+            <a:tile tx="0" ty="-717550" sx="92000" sy="89000" flip="xy" algn="ctr"/>
+          </a:blipFill>
+          <a:ln>
+            <a:noFill/>
+          </a:ln>
+        </p:spPr>
+        <p:style>
+          <a:lnRef idx="2">
+            <a:schemeClr val="accent1">
+              <a:shade val="50000"/>
+            </a:schemeClr>
+          </a:lnRef>
+          <a:fillRef idx="1">
+            <a:schemeClr val="accent1"/>
+          </a:fillRef>
+          <a:effectRef idx="0">
+            <a:schemeClr val="accent1"/>
+          </a:effectRef>
+          <a:fontRef idx="minor">
+            <a:schemeClr val="lt1"/>
+          </a:fontRef>
+        </p:style>
+        <p:txBody>
+          <a:bodyPr rtlCol="0" anchor="ctr"/>
+          <a:lstStyle/>
+          <a:p>
+            <a:pPr algn="ctr"/>
+            <a:endParaRPr lang="en-US"/>
+          </a:p>
+        </p:txBody>
+      </p:sp>
+      <p:sp>
+        <p:nvSpPr>
+          <p:cNvPr id="73" name="Rectangle 72">
+            <a:extLst>
+              <a:ext uri="{FF2B5EF4-FFF2-40B4-BE49-F238E27FC236}">
+                <a16:creationId xmlns:a16="http://schemas.microsoft.com/office/drawing/2014/main" id="{D893CC27-5C56-4F6F-9B94-413AE08B922C}"/>
+              </a:ext>
+              <a:ext uri="{C183D7F6-B498-43B3-948B-1728B52AA6E4}">
+                <adec:decorative xmlns:adec="http://schemas.microsoft.com/office/drawing/2017/decorative" val="1"/>
+              </a:ext>
+            </a:extLst>
+          </p:cNvPr>
+          <p:cNvSpPr>
+            <a:spLocks noGrp="1" noRot="1" noChangeAspect="1" noMove="1" noResize="1" noEditPoints="1" noAdjustHandles="1" noChangeArrowheads="1" noChangeShapeType="1" noTextEdit="1"/>
+          </p:cNvSpPr>
+          <p:nvPr>
+            <p:extLst>
+              <p:ext uri="{386F3935-93C4-4BCD-93E2-E3B085C9AB24}">
+                <p16:designElem xmlns:p16="http://schemas.microsoft.com/office/powerpoint/2015/main" val="1"/>
+              </p:ext>
+            </p:extLst>
+          </p:nvPr>
+        </p:nvSpPr>
+        <p:spPr>
+          <a:xfrm>
+            <a:off x="690625" y="1484779"/>
+            <a:ext cx="7667244" cy="2743200"/>
+          </a:xfrm>
+          <a:prstGeom prst="rect">
+            <a:avLst/>
+          </a:prstGeom>
+          <a:blipFill dpi="0" rotWithShape="1">
+            <a:blip r:embed="rId3">
+              <a:alphaModFix amt="85000"/>
+              <a:lum bright="70000" contrast="-70000"/>
+              <a:extLst>
+                <a:ext uri="{BEBA8EAE-BF5A-486C-A8C5-ECC9F3942E4B}">
+                  <a14:imgProps xmlns:a14="http://schemas.microsoft.com/office/drawing/2010/main">
+                    <a14:imgLayer r:embed="rId4">
+                      <a14:imgEffect>
+                        <a14:sharpenSoften amount="61000"/>
+                      </a14:imgEffect>
+                    </a14:imgLayer>
+                  </a14:imgProps>
+                </a:ext>
+                <a:ext uri="{28A0092B-C50C-407E-A947-70E740481C1C}">
+                  <a14:useLocalDpi xmlns:a14="http://schemas.microsoft.com/office/drawing/2010/main" val="0"/>
+                </a:ext>
+              </a:extLst>
+            </a:blip>
+            <a:srcRect/>
+            <a:tile tx="0" ty="-704850" sx="92000" sy="89000" flip="xy" algn="ctr"/>
+          </a:blipFill>
+          <a:ln>
+            <a:noFill/>
+          </a:ln>
+        </p:spPr>
+        <p:style>
+          <a:lnRef idx="2">
+            <a:schemeClr val="accent1">
+              <a:shade val="50000"/>
+            </a:schemeClr>
+          </a:lnRef>
+          <a:fillRef idx="1">
+            <a:schemeClr val="accent1"/>
+          </a:fillRef>
+          <a:effectRef idx="0">
+            <a:schemeClr val="accent1"/>
+          </a:effectRef>
+          <a:fontRef idx="minor">
+            <a:schemeClr val="lt1"/>
+          </a:fontRef>
+        </p:style>
+        <p:txBody>
+          <a:bodyPr rtlCol="0" anchor="ctr"/>
+          <a:lstStyle/>
+          <a:p>
+            <a:pPr algn="ctr"/>
+            <a:endParaRPr lang="en-US"/>
+          </a:p>
+        </p:txBody>
+      </p:sp>
+      <p:grpSp>
+        <p:nvGrpSpPr>
+          <p:cNvPr id="75" name="Group 74">
+            <a:extLst>
+              <a:ext uri="{FF2B5EF4-FFF2-40B4-BE49-F238E27FC236}">
+                <a16:creationId xmlns:a16="http://schemas.microsoft.com/office/drawing/2014/main" id="{76D64082-5099-45DC-84A9-81EA54822BEE}"/>
+              </a:ext>
+              <a:ext uri="{C183D7F6-B498-43B3-948B-1728B52AA6E4}">
+                <adec:decorative xmlns:adec="http://schemas.microsoft.com/office/drawing/2017/decorative" val="1"/>
+              </a:ext>
+            </a:extLst>
+          </p:cNvPr>
+          <p:cNvGrpSpPr>
+            <a:grpSpLocks noGrp="1" noUngrp="1" noRot="1" noChangeAspect="1" noMove="1" noResize="1"/>
+          </p:cNvGrpSpPr>
+          <p:nvPr>
+            <p:extLst>
+              <p:ext uri="{386F3935-93C4-4BCD-93E2-E3B085C9AB24}">
+                <p16:designElem xmlns:p16="http://schemas.microsoft.com/office/powerpoint/2015/main" val="1"/>
+              </p:ext>
+            </p:extLst>
+          </p:nvPr>
+        </p:nvGrpSpPr>
+        <p:grpSpPr>
+          <a:xfrm>
+            <a:off x="7236911" y="4068923"/>
+            <a:ext cx="810678" cy="1080902"/>
+            <a:chOff x="9685338" y="4460675"/>
+            <a:chExt cx="1080904" cy="1080902"/>
+          </a:xfrm>
+        </p:grpSpPr>
+        <p:sp>
+          <p:nvSpPr>
+            <p:cNvPr id="76" name="Oval 75">
+              <a:extLst>
+                <a:ext uri="{FF2B5EF4-FFF2-40B4-BE49-F238E27FC236}">
+                  <a16:creationId xmlns:a16="http://schemas.microsoft.com/office/drawing/2014/main" id="{A9E39E47-E101-4CE1-883E-6C6528BECEB6}"/>
+                </a:ext>
+                <a:ext uri="{C183D7F6-B498-43B3-948B-1728B52AA6E4}">
+                  <adec:decorative xmlns:adec="http://schemas.microsoft.com/office/drawing/2017/decorative" val="1"/>
+                </a:ext>
+              </a:extLst>
+            </p:cNvPr>
+            <p:cNvSpPr/>
+            <p:nvPr>
+              <p:extLst>
+                <p:ext uri="{386F3935-93C4-4BCD-93E2-E3B085C9AB24}">
+                  <p16:designElem xmlns:p16="http://schemas.microsoft.com/office/powerpoint/2015/main" val="1"/>
+                </p:ext>
+              </p:extLst>
+            </p:nvPr>
+          </p:nvSpPr>
+          <p:spPr>
+            <a:xfrm>
+              <a:off x="9685338" y="4460675"/>
+              <a:ext cx="1080904" cy="1080902"/>
+            </a:xfrm>
+            <a:prstGeom prst="ellipse">
+              <a:avLst/>
+            </a:prstGeom>
+            <a:blipFill dpi="0" rotWithShape="1">
+              <a:blip r:embed="rId5">
+                <a:duotone>
+                  <a:schemeClr val="accent1">
+                    <a:shade val="45000"/>
+                    <a:satMod val="135000"/>
+                  </a:schemeClr>
+                  <a:prstClr val="white"/>
+                </a:duotone>
+                <a:extLst>
+                  <a:ext uri="{BEBA8EAE-BF5A-486C-A8C5-ECC9F3942E4B}">
+                    <a14:imgProps xmlns:a14="http://schemas.microsoft.com/office/drawing/2010/main">
+                      <a14:imgLayer r:embed="rId6">
+                        <a14:imgEffect>
+                          <a14:saturation sat="95000"/>
+                        </a14:imgEffect>
+                      </a14:imgLayer>
+                    </a14:imgProps>
+                  </a:ext>
+                </a:extLst>
+              </a:blip>
+              <a:srcRect/>
+              <a:tile tx="0" ty="0" sx="85000" sy="85000" flip="none" algn="tl"/>
+            </a:blipFill>
+            <a:ln w="25400" cap="flat" cmpd="sng" algn="ctr">
+              <a:noFill/>
+              <a:prstDash val="solid"/>
+            </a:ln>
+            <a:effectLst/>
+          </p:spPr>
+          <p:txBody>
+            <a:bodyPr lIns="0" tIns="0" rIns="0" bIns="0" rtlCol="0" anchor="ctr"/>
+            <a:lstStyle/>
+            <a:p>
+              <a:pPr marL="0" marR="0" lvl="0" indent="0" algn="ctr" defTabSz="914400" eaLnBrk="1" fontAlgn="auto" latinLnBrk="0" hangingPunct="1">
+                <a:lnSpc>
+                  <a:spcPct val="100000"/>
+                </a:lnSpc>
+                <a:spcBef>
+                  <a:spcPts val="0"/>
+                </a:spcBef>
+                <a:spcAft>
+                  <a:spcPts val="0"/>
+                </a:spcAft>
+                <a:buClrTx/>
+                <a:buSzTx/>
+                <a:buFontTx/>
+                <a:buNone/>
+                <a:tabLst/>
+                <a:defRPr/>
+              </a:pPr>
+              <a:endParaRPr kumimoji="0" lang="en-US" sz="2000" b="0" i="0" u="none" strike="noStrike" kern="0" cap="none" spc="0" normalizeH="0" baseline="0" noProof="0" dirty="0">
+                <a:ln>
+                  <a:noFill/>
+                </a:ln>
+                <a:solidFill>
+                  <a:prstClr val="white"/>
+                </a:solidFill>
+                <a:effectLst/>
+                <a:uLnTx/>
+                <a:uFillTx/>
+                <a:latin typeface="Rockwell Extra Bold" pitchFamily="18" charset="0"/>
+                <a:ea typeface="+mn-ea"/>
+                <a:cs typeface="+mn-cs"/>
+              </a:endParaRPr>
+            </a:p>
+          </p:txBody>
+        </p:sp>
+        <p:sp>
+          <p:nvSpPr>
+            <p:cNvPr id="77" name="Oval 76">
+              <a:extLst>
+                <a:ext uri="{FF2B5EF4-FFF2-40B4-BE49-F238E27FC236}">
+                  <a16:creationId xmlns:a16="http://schemas.microsoft.com/office/drawing/2014/main" id="{2830CD01-B213-47C9-81AD-433E08F7DA95}"/>
+                </a:ext>
+                <a:ext uri="{C183D7F6-B498-43B3-948B-1728B52AA6E4}">
+                  <adec:decorative xmlns:adec="http://schemas.microsoft.com/office/drawing/2017/decorative" val="1"/>
+                </a:ext>
+              </a:extLst>
+            </p:cNvPr>
+            <p:cNvSpPr/>
+            <p:nvPr>
+              <p:extLst>
+                <p:ext uri="{386F3935-93C4-4BCD-93E2-E3B085C9AB24}">
+                  <p16:designElem xmlns:p16="http://schemas.microsoft.com/office/powerpoint/2015/main" val="1"/>
+                </p:ext>
+              </p:extLst>
+            </p:nvPr>
+          </p:nvSpPr>
+          <p:spPr>
+            <a:xfrm>
+              <a:off x="9793429" y="4568765"/>
+              <a:ext cx="864723" cy="864722"/>
+            </a:xfrm>
+            <a:prstGeom prst="ellipse">
+              <a:avLst/>
+            </a:prstGeom>
+            <a:noFill/>
+            <a:ln w="25400" cap="flat" cmpd="sng" algn="ctr">
+              <a:solidFill>
+                <a:sysClr val="window" lastClr="FFFFFF"/>
+              </a:solidFill>
+              <a:prstDash val="solid"/>
+            </a:ln>
+            <a:effectLst/>
+          </p:spPr>
+          <p:txBody>
+            <a:bodyPr rtlCol="0" anchor="ctr"/>
+            <a:lstStyle/>
+            <a:p>
+              <a:pPr marL="0" marR="0" lvl="0" indent="0" algn="ctr" defTabSz="914400" eaLnBrk="1" fontAlgn="auto" latinLnBrk="0" hangingPunct="1">
+                <a:lnSpc>
+                  <a:spcPct val="100000"/>
+                </a:lnSpc>
+                <a:spcBef>
+                  <a:spcPts val="0"/>
+                </a:spcBef>
+                <a:spcAft>
+                  <a:spcPts val="0"/>
+                </a:spcAft>
+                <a:buClrTx/>
+                <a:buSzTx/>
+                <a:buFontTx/>
+                <a:buNone/>
+                <a:tabLst/>
+                <a:defRPr/>
+              </a:pPr>
+              <a:endParaRPr kumimoji="0" lang="en-US" sz="1800" b="0" i="0" u="none" strike="noStrike" kern="0" cap="none" spc="0" normalizeH="0" baseline="0" noProof="0" dirty="0">
+                <a:ln>
+                  <a:noFill/>
+                </a:ln>
+                <a:solidFill>
+                  <a:prstClr val="white"/>
+                </a:solidFill>
+                <a:effectLst/>
+                <a:uLnTx/>
+                <a:uFillTx/>
+                <a:latin typeface="Calibri"/>
+                <a:ea typeface="+mn-ea"/>
+                <a:cs typeface="+mn-cs"/>
+              </a:endParaRPr>
+            </a:p>
+          </p:txBody>
+        </p:sp>
+      </p:grpSp>
+      <p:sp>
+        <p:nvSpPr>
+          <p:cNvPr id="79" name="Rectangle 78">
+            <a:extLst>
+              <a:ext uri="{FF2B5EF4-FFF2-40B4-BE49-F238E27FC236}">
+                <a16:creationId xmlns:a16="http://schemas.microsoft.com/office/drawing/2014/main" id="{79A76B16-3D94-4E0A-BDAB-469A55D47D64}"/>
+              </a:ext>
+              <a:ext uri="{C183D7F6-B498-43B3-948B-1728B52AA6E4}">
+                <adec:decorative xmlns:adec="http://schemas.microsoft.com/office/drawing/2017/decorative" val="1"/>
+              </a:ext>
+            </a:extLst>
+          </p:cNvPr>
+          <p:cNvSpPr>
+            <a:spLocks noGrp="1" noRot="1" noChangeAspect="1" noMove="1" noResize="1" noEditPoints="1" noAdjustHandles="1" noChangeArrowheads="1" noChangeShapeType="1" noTextEdit="1"/>
+          </p:cNvSpPr>
+          <p:nvPr>
+            <p:extLst>
+              <p:ext uri="{386F3935-93C4-4BCD-93E2-E3B085C9AB24}">
+                <p16:designElem xmlns:p16="http://schemas.microsoft.com/office/powerpoint/2015/main" val="1"/>
+              </p:ext>
+            </p:extLst>
+          </p:nvPr>
+        </p:nvSpPr>
+        <p:spPr bwMode="white">
+          <a:xfrm>
+            <a:off x="-5715" y="-1"/>
+            <a:ext cx="9155430" cy="6858001"/>
+          </a:xfrm>
+          <a:prstGeom prst="rect">
+            <a:avLst/>
+          </a:prstGeom>
           <a:solidFill>
-            <a:srgbClr val="FFFFFF"/>
+            <a:schemeClr val="bg1"/>
           </a:solidFill>
           <a:ln>
             <a:noFill/>
@@ -11254,22 +12338,178 @@
           </a:fontRef>
         </p:style>
         <p:txBody>
-          <a:bodyPr wrap="square" rtlCol="0" anchor="ctr">
+          <a:bodyPr rot="0" spcFirstLastPara="0" vert="horz" wrap="square" lIns="91440" tIns="45720" rIns="91440" bIns="45720" numCol="1" spcCol="0" rtlCol="0" fromWordArt="0" anchor="ctr" anchorCtr="0" forceAA="0" compatLnSpc="1">
+            <a:prstTxWarp prst="textNoShape">
+              <a:avLst/>
+            </a:prstTxWarp>
             <a:noAutofit/>
           </a:bodyPr>
-          <a:lstStyle/>
+          <a:lstStyle>
+            <a:defPPr>
+              <a:defRPr lang="en-US"/>
+            </a:defPPr>
+            <a:lvl1pPr marL="0" algn="l" defTabSz="914400" rtl="0" eaLnBrk="1" latinLnBrk="0" hangingPunct="1">
+              <a:defRPr sz="1800" kern="1200">
+                <a:solidFill>
+                  <a:schemeClr val="lt1"/>
+                </a:solidFill>
+                <a:latin typeface="+mn-lt"/>
+                <a:ea typeface="+mn-ea"/>
+                <a:cs typeface="+mn-cs"/>
+              </a:defRPr>
+            </a:lvl1pPr>
+            <a:lvl2pPr marL="457200" algn="l" defTabSz="914400" rtl="0" eaLnBrk="1" latinLnBrk="0" hangingPunct="1">
+              <a:defRPr sz="1800" kern="1200">
+                <a:solidFill>
+                  <a:schemeClr val="lt1"/>
+                </a:solidFill>
+                <a:latin typeface="+mn-lt"/>
+                <a:ea typeface="+mn-ea"/>
+                <a:cs typeface="+mn-cs"/>
+              </a:defRPr>
+            </a:lvl2pPr>
+            <a:lvl3pPr marL="914400" algn="l" defTabSz="914400" rtl="0" eaLnBrk="1" latinLnBrk="0" hangingPunct="1">
+              <a:defRPr sz="1800" kern="1200">
+                <a:solidFill>
+                  <a:schemeClr val="lt1"/>
+                </a:solidFill>
+                <a:latin typeface="+mn-lt"/>
+                <a:ea typeface="+mn-ea"/>
+                <a:cs typeface="+mn-cs"/>
+              </a:defRPr>
+            </a:lvl3pPr>
+            <a:lvl4pPr marL="1371600" algn="l" defTabSz="914400" rtl="0" eaLnBrk="1" latinLnBrk="0" hangingPunct="1">
+              <a:defRPr sz="1800" kern="1200">
+                <a:solidFill>
+                  <a:schemeClr val="lt1"/>
+                </a:solidFill>
+                <a:latin typeface="+mn-lt"/>
+                <a:ea typeface="+mn-ea"/>
+                <a:cs typeface="+mn-cs"/>
+              </a:defRPr>
+            </a:lvl4pPr>
+            <a:lvl5pPr marL="1828800" algn="l" defTabSz="914400" rtl="0" eaLnBrk="1" latinLnBrk="0" hangingPunct="1">
+              <a:defRPr sz="1800" kern="1200">
+                <a:solidFill>
+                  <a:schemeClr val="lt1"/>
+                </a:solidFill>
+                <a:latin typeface="+mn-lt"/>
+                <a:ea typeface="+mn-ea"/>
+                <a:cs typeface="+mn-cs"/>
+              </a:defRPr>
+            </a:lvl5pPr>
+            <a:lvl6pPr marL="2286000" algn="l" defTabSz="914400" rtl="0" eaLnBrk="1" latinLnBrk="0" hangingPunct="1">
+              <a:defRPr sz="1800" kern="1200">
+                <a:solidFill>
+                  <a:schemeClr val="lt1"/>
+                </a:solidFill>
+                <a:latin typeface="+mn-lt"/>
+                <a:ea typeface="+mn-ea"/>
+                <a:cs typeface="+mn-cs"/>
+              </a:defRPr>
+            </a:lvl6pPr>
+            <a:lvl7pPr marL="2743200" algn="l" defTabSz="914400" rtl="0" eaLnBrk="1" latinLnBrk="0" hangingPunct="1">
+              <a:defRPr sz="1800" kern="1200">
+                <a:solidFill>
+                  <a:schemeClr val="lt1"/>
+                </a:solidFill>
+                <a:latin typeface="+mn-lt"/>
+                <a:ea typeface="+mn-ea"/>
+                <a:cs typeface="+mn-cs"/>
+              </a:defRPr>
+            </a:lvl7pPr>
+            <a:lvl8pPr marL="3200400" algn="l" defTabSz="914400" rtl="0" eaLnBrk="1" latinLnBrk="0" hangingPunct="1">
+              <a:defRPr sz="1800" kern="1200">
+                <a:solidFill>
+                  <a:schemeClr val="lt1"/>
+                </a:solidFill>
+                <a:latin typeface="+mn-lt"/>
+                <a:ea typeface="+mn-ea"/>
+                <a:cs typeface="+mn-cs"/>
+              </a:defRPr>
+            </a:lvl8pPr>
+            <a:lvl9pPr marL="3657600" algn="l" defTabSz="914400" rtl="0" eaLnBrk="1" latinLnBrk="0" hangingPunct="1">
+              <a:defRPr sz="1800" kern="1200">
+                <a:solidFill>
+                  <a:schemeClr val="lt1"/>
+                </a:solidFill>
+                <a:latin typeface="+mn-lt"/>
+                <a:ea typeface="+mn-ea"/>
+                <a:cs typeface="+mn-cs"/>
+              </a:defRPr>
+            </a:lvl9pPr>
+          </a:lstStyle>
           <a:p>
             <a:pPr algn="ctr"/>
             <a:endParaRPr lang="en-US"/>
+          </a:p>
+        </p:txBody>
+      </p:sp>
+      <p:sp>
+        <p:nvSpPr>
+          <p:cNvPr id="2" name="Title 1">
+            <a:extLst>
+              <a:ext uri="{FF2B5EF4-FFF2-40B4-BE49-F238E27FC236}">
+                <a16:creationId xmlns:a16="http://schemas.microsoft.com/office/drawing/2014/main" id="{237DD7DD-DF2E-CA6D-3D85-2591E716338B}"/>
+              </a:ext>
+            </a:extLst>
+          </p:cNvPr>
+          <p:cNvSpPr>
+            <a:spLocks noGrp="1"/>
+          </p:cNvSpPr>
+          <p:nvPr>
+            <p:ph type="title"/>
+          </p:nvPr>
+        </p:nvSpPr>
+        <p:spPr>
+          <a:xfrm>
+            <a:off x="3789947" y="4665606"/>
+            <a:ext cx="5091123" cy="592310"/>
+          </a:xfrm>
+        </p:spPr>
+        <p:txBody>
+          <a:bodyPr vert="horz" lIns="91440" tIns="45720" rIns="91440" bIns="45720" rtlCol="0" anchor="ctr">
+            <a:normAutofit/>
+          </a:bodyPr>
+          <a:lstStyle/>
+          <a:p>
+            <a:pPr>
+              <a:lnSpc>
+                <a:spcPct val="80000"/>
+              </a:lnSpc>
+            </a:pPr>
+            <a:r>
+              <a:rPr lang="en-US" sz="2200" b="1" kern="1200" cap="all" baseline="0" dirty="0">
+                <a:blipFill dpi="0" rotWithShape="1">
+                  <a:blip r:embed="rId5"/>
+                  <a:srcRect/>
+                  <a:tile tx="6350" ty="-127000" sx="65000" sy="64000" flip="none" algn="tl"/>
+                </a:blipFill>
+                <a:latin typeface="+mj-lt"/>
+                <a:ea typeface="+mj-ea"/>
+                <a:cs typeface="+mj-cs"/>
+              </a:rPr>
+              <a:t>Product Demo – the GBC Solution</a:t>
+            </a:r>
+            <a:endParaRPr lang="en-US" sz="2200" kern="1200" cap="all" baseline="0" dirty="0">
+              <a:blipFill dpi="0" rotWithShape="1">
+                <a:blip r:embed="rId5"/>
+                <a:srcRect/>
+                <a:tile tx="6350" ty="-127000" sx="65000" sy="64000" flip="none" algn="tl"/>
+              </a:blipFill>
+              <a:latin typeface="+mj-lt"/>
+              <a:ea typeface="+mj-ea"/>
+              <a:cs typeface="+mj-cs"/>
+            </a:endParaRPr>
           </a:p>
         </p:txBody>
       </p:sp>
       <p:pic>
         <p:nvPicPr>
-          <p:cNvPr id="7" name="Picture 6" descr="A red and white logo&#10;&#10;Description automatically generated">
+          <p:cNvPr id="10" name="Picture 9">
             <a:extLst>
               <a:ext uri="{FF2B5EF4-FFF2-40B4-BE49-F238E27FC236}">
-                <a16:creationId xmlns:a16="http://schemas.microsoft.com/office/drawing/2014/main" id="{04A3E69E-C47D-524F-A4AE-5D3671ADAF81}"/>
+                <a16:creationId xmlns:a16="http://schemas.microsoft.com/office/drawing/2014/main" id="{85B85FA3-E3B6-2685-E16A-8C73399CE647}"/>
               </a:ext>
             </a:extLst>
           </p:cNvPr>
@@ -11278,216 +12518,429 @@
           </p:cNvPicPr>
           <p:nvPr/>
         </p:nvPicPr>
-        <p:blipFill rotWithShape="1">
-          <a:blip r:embed="rId5">
-            <a:extLst>
-              <a:ext uri="{28A0092B-C50C-407E-A947-70E740481C1C}">
-                <a14:useLocalDpi xmlns:a14="http://schemas.microsoft.com/office/drawing/2010/main" val="0"/>
-              </a:ext>
-            </a:extLst>
-          </a:blip>
-          <a:srcRect l="14568" r="18769"/>
+        <p:blipFill>
+          <a:blip r:embed="rId7"/>
+          <a:srcRect l="41502" r="22643" b="-1"/>
           <a:stretch/>
         </p:blipFill>
         <p:spPr>
           <a:xfrm>
-            <a:off x="20" y="2"/>
-            <a:ext cx="4571752" cy="6857997"/>
+            <a:off x="229735" y="334791"/>
+            <a:ext cx="3406493" cy="6199359"/>
           </a:xfrm>
-          <a:custGeom>
+          <a:prstGeom prst="rect">
             <a:avLst/>
-            <a:gdLst/>
-            <a:ahLst/>
-            <a:cxnLst/>
-            <a:rect l="l" t="t" r="r" b="b"/>
-            <a:pathLst>
-              <a:path w="6095695" h="6857997">
-                <a:moveTo>
-                  <a:pt x="3435036" y="0"/>
-                </a:moveTo>
-                <a:lnTo>
-                  <a:pt x="4198562" y="0"/>
-                </a:lnTo>
-                <a:lnTo>
-                  <a:pt x="4365987" y="128761"/>
-                </a:lnTo>
-                <a:cubicBezTo>
-                  <a:pt x="5422363" y="981944"/>
-                  <a:pt x="6095695" y="2273123"/>
-                  <a:pt x="6095695" y="3718209"/>
-                </a:cubicBezTo>
-                <a:cubicBezTo>
-                  <a:pt x="6095695" y="4922447"/>
-                  <a:pt x="5628104" y="6019805"/>
-                  <a:pt x="4860911" y="6845880"/>
-                </a:cubicBezTo>
-                <a:lnTo>
-                  <a:pt x="4849107" y="6857997"/>
-                </a:lnTo>
-                <a:lnTo>
-                  <a:pt x="4253869" y="6857997"/>
-                </a:lnTo>
-                <a:lnTo>
-                  <a:pt x="4409441" y="6719623"/>
-                </a:lnTo>
-                <a:cubicBezTo>
-                  <a:pt x="5194330" y="5951494"/>
-                  <a:pt x="5679794" y="4890334"/>
-                  <a:pt x="5679794" y="3718209"/>
-                </a:cubicBezTo>
-                <a:cubicBezTo>
-                  <a:pt x="5679794" y="2179795"/>
-                  <a:pt x="4843506" y="832535"/>
-                  <a:pt x="3591563" y="88079"/>
-                </a:cubicBezTo>
-                <a:close/>
-                <a:moveTo>
-                  <a:pt x="0" y="0"/>
-                </a:moveTo>
-                <a:lnTo>
-                  <a:pt x="3177466" y="0"/>
-                </a:lnTo>
-                <a:lnTo>
-                  <a:pt x="3353291" y="88129"/>
-                </a:lnTo>
-                <a:cubicBezTo>
-                  <a:pt x="4668281" y="787221"/>
-                  <a:pt x="5560965" y="2150692"/>
-                  <a:pt x="5560965" y="3718209"/>
-                </a:cubicBezTo>
-                <a:cubicBezTo>
-                  <a:pt x="5560965" y="4858221"/>
-                  <a:pt x="5088802" y="5890308"/>
-                  <a:pt x="4325417" y="6637392"/>
-                </a:cubicBezTo>
-                <a:lnTo>
-                  <a:pt x="4077394" y="6857997"/>
-                </a:lnTo>
-                <a:lnTo>
-                  <a:pt x="0" y="6857997"/>
-                </a:lnTo>
-                <a:close/>
-              </a:path>
-            </a:pathLst>
-          </a:custGeom>
+          </a:prstGeom>
         </p:spPr>
       </p:pic>
       <p:sp>
         <p:nvSpPr>
-          <p:cNvPr id="3" name="Content Placeholder 2">
+          <p:cNvPr id="81" name="Rectangle 80">
             <a:extLst>
               <a:ext uri="{FF2B5EF4-FFF2-40B4-BE49-F238E27FC236}">
-                <a16:creationId xmlns:a16="http://schemas.microsoft.com/office/drawing/2014/main" id="{7939ED87-C21D-CE8B-79D2-73AD620119A7}"/>
+                <a16:creationId xmlns:a16="http://schemas.microsoft.com/office/drawing/2014/main" id="{97116258-44FA-4FC2-99D1-52CCB536E897}"/>
+              </a:ext>
+              <a:ext uri="{C183D7F6-B498-43B3-948B-1728B52AA6E4}">
+                <adec:decorative xmlns:adec="http://schemas.microsoft.com/office/drawing/2017/decorative" val="1"/>
               </a:ext>
             </a:extLst>
           </p:cNvPr>
           <p:cNvSpPr>
-            <a:spLocks noGrp="1"/>
+            <a:spLocks noGrp="1" noRot="1" noChangeAspect="1" noMove="1" noResize="1" noEditPoints="1" noAdjustHandles="1" noChangeArrowheads="1" noChangeShapeType="1" noTextEdit="1"/>
           </p:cNvSpPr>
           <p:nvPr>
-            <p:ph sz="half" idx="1"/>
+            <p:extLst>
+              <p:ext uri="{386F3935-93C4-4BCD-93E2-E3B085C9AB24}">
+                <p16:designElem xmlns:p16="http://schemas.microsoft.com/office/powerpoint/2015/main" val="1"/>
+              </p:ext>
+            </p:extLst>
           </p:nvPr>
         </p:nvSpPr>
         <p:spPr>
           <a:xfrm>
-            <a:off x="4824248" y="2364828"/>
-            <a:ext cx="3778959" cy="3807371"/>
+            <a:off x="3729037" y="4497360"/>
+            <a:ext cx="5170932" cy="80683"/>
           </a:xfrm>
+          <a:prstGeom prst="rect">
+            <a:avLst/>
+          </a:prstGeom>
+          <a:blipFill dpi="0" rotWithShape="1">
+            <a:blip r:embed="rId3">
+              <a:alphaModFix amt="85000"/>
+              <a:lum bright="70000" contrast="-70000"/>
+              <a:extLst>
+                <a:ext uri="{28A0092B-C50C-407E-A947-70E740481C1C}">
+                  <a14:useLocalDpi xmlns:a14="http://schemas.microsoft.com/office/drawing/2010/main" val="0"/>
+                </a:ext>
+              </a:extLst>
+            </a:blip>
+            <a:srcRect/>
+            <a:tile tx="0" ty="-762000" sx="92000" sy="89000" flip="xy" algn="ctr"/>
+          </a:blipFill>
+          <a:ln>
+            <a:noFill/>
+          </a:ln>
+        </p:spPr>
+        <p:style>
+          <a:lnRef idx="2">
+            <a:schemeClr val="accent1">
+              <a:shade val="50000"/>
+            </a:schemeClr>
+          </a:lnRef>
+          <a:fillRef idx="1">
+            <a:schemeClr val="accent1"/>
+          </a:fillRef>
+          <a:effectRef idx="0">
+            <a:schemeClr val="accent1"/>
+          </a:effectRef>
+          <a:fontRef idx="minor">
+            <a:schemeClr val="lt1"/>
+          </a:fontRef>
+        </p:style>
+        <p:txBody>
+          <a:bodyPr rtlCol="0" anchor="ctr"/>
+          <a:lstStyle/>
+          <a:p>
+            <a:pPr algn="ctr"/>
+            <a:endParaRPr lang="en-US"/>
+          </a:p>
+        </p:txBody>
+      </p:sp>
+      <p:sp>
+        <p:nvSpPr>
+          <p:cNvPr id="83" name="Rectangle 82">
+            <a:extLst>
+              <a:ext uri="{FF2B5EF4-FFF2-40B4-BE49-F238E27FC236}">
+                <a16:creationId xmlns:a16="http://schemas.microsoft.com/office/drawing/2014/main" id="{73DC887C-A645-4B67-AFCC-7596D232FC74}"/>
+              </a:ext>
+              <a:ext uri="{C183D7F6-B498-43B3-948B-1728B52AA6E4}">
+                <adec:decorative xmlns:adec="http://schemas.microsoft.com/office/drawing/2017/decorative" val="1"/>
+              </a:ext>
+            </a:extLst>
+          </p:cNvPr>
+          <p:cNvSpPr>
+            <a:spLocks noGrp="1" noRot="1" noChangeAspect="1" noMove="1" noResize="1" noEditPoints="1" noAdjustHandles="1" noChangeArrowheads="1" noChangeShapeType="1" noTextEdit="1"/>
+          </p:cNvSpPr>
+          <p:nvPr>
+            <p:extLst>
+              <p:ext uri="{386F3935-93C4-4BCD-93E2-E3B085C9AB24}">
+                <p16:designElem xmlns:p16="http://schemas.microsoft.com/office/powerpoint/2015/main" val="1"/>
+              </p:ext>
+            </p:extLst>
+          </p:nvPr>
+        </p:nvSpPr>
+        <p:spPr>
+          <a:xfrm>
+            <a:off x="3729037" y="6432278"/>
+            <a:ext cx="5170932" cy="80683"/>
+          </a:xfrm>
+          <a:prstGeom prst="rect">
+            <a:avLst/>
+          </a:prstGeom>
+          <a:blipFill dpi="0" rotWithShape="1">
+            <a:blip r:embed="rId3">
+              <a:alphaModFix amt="85000"/>
+              <a:lum bright="70000" contrast="-70000"/>
+              <a:extLst>
+                <a:ext uri="{28A0092B-C50C-407E-A947-70E740481C1C}">
+                  <a14:useLocalDpi xmlns:a14="http://schemas.microsoft.com/office/drawing/2010/main" val="0"/>
+                </a:ext>
+              </a:extLst>
+            </a:blip>
+            <a:srcRect/>
+            <a:tile tx="0" ty="-762000" sx="92000" sy="89000" flip="xy" algn="ctr"/>
+          </a:blipFill>
+          <a:ln>
+            <a:noFill/>
+          </a:ln>
+        </p:spPr>
+        <p:style>
+          <a:lnRef idx="2">
+            <a:schemeClr val="accent1">
+              <a:shade val="50000"/>
+            </a:schemeClr>
+          </a:lnRef>
+          <a:fillRef idx="1">
+            <a:schemeClr val="accent1"/>
+          </a:fillRef>
+          <a:effectRef idx="0">
+            <a:schemeClr val="accent1"/>
+          </a:effectRef>
+          <a:fontRef idx="minor">
+            <a:schemeClr val="lt1"/>
+          </a:fontRef>
+        </p:style>
+        <p:txBody>
+          <a:bodyPr rtlCol="0" anchor="ctr"/>
+          <a:lstStyle/>
+          <a:p>
+            <a:pPr algn="ctr"/>
+            <a:endParaRPr lang="en-US"/>
+          </a:p>
+        </p:txBody>
+      </p:sp>
+      <p:pic>
+        <p:nvPicPr>
+          <p:cNvPr id="13" name="Graphic 12" descr="Ruler with solid fill">
+            <a:extLst>
+              <a:ext uri="{FF2B5EF4-FFF2-40B4-BE49-F238E27FC236}">
+                <a16:creationId xmlns:a16="http://schemas.microsoft.com/office/drawing/2014/main" id="{6158DFCD-B8C5-783D-6ADD-18E479F67153}"/>
+              </a:ext>
+            </a:extLst>
+          </p:cNvPr>
+          <p:cNvPicPr>
+            <a:picLocks noChangeAspect="1"/>
+          </p:cNvPicPr>
+          <p:nvPr/>
+        </p:nvPicPr>
+        <p:blipFill>
+          <a:blip r:embed="rId8">
+            <a:extLst>
+              <a:ext uri="{96DAC541-7B7A-43D3-8B79-37D633B846F1}">
+                <asvg:svgBlip xmlns:asvg="http://schemas.microsoft.com/office/drawing/2016/SVG/main" r:embed="rId9"/>
+              </a:ext>
+            </a:extLst>
+          </a:blip>
+          <a:stretch>
+            <a:fillRect/>
+          </a:stretch>
+        </p:blipFill>
+        <p:spPr>
+          <a:xfrm>
+            <a:off x="3746232" y="1916496"/>
+            <a:ext cx="914400" cy="914400"/>
+          </a:xfrm>
+          <a:prstGeom prst="rect">
+            <a:avLst/>
+          </a:prstGeom>
+        </p:spPr>
+      </p:pic>
+      <p:pic>
+        <p:nvPicPr>
+          <p:cNvPr id="15" name="Graphic 14" descr="Scale with solid fill">
+            <a:extLst>
+              <a:ext uri="{FF2B5EF4-FFF2-40B4-BE49-F238E27FC236}">
+                <a16:creationId xmlns:a16="http://schemas.microsoft.com/office/drawing/2014/main" id="{09A109CA-90BC-A139-58DF-58F0D09CB431}"/>
+              </a:ext>
+            </a:extLst>
+          </p:cNvPr>
+          <p:cNvPicPr>
+            <a:picLocks noChangeAspect="1"/>
+          </p:cNvPicPr>
+          <p:nvPr/>
+        </p:nvPicPr>
+        <p:blipFill>
+          <a:blip r:embed="rId10">
+            <a:extLst>
+              <a:ext uri="{96DAC541-7B7A-43D3-8B79-37D633B846F1}">
+                <asvg:svgBlip xmlns:asvg="http://schemas.microsoft.com/office/drawing/2016/SVG/main" r:embed="rId11"/>
+              </a:ext>
+            </a:extLst>
+          </a:blip>
+          <a:stretch>
+            <a:fillRect/>
+          </a:stretch>
+        </p:blipFill>
+        <p:spPr>
+          <a:xfrm>
+            <a:off x="3789947" y="3262613"/>
+            <a:ext cx="914400" cy="914400"/>
+          </a:xfrm>
+          <a:prstGeom prst="rect">
+            <a:avLst/>
+          </a:prstGeom>
+        </p:spPr>
+      </p:pic>
+      <p:pic>
+        <p:nvPicPr>
+          <p:cNvPr id="17" name="Graphic 16" descr="Packing Box Open with solid fill">
+            <a:extLst>
+              <a:ext uri="{FF2B5EF4-FFF2-40B4-BE49-F238E27FC236}">
+                <a16:creationId xmlns:a16="http://schemas.microsoft.com/office/drawing/2014/main" id="{2CA42220-518A-1B08-26EF-22A0630B25A5}"/>
+              </a:ext>
+            </a:extLst>
+          </p:cNvPr>
+          <p:cNvPicPr>
+            <a:picLocks noChangeAspect="1"/>
+          </p:cNvPicPr>
+          <p:nvPr/>
+        </p:nvPicPr>
+        <p:blipFill>
+          <a:blip r:embed="rId12">
+            <a:extLst>
+              <a:ext uri="{96DAC541-7B7A-43D3-8B79-37D633B846F1}">
+                <asvg:svgBlip xmlns:asvg="http://schemas.microsoft.com/office/drawing/2016/SVG/main" r:embed="rId13"/>
+              </a:ext>
+            </a:extLst>
+          </a:blip>
+          <a:stretch>
+            <a:fillRect/>
+          </a:stretch>
+        </p:blipFill>
+        <p:spPr>
+          <a:xfrm>
+            <a:off x="3775168" y="639856"/>
+            <a:ext cx="914400" cy="914400"/>
+          </a:xfrm>
+          <a:prstGeom prst="rect">
+            <a:avLst/>
+          </a:prstGeom>
+        </p:spPr>
+      </p:pic>
+      <p:sp>
+        <p:nvSpPr>
+          <p:cNvPr id="18" name="TextBox 17">
+            <a:extLst>
+              <a:ext uri="{FF2B5EF4-FFF2-40B4-BE49-F238E27FC236}">
+                <a16:creationId xmlns:a16="http://schemas.microsoft.com/office/drawing/2014/main" id="{013F3198-9B06-D177-15F7-9BFA8EE6C246}"/>
+              </a:ext>
+            </a:extLst>
+          </p:cNvPr>
+          <p:cNvSpPr txBox="1"/>
+          <p:nvPr/>
+        </p:nvSpPr>
+        <p:spPr>
+          <a:xfrm>
+            <a:off x="4689567" y="801695"/>
+            <a:ext cx="3949936" cy="369332"/>
+          </a:xfrm>
+          <a:prstGeom prst="rect">
+            <a:avLst/>
+          </a:prstGeom>
+          <a:noFill/>
         </p:spPr>
         <p:txBody>
-          <a:bodyPr vert="horz" lIns="91440" tIns="45720" rIns="91440" bIns="45720" rtlCol="0">
-            <a:normAutofit/>
+          <a:bodyPr wrap="square" rtlCol="0">
+            <a:spAutoFit/>
           </a:bodyPr>
           <a:lstStyle/>
           <a:p>
-            <a:pPr lvl="0"/>
-            <a:r>
-              <a:rPr lang="en-US" sz="900" dirty="0"/>
-              <a:t>GBC cuts meat to the customer’s specifications.  </a:t>
-            </a:r>
-          </a:p>
-          <a:p>
-            <a:pPr lvl="0"/>
-            <a:r>
-              <a:rPr lang="en-US" sz="900" dirty="0"/>
-              <a:t>The finished steaks are sent through a production line camera and scale to provide metric data to the quality control team. </a:t>
-            </a:r>
-          </a:p>
-          <a:p>
-            <a:pPr lvl="0"/>
-            <a:r>
-              <a:rPr lang="en-US" sz="900" dirty="0"/>
-              <a:t>The machine provides regular data in CSV format to the team who review it monthly. </a:t>
-            </a:r>
-          </a:p>
-          <a:p>
-            <a:pPr lvl="0"/>
-            <a:r>
-              <a:rPr lang="en-US" sz="900" dirty="0"/>
-              <a:t>The quality control team needs to be able to quickly see what products are at risk of non-compliance so they can quickly address them before they serve data to the customer.  </a:t>
-            </a:r>
-          </a:p>
-          <a:p>
-            <a:pPr lvl="0"/>
-            <a:r>
-              <a:rPr lang="en-US" sz="900" dirty="0"/>
-              <a:t>The quality control team is challenged, because their current tools:</a:t>
-            </a:r>
-          </a:p>
-          <a:p>
-            <a:pPr lvl="1"/>
-            <a:r>
-              <a:rPr lang="en-US" sz="900" dirty="0"/>
-              <a:t>Only pull directly from raw data </a:t>
-            </a:r>
-          </a:p>
-          <a:p>
-            <a:pPr lvl="1"/>
-            <a:r>
-              <a:rPr lang="en-US" sz="900" dirty="0"/>
-              <a:t>Take a lot of time to determine the real want- “what is and is not compliant and why”</a:t>
-            </a:r>
-          </a:p>
-          <a:p>
-            <a:pPr lvl="1"/>
-            <a:r>
-              <a:rPr lang="en-US" sz="900" dirty="0"/>
-              <a:t>Don’t have robust or custom histogram items–  list of “wants” like x-steps, and v-lines.  </a:t>
-            </a:r>
-          </a:p>
-          <a:p>
-            <a:pPr lvl="1"/>
-            <a:r>
-              <a:rPr lang="en-US" sz="900" dirty="0"/>
-              <a:t>Can’t easily be served to stakeholders. </a:t>
-            </a:r>
-          </a:p>
-          <a:p>
-            <a:pPr lvl="1"/>
-            <a:r>
-              <a:rPr lang="en-US" sz="900" dirty="0"/>
-              <a:t>Errors are simply “deleted” instead logic allowing to store them and review, so there can’t be any campaigns to improve machine and human processes in data-capture.  </a:t>
-            </a:r>
-          </a:p>
-          <a:p>
-            <a:endParaRPr lang="en-US" sz="700" dirty="0"/>
+            <a:r>
+              <a:rPr lang="en-US" dirty="0"/>
+              <a:t>Tester blocks– not a product…</a:t>
+            </a:r>
+          </a:p>
+        </p:txBody>
+      </p:sp>
+      <p:sp>
+        <p:nvSpPr>
+          <p:cNvPr id="19" name="TextBox 18">
+            <a:extLst>
+              <a:ext uri="{FF2B5EF4-FFF2-40B4-BE49-F238E27FC236}">
+                <a16:creationId xmlns:a16="http://schemas.microsoft.com/office/drawing/2014/main" id="{580D538B-094A-874D-BBD0-4DD5AF8AEDD8}"/>
+              </a:ext>
+            </a:extLst>
+          </p:cNvPr>
+          <p:cNvSpPr txBox="1"/>
+          <p:nvPr/>
+        </p:nvSpPr>
+        <p:spPr>
+          <a:xfrm>
+            <a:off x="4741700" y="2137339"/>
+            <a:ext cx="3726173" cy="646331"/>
+          </a:xfrm>
+          <a:prstGeom prst="rect">
+            <a:avLst/>
+          </a:prstGeom>
+          <a:noFill/>
+        </p:spPr>
+        <p:txBody>
+          <a:bodyPr wrap="square" rtlCol="0">
+            <a:spAutoFit/>
+          </a:bodyPr>
+          <a:lstStyle/>
+          <a:p>
+            <a:r>
+              <a:rPr lang="en-US" dirty="0"/>
+              <a:t>Steaks the thickness of a dime???	</a:t>
+            </a:r>
+          </a:p>
+        </p:txBody>
+      </p:sp>
+      <p:sp>
+        <p:nvSpPr>
+          <p:cNvPr id="20" name="TextBox 19">
+            <a:extLst>
+              <a:ext uri="{FF2B5EF4-FFF2-40B4-BE49-F238E27FC236}">
+                <a16:creationId xmlns:a16="http://schemas.microsoft.com/office/drawing/2014/main" id="{E7B16E01-62D2-B28E-1B1E-1AFB95F38133}"/>
+              </a:ext>
+            </a:extLst>
+          </p:cNvPr>
+          <p:cNvSpPr txBox="1"/>
+          <p:nvPr/>
+        </p:nvSpPr>
+        <p:spPr>
+          <a:xfrm>
+            <a:off x="4704347" y="3455849"/>
+            <a:ext cx="3726173" cy="369332"/>
+          </a:xfrm>
+          <a:prstGeom prst="rect">
+            <a:avLst/>
+          </a:prstGeom>
+          <a:noFill/>
+        </p:spPr>
+        <p:txBody>
+          <a:bodyPr wrap="square" rtlCol="0">
+            <a:spAutoFit/>
+          </a:bodyPr>
+          <a:lstStyle/>
+          <a:p>
+            <a:r>
+              <a:rPr lang="en-US" dirty="0"/>
+              <a:t>800 pound pork chops???	</a:t>
+            </a:r>
+          </a:p>
+        </p:txBody>
+      </p:sp>
+      <p:sp>
+        <p:nvSpPr>
+          <p:cNvPr id="21" name="TextBox 20">
+            <a:extLst>
+              <a:ext uri="{FF2B5EF4-FFF2-40B4-BE49-F238E27FC236}">
+                <a16:creationId xmlns:a16="http://schemas.microsoft.com/office/drawing/2014/main" id="{A4D741D6-38AD-D9AC-3133-596D6C0E8EA6}"/>
+              </a:ext>
+            </a:extLst>
+          </p:cNvPr>
+          <p:cNvSpPr txBox="1"/>
+          <p:nvPr/>
+        </p:nvSpPr>
+        <p:spPr>
+          <a:xfrm>
+            <a:off x="3977884" y="5393567"/>
+            <a:ext cx="4489776" cy="646331"/>
+          </a:xfrm>
+          <a:prstGeom prst="rect">
+            <a:avLst/>
+          </a:prstGeom>
+          <a:noFill/>
+        </p:spPr>
+        <p:txBody>
+          <a:bodyPr wrap="square" rtlCol="0">
+            <a:spAutoFit/>
+          </a:bodyPr>
+          <a:lstStyle/>
+          <a:p>
+            <a:r>
+              <a:rPr lang="en-US" dirty="0"/>
+              <a:t>ACTION &gt; OVERVIEW &gt; PRODUCTS		</a:t>
+            </a:r>
           </a:p>
         </p:txBody>
       </p:sp>
     </p:spTree>
     <p:extLst>
       <p:ext uri="{BB962C8B-B14F-4D97-AF65-F5344CB8AC3E}">
-        <p14:creationId xmlns:p14="http://schemas.microsoft.com/office/powerpoint/2010/main" val="1431544524"/>
+        <p14:creationId xmlns:p14="http://schemas.microsoft.com/office/powerpoint/2010/main" val="2831492358"/>
       </p:ext>
     </p:extLst>
   </p:cSld>
   <p:clrMapOvr>
-    <a:overrideClrMapping bg1="dk1" tx1="lt1" bg2="dk2" tx2="lt2" accent1="accent1" accent2="accent2" accent3="accent3" accent4="accent4" accent5="accent5" accent6="accent6" hlink="hlink" folHlink="folHlink"/>
+    <a:masterClrMapping/>
   </p:clrMapOvr>
 </p:sld>
 </file>
 
-<file path=ppt/slides/slide4.xml><?xml version="1.0" encoding="utf-8"?>
+<file path=ppt/slides/slide5.xml><?xml version="1.0" encoding="utf-8"?>
 <p:sld xmlns:a="http://schemas.openxmlformats.org/drawingml/2006/main" xmlns:r="http://schemas.openxmlformats.org/officeDocument/2006/relationships" xmlns:p="http://schemas.openxmlformats.org/presentationml/2006/main">
   <p:cSld>
     <p:bg>
@@ -12223,10 +13676,10 @@
       </p:pic>
       <p:pic>
         <p:nvPicPr>
-          <p:cNvPr id="6" name="Picture 5">
+          <p:cNvPr id="4" name="Picture 3">
             <a:extLst>
               <a:ext uri="{FF2B5EF4-FFF2-40B4-BE49-F238E27FC236}">
-                <a16:creationId xmlns:a16="http://schemas.microsoft.com/office/drawing/2014/main" id="{0F8B7635-F6DF-0435-B258-85CDBB2DA835}"/>
+                <a16:creationId xmlns:a16="http://schemas.microsoft.com/office/drawing/2014/main" id="{F2D4B9DE-D957-A860-1F1A-3AE062CA651E}"/>
               </a:ext>
             </a:extLst>
           </p:cNvPr>
@@ -12235,25 +13688,23 @@
           </p:cNvPicPr>
           <p:nvPr/>
         </p:nvPicPr>
-        <p:blipFill rotWithShape="1">
+        <p:blipFill>
           <a:blip r:embed="rId9"/>
-          <a:srcRect l="1189" t="11756" r="1158" b="4143"/>
-          <a:stretch/>
+          <a:stretch>
+            <a:fillRect/>
+          </a:stretch>
         </p:blipFill>
         <p:spPr>
           <a:xfrm>
-            <a:off x="1168090" y="3527524"/>
-            <a:ext cx="7106494" cy="2111479"/>
+            <a:off x="1114001" y="3580585"/>
+            <a:ext cx="6820491" cy="2057578"/>
           </a:xfrm>
           <a:prstGeom prst="rect">
             <a:avLst/>
           </a:prstGeom>
-          <a:ln w="76200">
+          <a:ln w="57150">
             <a:solidFill>
-              <a:schemeClr val="bg1">
-                <a:lumMod val="75000"/>
-                <a:lumOff val="25000"/>
-              </a:schemeClr>
+              <a:schemeClr val="accent2"/>
             </a:solidFill>
           </a:ln>
         </p:spPr>
@@ -12360,703 +13811,6 @@
       <p:bldP spid="2" grpId="0"/>
     </p:bldLst>
   </p:timing>
-</p:sld>
-</file>
-
-<file path=ppt/slides/slide5.xml><?xml version="1.0" encoding="utf-8"?>
-<p:sld xmlns:a="http://schemas.openxmlformats.org/drawingml/2006/main" xmlns:r="http://schemas.openxmlformats.org/officeDocument/2006/relationships" xmlns:p="http://schemas.openxmlformats.org/presentationml/2006/main">
-  <p:cSld>
-    <p:bg>
-      <p:bgPr>
-        <a:solidFill>
-          <a:schemeClr val="bg2"/>
-        </a:solidFill>
-        <a:effectLst/>
-      </p:bgPr>
-    </p:bg>
-    <p:spTree>
-      <p:nvGrpSpPr>
-        <p:cNvPr id="1" name=""/>
-        <p:cNvGrpSpPr/>
-        <p:nvPr/>
-      </p:nvGrpSpPr>
-      <p:grpSpPr>
-        <a:xfrm>
-          <a:off x="0" y="0"/>
-          <a:ext cx="0" cy="0"/>
-          <a:chOff x="0" y="0"/>
-          <a:chExt cx="0" cy="0"/>
-        </a:xfrm>
-      </p:grpSpPr>
-      <p:grpSp>
-        <p:nvGrpSpPr>
-          <p:cNvPr id="30" name="Group 29">
-            <a:extLst>
-              <a:ext uri="{FF2B5EF4-FFF2-40B4-BE49-F238E27FC236}">
-                <a16:creationId xmlns:a16="http://schemas.microsoft.com/office/drawing/2014/main" id="{16DBFAD4-B5FC-442B-A283-381B01B195F7}"/>
-              </a:ext>
-              <a:ext uri="{C183D7F6-B498-43B3-948B-1728B52AA6E4}">
-                <adec:decorative xmlns:adec="http://schemas.microsoft.com/office/drawing/2017/decorative" val="1"/>
-              </a:ext>
-            </a:extLst>
-          </p:cNvPr>
-          <p:cNvGrpSpPr>
-            <a:grpSpLocks noGrp="1" noUngrp="1" noRot="1" noChangeAspect="1" noMove="1" noResize="1"/>
-          </p:cNvGrpSpPr>
-          <p:nvPr>
-            <p:extLst>
-              <p:ext uri="{386F3935-93C4-4BCD-93E2-E3B085C9AB24}">
-                <p16:designElem xmlns:p16="http://schemas.microsoft.com/office/powerpoint/2015/main" val="1"/>
-              </p:ext>
-            </p:extLst>
-          </p:nvPr>
-        </p:nvGrpSpPr>
-        <p:grpSpPr>
-          <a:xfrm>
-            <a:off x="8551293" y="6229681"/>
-            <a:ext cx="342900" cy="457200"/>
-            <a:chOff x="11361456" y="6195813"/>
-            <a:chExt cx="548640" cy="548640"/>
-          </a:xfrm>
-        </p:grpSpPr>
-        <p:sp>
-          <p:nvSpPr>
-            <p:cNvPr id="31" name="Oval 30">
-              <a:extLst>
-                <a:ext uri="{FF2B5EF4-FFF2-40B4-BE49-F238E27FC236}">
-                  <a16:creationId xmlns:a16="http://schemas.microsoft.com/office/drawing/2014/main" id="{9B649DC7-8769-4383-A6F2-8F366BA7A15B}"/>
-                </a:ext>
-                <a:ext uri="{C183D7F6-B498-43B3-948B-1728B52AA6E4}">
-                  <adec:decorative xmlns:adec="http://schemas.microsoft.com/office/drawing/2017/decorative" val="1"/>
-                </a:ext>
-              </a:extLst>
-            </p:cNvPr>
-            <p:cNvSpPr/>
-            <p:nvPr>
-              <p:extLst>
-                <p:ext uri="{386F3935-93C4-4BCD-93E2-E3B085C9AB24}">
-                  <p16:designElem xmlns:p16="http://schemas.microsoft.com/office/powerpoint/2015/main" val="1"/>
-                </p:ext>
-              </p:extLst>
-            </p:nvPr>
-          </p:nvSpPr>
-          <p:spPr>
-            <a:xfrm>
-              <a:off x="11361456" y="6195813"/>
-              <a:ext cx="548640" cy="548640"/>
-            </a:xfrm>
-            <a:prstGeom prst="ellipse">
-              <a:avLst/>
-            </a:prstGeom>
-            <a:blipFill dpi="0" rotWithShape="1">
-              <a:blip r:embed="rId3">
-                <a:duotone>
-                  <a:schemeClr val="accent1">
-                    <a:shade val="45000"/>
-                    <a:satMod val="135000"/>
-                  </a:schemeClr>
-                  <a:prstClr val="white"/>
-                </a:duotone>
-                <a:extLst>
-                  <a:ext uri="{BEBA8EAE-BF5A-486C-A8C5-ECC9F3942E4B}">
-                    <a14:imgProps xmlns:a14="http://schemas.microsoft.com/office/drawing/2010/main">
-                      <a14:imgLayer r:embed="rId4">
-                        <a14:imgEffect>
-                          <a14:saturation sat="95000"/>
-                        </a14:imgEffect>
-                        <a14:imgEffect>
-                          <a14:brightnessContrast bright="-40000" contrast="20000"/>
-                        </a14:imgEffect>
-                      </a14:imgLayer>
-                    </a14:imgProps>
-                  </a:ext>
-                </a:extLst>
-              </a:blip>
-              <a:srcRect/>
-              <a:tile tx="50800" ty="0" sx="85000" sy="85000" flip="none" algn="tl"/>
-            </a:blipFill>
-            <a:ln w="25400" cap="flat" cmpd="sng" algn="ctr">
-              <a:noFill/>
-              <a:prstDash val="solid"/>
-            </a:ln>
-            <a:effectLst/>
-          </p:spPr>
-          <p:txBody>
-            <a:bodyPr/>
-            <a:lstStyle/>
-            <a:p>
-              <a:endParaRPr lang="en-US"/>
-            </a:p>
-          </p:txBody>
-        </p:sp>
-        <p:sp>
-          <p:nvSpPr>
-            <p:cNvPr id="32" name="Oval 31">
-              <a:extLst>
-                <a:ext uri="{FF2B5EF4-FFF2-40B4-BE49-F238E27FC236}">
-                  <a16:creationId xmlns:a16="http://schemas.microsoft.com/office/drawing/2014/main" id="{0C67FD53-2686-4E0E-BA49-976F78F9AAC6}"/>
-                </a:ext>
-                <a:ext uri="{C183D7F6-B498-43B3-948B-1728B52AA6E4}">
-                  <adec:decorative xmlns:adec="http://schemas.microsoft.com/office/drawing/2017/decorative" val="1"/>
-                </a:ext>
-              </a:extLst>
-            </p:cNvPr>
-            <p:cNvSpPr/>
-            <p:nvPr>
-              <p:extLst>
-                <p:ext uri="{386F3935-93C4-4BCD-93E2-E3B085C9AB24}">
-                  <p16:designElem xmlns:p16="http://schemas.microsoft.com/office/powerpoint/2015/main" val="1"/>
-                </p:ext>
-              </p:extLst>
-            </p:nvPr>
-          </p:nvSpPr>
-          <p:spPr>
-            <a:xfrm>
-              <a:off x="11396488" y="6230844"/>
-              <a:ext cx="478576" cy="478578"/>
-            </a:xfrm>
-            <a:prstGeom prst="ellipse">
-              <a:avLst/>
-            </a:prstGeom>
-            <a:noFill/>
-            <a:ln w="12700" cap="flat" cmpd="sng" algn="ctr">
-              <a:solidFill>
-                <a:srgbClr val="FFFFFF"/>
-              </a:solidFill>
-              <a:prstDash val="solid"/>
-            </a:ln>
-            <a:effectLst/>
-          </p:spPr>
-          <p:txBody>
-            <a:bodyPr/>
-            <a:lstStyle/>
-            <a:p>
-              <a:endParaRPr lang="en-US"/>
-            </a:p>
-          </p:txBody>
-        </p:sp>
-      </p:grpSp>
-      <p:sp useBgFill="1">
-        <p:nvSpPr>
-          <p:cNvPr id="34" name="Rectangle 33">
-            <a:extLst>
-              <a:ext uri="{FF2B5EF4-FFF2-40B4-BE49-F238E27FC236}">
-                <a16:creationId xmlns:a16="http://schemas.microsoft.com/office/drawing/2014/main" id="{2A0E4E09-FC02-4ADC-951A-3FFA90B6FE39}"/>
-              </a:ext>
-              <a:ext uri="{C183D7F6-B498-43B3-948B-1728B52AA6E4}">
-                <adec:decorative xmlns:adec="http://schemas.microsoft.com/office/drawing/2017/decorative" val="1"/>
-              </a:ext>
-            </a:extLst>
-          </p:cNvPr>
-          <p:cNvSpPr>
-            <a:spLocks noGrp="1" noRot="1" noChangeAspect="1" noMove="1" noResize="1" noEditPoints="1" noAdjustHandles="1" noChangeArrowheads="1" noChangeShapeType="1" noTextEdit="1"/>
-          </p:cNvSpPr>
-          <p:nvPr>
-            <p:extLst>
-              <p:ext uri="{386F3935-93C4-4BCD-93E2-E3B085C9AB24}">
-                <p16:designElem xmlns:p16="http://schemas.microsoft.com/office/powerpoint/2015/main" val="1"/>
-              </p:ext>
-            </p:extLst>
-          </p:nvPr>
-        </p:nvSpPr>
-        <p:spPr>
-          <a:xfrm>
-            <a:off x="0" y="0"/>
-            <a:ext cx="9143771" cy="6858000"/>
-          </a:xfrm>
-          <a:prstGeom prst="rect">
-            <a:avLst/>
-          </a:prstGeom>
-          <a:ln>
-            <a:noFill/>
-          </a:ln>
-        </p:spPr>
-        <p:style>
-          <a:lnRef idx="2">
-            <a:schemeClr val="accent1">
-              <a:shade val="50000"/>
-            </a:schemeClr>
-          </a:lnRef>
-          <a:fillRef idx="1">
-            <a:schemeClr val="accent1"/>
-          </a:fillRef>
-          <a:effectRef idx="0">
-            <a:schemeClr val="accent1"/>
-          </a:effectRef>
-          <a:fontRef idx="minor">
-            <a:schemeClr val="lt1"/>
-          </a:fontRef>
-        </p:style>
-        <p:txBody>
-          <a:bodyPr rtlCol="0" anchor="ctr"/>
-          <a:lstStyle/>
-          <a:p>
-            <a:pPr algn="ctr"/>
-            <a:endParaRPr lang="en-US"/>
-          </a:p>
-        </p:txBody>
-      </p:sp>
-      <p:sp>
-        <p:nvSpPr>
-          <p:cNvPr id="2" name="Title 1">
-            <a:extLst>
-              <a:ext uri="{FF2B5EF4-FFF2-40B4-BE49-F238E27FC236}">
-                <a16:creationId xmlns:a16="http://schemas.microsoft.com/office/drawing/2014/main" id="{237DD7DD-DF2E-CA6D-3D85-2591E716338B}"/>
-              </a:ext>
-            </a:extLst>
-          </p:cNvPr>
-          <p:cNvSpPr>
-            <a:spLocks noGrp="1"/>
-          </p:cNvSpPr>
-          <p:nvPr>
-            <p:ph type="title"/>
-          </p:nvPr>
-        </p:nvSpPr>
-        <p:spPr>
-          <a:xfrm>
-            <a:off x="4913193" y="685800"/>
-            <a:ext cx="3690014" cy="2021553"/>
-          </a:xfrm>
-        </p:spPr>
-        <p:txBody>
-          <a:bodyPr vert="horz" lIns="91440" tIns="45720" rIns="91440" bIns="45720" rtlCol="0" anchor="ctr">
-            <a:normAutofit/>
-          </a:bodyPr>
-          <a:lstStyle/>
-          <a:p>
-            <a:r>
-              <a:rPr lang="en-US" sz="3400" b="1">
-                <a:solidFill>
-                  <a:schemeClr val="tx1"/>
-                </a:solidFill>
-              </a:rPr>
-              <a:t>Product Demo – the GBC Solution</a:t>
-            </a:r>
-            <a:br>
-              <a:rPr lang="en-US" sz="3400">
-                <a:solidFill>
-                  <a:schemeClr val="tx1"/>
-                </a:solidFill>
-              </a:rPr>
-            </a:br>
-            <a:br>
-              <a:rPr lang="en-US" sz="3400">
-                <a:solidFill>
-                  <a:schemeClr val="tx1"/>
-                </a:solidFill>
-              </a:rPr>
-            </a:br>
-            <a:endParaRPr lang="en-US" sz="3400">
-              <a:solidFill>
-                <a:schemeClr val="tx1"/>
-              </a:solidFill>
-            </a:endParaRPr>
-          </a:p>
-        </p:txBody>
-      </p:sp>
-      <p:sp>
-        <p:nvSpPr>
-          <p:cNvPr id="36" name="Freeform: Shape 35">
-            <a:extLst>
-              <a:ext uri="{FF2B5EF4-FFF2-40B4-BE49-F238E27FC236}">
-                <a16:creationId xmlns:a16="http://schemas.microsoft.com/office/drawing/2014/main" id="{9453FF84-60C1-4EA8-B49B-1B8C2D0C589F}"/>
-              </a:ext>
-              <a:ext uri="{C183D7F6-B498-43B3-948B-1728B52AA6E4}">
-                <adec:decorative xmlns:adec="http://schemas.microsoft.com/office/drawing/2017/decorative" val="1"/>
-              </a:ext>
-            </a:extLst>
-          </p:cNvPr>
-          <p:cNvSpPr>
-            <a:spLocks noGrp="1" noRot="1" noChangeAspect="1" noMove="1" noResize="1" noEditPoints="1" noAdjustHandles="1" noChangeArrowheads="1" noChangeShapeType="1" noTextEdit="1"/>
-          </p:cNvSpPr>
-          <p:nvPr>
-            <p:extLst>
-              <p:ext uri="{386F3935-93C4-4BCD-93E2-E3B085C9AB24}">
-                <p16:designElem xmlns:p16="http://schemas.microsoft.com/office/powerpoint/2015/main" val="1"/>
-              </p:ext>
-            </p:extLst>
-          </p:nvPr>
-        </p:nvSpPr>
-        <p:spPr>
-          <a:xfrm>
-            <a:off x="0" y="3"/>
-            <a:ext cx="4394613" cy="6857997"/>
-          </a:xfrm>
-          <a:custGeom>
-            <a:avLst/>
-            <a:gdLst>
-              <a:gd name="connsiteX0" fmla="*/ 3198825 w 5859484"/>
-              <a:gd name="connsiteY0" fmla="*/ 0 h 6857997"/>
-              <a:gd name="connsiteX1" fmla="*/ 3962351 w 5859484"/>
-              <a:gd name="connsiteY1" fmla="*/ 0 h 6857997"/>
-              <a:gd name="connsiteX2" fmla="*/ 4129776 w 5859484"/>
-              <a:gd name="connsiteY2" fmla="*/ 128761 h 6857997"/>
-              <a:gd name="connsiteX3" fmla="*/ 5859484 w 5859484"/>
-              <a:gd name="connsiteY3" fmla="*/ 3718209 h 6857997"/>
-              <a:gd name="connsiteX4" fmla="*/ 4624700 w 5859484"/>
-              <a:gd name="connsiteY4" fmla="*/ 6845880 h 6857997"/>
-              <a:gd name="connsiteX5" fmla="*/ 4612896 w 5859484"/>
-              <a:gd name="connsiteY5" fmla="*/ 6857997 h 6857997"/>
-              <a:gd name="connsiteX6" fmla="*/ 4017658 w 5859484"/>
-              <a:gd name="connsiteY6" fmla="*/ 6857997 h 6857997"/>
-              <a:gd name="connsiteX7" fmla="*/ 4173230 w 5859484"/>
-              <a:gd name="connsiteY7" fmla="*/ 6719623 h 6857997"/>
-              <a:gd name="connsiteX8" fmla="*/ 5443583 w 5859484"/>
-              <a:gd name="connsiteY8" fmla="*/ 3718209 h 6857997"/>
-              <a:gd name="connsiteX9" fmla="*/ 3355352 w 5859484"/>
-              <a:gd name="connsiteY9" fmla="*/ 88079 h 6857997"/>
-              <a:gd name="connsiteX10" fmla="*/ 0 w 5859484"/>
-              <a:gd name="connsiteY10" fmla="*/ 0 h 6857997"/>
-              <a:gd name="connsiteX11" fmla="*/ 2941255 w 5859484"/>
-              <a:gd name="connsiteY11" fmla="*/ 0 h 6857997"/>
-              <a:gd name="connsiteX12" fmla="*/ 3117080 w 5859484"/>
-              <a:gd name="connsiteY12" fmla="*/ 88129 h 6857997"/>
-              <a:gd name="connsiteX13" fmla="*/ 5324754 w 5859484"/>
-              <a:gd name="connsiteY13" fmla="*/ 3718209 h 6857997"/>
-              <a:gd name="connsiteX14" fmla="*/ 4089206 w 5859484"/>
-              <a:gd name="connsiteY14" fmla="*/ 6637392 h 6857997"/>
-              <a:gd name="connsiteX15" fmla="*/ 3841183 w 5859484"/>
-              <a:gd name="connsiteY15" fmla="*/ 6857997 h 6857997"/>
-              <a:gd name="connsiteX16" fmla="*/ 0 w 5859484"/>
-              <a:gd name="connsiteY16" fmla="*/ 6857997 h 6857997"/>
-            </a:gdLst>
-            <a:ahLst/>
-            <a:cxnLst>
-              <a:cxn ang="0">
-                <a:pos x="connsiteX0" y="connsiteY0"/>
-              </a:cxn>
-              <a:cxn ang="0">
-                <a:pos x="connsiteX1" y="connsiteY1"/>
-              </a:cxn>
-              <a:cxn ang="0">
-                <a:pos x="connsiteX2" y="connsiteY2"/>
-              </a:cxn>
-              <a:cxn ang="0">
-                <a:pos x="connsiteX3" y="connsiteY3"/>
-              </a:cxn>
-              <a:cxn ang="0">
-                <a:pos x="connsiteX4" y="connsiteY4"/>
-              </a:cxn>
-              <a:cxn ang="0">
-                <a:pos x="connsiteX5" y="connsiteY5"/>
-              </a:cxn>
-              <a:cxn ang="0">
-                <a:pos x="connsiteX6" y="connsiteY6"/>
-              </a:cxn>
-              <a:cxn ang="0">
-                <a:pos x="connsiteX7" y="connsiteY7"/>
-              </a:cxn>
-              <a:cxn ang="0">
-                <a:pos x="connsiteX8" y="connsiteY8"/>
-              </a:cxn>
-              <a:cxn ang="0">
-                <a:pos x="connsiteX9" y="connsiteY9"/>
-              </a:cxn>
-              <a:cxn ang="0">
-                <a:pos x="connsiteX10" y="connsiteY10"/>
-              </a:cxn>
-              <a:cxn ang="0">
-                <a:pos x="connsiteX11" y="connsiteY11"/>
-              </a:cxn>
-              <a:cxn ang="0">
-                <a:pos x="connsiteX12" y="connsiteY12"/>
-              </a:cxn>
-              <a:cxn ang="0">
-                <a:pos x="connsiteX13" y="connsiteY13"/>
-              </a:cxn>
-              <a:cxn ang="0">
-                <a:pos x="connsiteX14" y="connsiteY14"/>
-              </a:cxn>
-              <a:cxn ang="0">
-                <a:pos x="connsiteX15" y="connsiteY15"/>
-              </a:cxn>
-              <a:cxn ang="0">
-                <a:pos x="connsiteX16" y="connsiteY16"/>
-              </a:cxn>
-            </a:cxnLst>
-            <a:rect l="l" t="t" r="r" b="b"/>
-            <a:pathLst>
-              <a:path w="5859484" h="6857997">
-                <a:moveTo>
-                  <a:pt x="3198825" y="0"/>
-                </a:moveTo>
-                <a:lnTo>
-                  <a:pt x="3962351" y="0"/>
-                </a:lnTo>
-                <a:lnTo>
-                  <a:pt x="4129776" y="128761"/>
-                </a:lnTo>
-                <a:cubicBezTo>
-                  <a:pt x="5186152" y="981944"/>
-                  <a:pt x="5859484" y="2273123"/>
-                  <a:pt x="5859484" y="3718209"/>
-                </a:cubicBezTo>
-                <a:cubicBezTo>
-                  <a:pt x="5859484" y="4922447"/>
-                  <a:pt x="5391893" y="6019805"/>
-                  <a:pt x="4624700" y="6845880"/>
-                </a:cubicBezTo>
-                <a:lnTo>
-                  <a:pt x="4612896" y="6857997"/>
-                </a:lnTo>
-                <a:lnTo>
-                  <a:pt x="4017658" y="6857997"/>
-                </a:lnTo>
-                <a:lnTo>
-                  <a:pt x="4173230" y="6719623"/>
-                </a:lnTo>
-                <a:cubicBezTo>
-                  <a:pt x="4958119" y="5951494"/>
-                  <a:pt x="5443583" y="4890334"/>
-                  <a:pt x="5443583" y="3718209"/>
-                </a:cubicBezTo>
-                <a:cubicBezTo>
-                  <a:pt x="5443583" y="2179795"/>
-                  <a:pt x="4607295" y="832535"/>
-                  <a:pt x="3355352" y="88079"/>
-                </a:cubicBezTo>
-                <a:close/>
-                <a:moveTo>
-                  <a:pt x="0" y="0"/>
-                </a:moveTo>
-                <a:lnTo>
-                  <a:pt x="2941255" y="0"/>
-                </a:lnTo>
-                <a:lnTo>
-                  <a:pt x="3117080" y="88129"/>
-                </a:lnTo>
-                <a:cubicBezTo>
-                  <a:pt x="4432070" y="787221"/>
-                  <a:pt x="5324754" y="2150692"/>
-                  <a:pt x="5324754" y="3718209"/>
-                </a:cubicBezTo>
-                <a:cubicBezTo>
-                  <a:pt x="5324754" y="4858221"/>
-                  <a:pt x="4852591" y="5890308"/>
-                  <a:pt x="4089206" y="6637392"/>
-                </a:cubicBezTo>
-                <a:lnTo>
-                  <a:pt x="3841183" y="6857997"/>
-                </a:lnTo>
-                <a:lnTo>
-                  <a:pt x="0" y="6857997"/>
-                </a:lnTo>
-                <a:close/>
-              </a:path>
-            </a:pathLst>
-          </a:custGeom>
-          <a:solidFill>
-            <a:srgbClr val="FFFFFF"/>
-          </a:solidFill>
-          <a:ln>
-            <a:noFill/>
-          </a:ln>
-        </p:spPr>
-        <p:style>
-          <a:lnRef idx="2">
-            <a:schemeClr val="accent1">
-              <a:shade val="50000"/>
-            </a:schemeClr>
-          </a:lnRef>
-          <a:fillRef idx="1">
-            <a:schemeClr val="accent1"/>
-          </a:fillRef>
-          <a:effectRef idx="0">
-            <a:schemeClr val="accent1"/>
-          </a:effectRef>
-          <a:fontRef idx="minor">
-            <a:schemeClr val="lt1"/>
-          </a:fontRef>
-        </p:style>
-        <p:txBody>
-          <a:bodyPr wrap="square" rtlCol="0" anchor="ctr">
-            <a:noAutofit/>
-          </a:bodyPr>
-          <a:lstStyle/>
-          <a:p>
-            <a:pPr algn="ctr"/>
-            <a:endParaRPr lang="en-US"/>
-          </a:p>
-        </p:txBody>
-      </p:sp>
-      <p:pic>
-        <p:nvPicPr>
-          <p:cNvPr id="4" name="Picture 3" descr="A red and white logo&#10;&#10;Description automatically generated">
-            <a:extLst>
-              <a:ext uri="{FF2B5EF4-FFF2-40B4-BE49-F238E27FC236}">
-                <a16:creationId xmlns:a16="http://schemas.microsoft.com/office/drawing/2014/main" id="{6E1F22A7-EF3F-D053-D549-2C6CBCA1C6E4}"/>
-              </a:ext>
-            </a:extLst>
-          </p:cNvPr>
-          <p:cNvPicPr>
-            <a:picLocks noChangeAspect="1"/>
-          </p:cNvPicPr>
-          <p:nvPr/>
-        </p:nvPicPr>
-        <p:blipFill rotWithShape="1">
-          <a:blip r:embed="rId5">
-            <a:extLst>
-              <a:ext uri="{28A0092B-C50C-407E-A947-70E740481C1C}">
-                <a14:useLocalDpi xmlns:a14="http://schemas.microsoft.com/office/drawing/2010/main" val="0"/>
-              </a:ext>
-            </a:extLst>
-          </a:blip>
-          <a:srcRect l="14568" r="18769"/>
-          <a:stretch/>
-        </p:blipFill>
-        <p:spPr>
-          <a:xfrm>
-            <a:off x="20" y="2"/>
-            <a:ext cx="4571752" cy="6857997"/>
-          </a:xfrm>
-          <a:custGeom>
-            <a:avLst/>
-            <a:gdLst/>
-            <a:ahLst/>
-            <a:cxnLst/>
-            <a:rect l="l" t="t" r="r" b="b"/>
-            <a:pathLst>
-              <a:path w="6095695" h="6857997">
-                <a:moveTo>
-                  <a:pt x="3435036" y="0"/>
-                </a:moveTo>
-                <a:lnTo>
-                  <a:pt x="4198562" y="0"/>
-                </a:lnTo>
-                <a:lnTo>
-                  <a:pt x="4365987" y="128761"/>
-                </a:lnTo>
-                <a:cubicBezTo>
-                  <a:pt x="5422363" y="981944"/>
-                  <a:pt x="6095695" y="2273123"/>
-                  <a:pt x="6095695" y="3718209"/>
-                </a:cubicBezTo>
-                <a:cubicBezTo>
-                  <a:pt x="6095695" y="4922447"/>
-                  <a:pt x="5628104" y="6019805"/>
-                  <a:pt x="4860911" y="6845880"/>
-                </a:cubicBezTo>
-                <a:lnTo>
-                  <a:pt x="4849107" y="6857997"/>
-                </a:lnTo>
-                <a:lnTo>
-                  <a:pt x="4253869" y="6857997"/>
-                </a:lnTo>
-                <a:lnTo>
-                  <a:pt x="4409441" y="6719623"/>
-                </a:lnTo>
-                <a:cubicBezTo>
-                  <a:pt x="5194330" y="5951494"/>
-                  <a:pt x="5679794" y="4890334"/>
-                  <a:pt x="5679794" y="3718209"/>
-                </a:cubicBezTo>
-                <a:cubicBezTo>
-                  <a:pt x="5679794" y="2179795"/>
-                  <a:pt x="4843506" y="832535"/>
-                  <a:pt x="3591563" y="88079"/>
-                </a:cubicBezTo>
-                <a:close/>
-                <a:moveTo>
-                  <a:pt x="0" y="0"/>
-                </a:moveTo>
-                <a:lnTo>
-                  <a:pt x="3177466" y="0"/>
-                </a:lnTo>
-                <a:lnTo>
-                  <a:pt x="3353291" y="88129"/>
-                </a:lnTo>
-                <a:cubicBezTo>
-                  <a:pt x="4668281" y="787221"/>
-                  <a:pt x="5560965" y="2150692"/>
-                  <a:pt x="5560965" y="3718209"/>
-                </a:cubicBezTo>
-                <a:cubicBezTo>
-                  <a:pt x="5560965" y="4858221"/>
-                  <a:pt x="5088802" y="5890308"/>
-                  <a:pt x="4325417" y="6637392"/>
-                </a:cubicBezTo>
-                <a:lnTo>
-                  <a:pt x="4077394" y="6857997"/>
-                </a:lnTo>
-                <a:lnTo>
-                  <a:pt x="0" y="6857997"/>
-                </a:lnTo>
-                <a:close/>
-              </a:path>
-            </a:pathLst>
-          </a:custGeom>
-        </p:spPr>
-      </p:pic>
-      <p:sp>
-        <p:nvSpPr>
-          <p:cNvPr id="3" name="Content Placeholder 2">
-            <a:extLst>
-              <a:ext uri="{FF2B5EF4-FFF2-40B4-BE49-F238E27FC236}">
-                <a16:creationId xmlns:a16="http://schemas.microsoft.com/office/drawing/2014/main" id="{7939ED87-C21D-CE8B-79D2-73AD620119A7}"/>
-              </a:ext>
-            </a:extLst>
-          </p:cNvPr>
-          <p:cNvSpPr>
-            <a:spLocks noGrp="1"/>
-          </p:cNvSpPr>
-          <p:nvPr>
-            <p:ph sz="half" idx="1"/>
-          </p:nvPr>
-        </p:nvSpPr>
-        <p:spPr>
-          <a:xfrm>
-            <a:off x="4913193" y="2927444"/>
-            <a:ext cx="3690014" cy="3244755"/>
-          </a:xfrm>
-        </p:spPr>
-        <p:txBody>
-          <a:bodyPr vert="horz" lIns="91440" tIns="45720" rIns="91440" bIns="45720" rtlCol="0">
-            <a:normAutofit/>
-          </a:bodyPr>
-          <a:lstStyle/>
-          <a:p>
-            <a:pPr lvl="0"/>
-            <a:r>
-              <a:rPr lang="en-US"/>
-              <a:t>Actions Page</a:t>
-            </a:r>
-          </a:p>
-          <a:p>
-            <a:pPr lvl="0"/>
-            <a:r>
-              <a:rPr lang="en-US"/>
-              <a:t>Overview Page</a:t>
-            </a:r>
-          </a:p>
-          <a:p>
-            <a:pPr lvl="0"/>
-            <a:r>
-              <a:rPr lang="en-US"/>
-              <a:t>Products Page </a:t>
-            </a:r>
-          </a:p>
-          <a:p>
-            <a:pPr lvl="0"/>
-            <a:r>
-              <a:rPr lang="en-US"/>
-              <a:t>Challenges</a:t>
-            </a:r>
-          </a:p>
-          <a:p>
-            <a:endParaRPr lang="en-US"/>
-          </a:p>
-        </p:txBody>
-      </p:sp>
-    </p:spTree>
-    <p:extLst>
-      <p:ext uri="{BB962C8B-B14F-4D97-AF65-F5344CB8AC3E}">
-        <p14:creationId xmlns:p14="http://schemas.microsoft.com/office/powerpoint/2010/main" val="2831492358"/>
-      </p:ext>
-    </p:extLst>
-  </p:cSld>
-  <p:clrMapOvr>
-    <a:overrideClrMapping bg1="dk1" tx1="lt1" bg2="dk2" tx2="lt2" accent1="accent1" accent2="accent2" accent3="accent3" accent4="accent4" accent5="accent5" accent6="accent6" hlink="hlink" folHlink="folHlink"/>
-  </p:clrMapOvr>
 </p:sld>
 </file>
 
@@ -13695,45 +14449,68 @@
         </p:nvSpPr>
         <p:spPr>
           <a:xfrm>
-            <a:off x="4913193" y="2927444"/>
-            <a:ext cx="3690014" cy="3244755"/>
+            <a:off x="4688689" y="2563680"/>
+            <a:ext cx="3873552" cy="3809674"/>
           </a:xfrm>
         </p:spPr>
         <p:txBody>
           <a:bodyPr vert="horz" lIns="91440" tIns="45720" rIns="91440" bIns="45720" rtlCol="0">
-            <a:normAutofit/>
+            <a:normAutofit fontScale="70000" lnSpcReduction="20000"/>
           </a:bodyPr>
           <a:lstStyle/>
           <a:p>
-            <a:pPr lvl="0"/>
-            <a:r>
-              <a:rPr lang="en-US" sz="1600"/>
-              <a:t>Functions wrapped and dynamic– allows for customization if there are other requests from stakeholders</a:t>
-            </a:r>
-          </a:p>
-          <a:p>
-            <a:pPr lvl="0"/>
-            <a:r>
-              <a:rPr lang="en-US" sz="1600"/>
-              <a:t>Currently designed for INTERNAL stakeholders only</a:t>
-            </a:r>
-          </a:p>
-          <a:p>
-            <a:pPr lvl="0"/>
-            <a:r>
-              <a:rPr lang="en-US" sz="1600"/>
-              <a:t>More complex errors (example 13oz tail-on) would be addressed for customer deployment </a:t>
-            </a:r>
-          </a:p>
-          <a:p>
-            <a:pPr lvl="0"/>
-            <a:r>
-              <a:rPr lang="en-US" sz="1600"/>
-              <a:t>The more data is manipulated from raw to align with customer spec, the more management would need to be drawn in to address</a:t>
-            </a:r>
-          </a:p>
-          <a:p>
-            <a:endParaRPr lang="en-US" sz="1600"/>
+            <a:r>
+              <a:rPr lang="en-US" sz="2600" dirty="0"/>
+              <a:t> DATE FILTERING</a:t>
+            </a:r>
+          </a:p>
+          <a:p>
+            <a:endParaRPr lang="en-US" sz="2600" dirty="0"/>
+          </a:p>
+          <a:p>
+            <a:r>
+              <a:rPr lang="en-US" sz="2600" dirty="0"/>
+              <a:t>OUTLIER LISTs</a:t>
+            </a:r>
+          </a:p>
+          <a:p>
+            <a:endParaRPr lang="en-US" sz="2600" dirty="0"/>
+          </a:p>
+          <a:p>
+            <a:r>
+              <a:rPr lang="en-US" sz="2600" dirty="0"/>
+              <a:t>CUSTOMER VIEWS </a:t>
+            </a:r>
+          </a:p>
+          <a:p>
+            <a:endParaRPr lang="en-US" sz="2600" dirty="0"/>
+          </a:p>
+          <a:p>
+            <a:r>
+              <a:rPr lang="en-US" sz="2600" dirty="0"/>
+              <a:t>EMAILS</a:t>
+            </a:r>
+          </a:p>
+          <a:p>
+            <a:endParaRPr lang="en-US" sz="2600" dirty="0"/>
+          </a:p>
+          <a:p>
+            <a:r>
+              <a:rPr lang="en-US" sz="2600" dirty="0"/>
+              <a:t>CSV DOWNLOAD</a:t>
+            </a:r>
+          </a:p>
+          <a:p>
+            <a:endParaRPr lang="en-US" sz="2600" dirty="0"/>
+          </a:p>
+          <a:p>
+            <a:r>
+              <a:rPr lang="en-US" sz="2600" dirty="0"/>
+              <a:t>LOGINS PAGE</a:t>
+            </a:r>
+          </a:p>
+          <a:p>
+            <a:endParaRPr lang="en-US" sz="1800" dirty="0"/>
           </a:p>
         </p:txBody>
       </p:sp>
